--- a/ppt/2_java基础.pptx
+++ b/ppt/2_java基础.pptx
@@ -5,26 +5,25 @@
     <p:sldMasterId id="2147483648" r:id="rId1"/>
   </p:sldMasterIdLst>
   <p:notesMasterIdLst>
-    <p:notesMasterId r:id="rId19"/>
+    <p:notesMasterId r:id="rId18"/>
   </p:notesMasterIdLst>
   <p:sldIdLst>
     <p:sldId id="258" r:id="rId2"/>
     <p:sldId id="266" r:id="rId3"/>
-    <p:sldId id="281" r:id="rId4"/>
-    <p:sldId id="261" r:id="rId5"/>
-    <p:sldId id="260" r:id="rId6"/>
-    <p:sldId id="285" r:id="rId7"/>
-    <p:sldId id="270" r:id="rId8"/>
-    <p:sldId id="282" r:id="rId9"/>
-    <p:sldId id="283" r:id="rId10"/>
-    <p:sldId id="286" r:id="rId11"/>
-    <p:sldId id="268" r:id="rId12"/>
-    <p:sldId id="272" r:id="rId13"/>
-    <p:sldId id="287" r:id="rId14"/>
-    <p:sldId id="262" r:id="rId15"/>
-    <p:sldId id="269" r:id="rId16"/>
-    <p:sldId id="279" r:id="rId17"/>
-    <p:sldId id="265" r:id="rId18"/>
+    <p:sldId id="288" r:id="rId4"/>
+    <p:sldId id="270" r:id="rId5"/>
+    <p:sldId id="289" r:id="rId6"/>
+    <p:sldId id="282" r:id="rId7"/>
+    <p:sldId id="292" r:id="rId8"/>
+    <p:sldId id="283" r:id="rId9"/>
+    <p:sldId id="290" r:id="rId10"/>
+    <p:sldId id="291" r:id="rId11"/>
+    <p:sldId id="286" r:id="rId12"/>
+    <p:sldId id="268" r:id="rId13"/>
+    <p:sldId id="293" r:id="rId14"/>
+    <p:sldId id="294" r:id="rId15"/>
+    <p:sldId id="279" r:id="rId16"/>
+    <p:sldId id="295" r:id="rId17"/>
   </p:sldIdLst>
   <p:sldSz cx="12192000" cy="6858000"/>
   <p:notesSz cx="6858000" cy="9144000"/>
@@ -134,21 +133,20 @@
         <p14:section name="无标题节" id="{7F9DBBA9-7A2A-E140-81C6-6683700F6D2B}">
           <p14:sldIdLst>
             <p14:sldId id="266"/>
-            <p14:sldId id="281"/>
-            <p14:sldId id="261"/>
-            <p14:sldId id="260"/>
-            <p14:sldId id="285"/>
+            <p14:sldId id="288"/>
             <p14:sldId id="270"/>
+            <p14:sldId id="289"/>
             <p14:sldId id="282"/>
+            <p14:sldId id="292"/>
             <p14:sldId id="283"/>
+            <p14:sldId id="290"/>
+            <p14:sldId id="291"/>
             <p14:sldId id="286"/>
             <p14:sldId id="268"/>
-            <p14:sldId id="272"/>
-            <p14:sldId id="287"/>
-            <p14:sldId id="262"/>
-            <p14:sldId id="269"/>
+            <p14:sldId id="293"/>
+            <p14:sldId id="294"/>
             <p14:sldId id="279"/>
-            <p14:sldId id="265"/>
+            <p14:sldId id="295"/>
           </p14:sldIdLst>
         </p14:section>
       </p14:sectionLst>
@@ -242,7 +240,7 @@
           <a:p>
             <a:fld id="{66C3546E-20F6-7649-A9A4-4E4A245D3E82}" type="datetimeFigureOut">
               <a:rPr kumimoji="1" lang="zh-CN" altLang="en-US" smtClean="0"/>
-              <a:t>2020/1/14</a:t>
+              <a:t>2020/2/9</a:t>
             </a:fld>
             <a:endParaRPr kumimoji="1" lang="zh-CN" altLang="en-US"/>
           </a:p>
@@ -637,7 +635,10 @@
           <a:bodyPr/>
           <a:lstStyle/>
           <a:p>
-            <a:endParaRPr kumimoji="1" lang="zh-CN" altLang="en-US" dirty="0"/>
+            <a:r>
+              <a:rPr kumimoji="1" lang="zh-CN" altLang="en-US" dirty="0"/>
+              <a:t>有例子</a:t>
+            </a:r>
           </a:p>
         </p:txBody>
       </p:sp>
@@ -658,7 +659,7 @@
           <a:p>
             <a:fld id="{0F8E57A1-C481-6944-857F-EAC8E932B5ED}" type="slidenum">
               <a:rPr kumimoji="1" lang="zh-CN" altLang="en-US" smtClean="0"/>
-              <a:t>15</a:t>
+              <a:t>11</a:t>
             </a:fld>
             <a:endParaRPr kumimoji="1" lang="zh-CN" altLang="en-US"/>
           </a:p>
@@ -667,7 +668,7 @@
     </p:spTree>
     <p:extLst>
       <p:ext uri="{BB962C8B-B14F-4D97-AF65-F5344CB8AC3E}">
-        <p14:creationId xmlns:p14="http://schemas.microsoft.com/office/powerpoint/2010/main" val="810885978"/>
+        <p14:creationId xmlns:p14="http://schemas.microsoft.com/office/powerpoint/2010/main" val="3991650673"/>
       </p:ext>
     </p:extLst>
   </p:cSld>
@@ -721,31 +722,10 @@
           <a:bodyPr/>
           <a:lstStyle/>
           <a:p>
-            <a:pPr marL="0" marR="0" lvl="0" indent="0" algn="l" defTabSz="914400" rtl="0" eaLnBrk="1" fontAlgn="auto" latinLnBrk="0" hangingPunct="1">
-              <a:lnSpc>
-                <a:spcPct val="100000"/>
-              </a:lnSpc>
-              <a:spcBef>
-                <a:spcPts val="0"/>
-              </a:spcBef>
-              <a:spcAft>
-                <a:spcPts val="0"/>
-              </a:spcAft>
-              <a:buClrTx/>
-              <a:buSzTx/>
-              <a:buFontTx/>
-              <a:buNone/>
-              <a:tabLst/>
-              <a:defRPr/>
-            </a:pPr>
             <a:r>
               <a:rPr kumimoji="1" lang="zh-CN" altLang="en-US" dirty="0"/>
-              <a:t>另一个例子：狗会叫，猫会叫，鸭子也会叫，那他们可以抽象成 一个动物对象，这个动物对象有叫这个动作，但至于具体如何叫，就不是抽象数据模型的职责了，而是具体数据类型的职责</a:t>
-            </a:r>
-            <a:endParaRPr kumimoji="1" lang="en-US" altLang="zh-CN" dirty="0"/>
-          </a:p>
-          <a:p>
-            <a:endParaRPr kumimoji="1" lang="zh-CN" altLang="en-US" dirty="0"/>
+              <a:t>在数据结构中，我们谈论的最多的是 数据元素，然后再往下谈数据项</a:t>
+            </a:r>
           </a:p>
         </p:txBody>
       </p:sp>
@@ -766,7 +746,7 @@
           <a:p>
             <a:fld id="{0F8E57A1-C481-6944-857F-EAC8E932B5ED}" type="slidenum">
               <a:rPr kumimoji="1" lang="zh-CN" altLang="en-US" smtClean="0"/>
-              <a:t>16</a:t>
+              <a:t>12</a:t>
             </a:fld>
             <a:endParaRPr kumimoji="1" lang="zh-CN" altLang="en-US"/>
           </a:p>
@@ -775,7 +755,7 @@
     </p:spTree>
     <p:extLst>
       <p:ext uri="{BB962C8B-B14F-4D97-AF65-F5344CB8AC3E}">
-        <p14:creationId xmlns:p14="http://schemas.microsoft.com/office/powerpoint/2010/main" val="4167110842"/>
+        <p14:creationId xmlns:p14="http://schemas.microsoft.com/office/powerpoint/2010/main" val="1568470300"/>
       </p:ext>
     </p:extLst>
   </p:cSld>
@@ -829,7 +809,10 @@
           <a:bodyPr/>
           <a:lstStyle/>
           <a:p>
-            <a:endParaRPr kumimoji="1" lang="zh-CN" altLang="en-US" dirty="0"/>
+            <a:r>
+              <a:rPr kumimoji="1" lang="zh-CN" altLang="en-US" dirty="0"/>
+              <a:t>在数据结构中，我们谈论的最多的是 数据元素，然后再往下谈数据项</a:t>
+            </a:r>
           </a:p>
         </p:txBody>
       </p:sp>
@@ -850,7 +833,7 @@
           <a:p>
             <a:fld id="{0F8E57A1-C481-6944-857F-EAC8E932B5ED}" type="slidenum">
               <a:rPr kumimoji="1" lang="zh-CN" altLang="en-US" smtClean="0"/>
-              <a:t>17</a:t>
+              <a:t>13</a:t>
             </a:fld>
             <a:endParaRPr kumimoji="1" lang="zh-CN" altLang="en-US"/>
           </a:p>
@@ -859,7 +842,361 @@
     </p:spTree>
     <p:extLst>
       <p:ext uri="{BB962C8B-B14F-4D97-AF65-F5344CB8AC3E}">
-        <p14:creationId xmlns:p14="http://schemas.microsoft.com/office/powerpoint/2010/main" val="1197134026"/>
+        <p14:creationId xmlns:p14="http://schemas.microsoft.com/office/powerpoint/2010/main" val="428244954"/>
+      </p:ext>
+    </p:extLst>
+  </p:cSld>
+  <p:clrMapOvr>
+    <a:masterClrMapping/>
+  </p:clrMapOvr>
+</p:notes>
+</file>
+
+<file path=ppt/notesSlides/notesSlide13.xml><?xml version="1.0" encoding="utf-8"?>
+<p:notes xmlns:a="http://schemas.openxmlformats.org/drawingml/2006/main" xmlns:r="http://schemas.openxmlformats.org/officeDocument/2006/relationships" xmlns:p="http://schemas.openxmlformats.org/presentationml/2006/main">
+  <p:cSld>
+    <p:spTree>
+      <p:nvGrpSpPr>
+        <p:cNvPr id="1" name=""/>
+        <p:cNvGrpSpPr/>
+        <p:nvPr/>
+      </p:nvGrpSpPr>
+      <p:grpSpPr>
+        <a:xfrm>
+          <a:off x="0" y="0"/>
+          <a:ext cx="0" cy="0"/>
+          <a:chOff x="0" y="0"/>
+          <a:chExt cx="0" cy="0"/>
+        </a:xfrm>
+      </p:grpSpPr>
+      <p:sp>
+        <p:nvSpPr>
+          <p:cNvPr id="2" name="幻灯片图像占位符 1"/>
+          <p:cNvSpPr>
+            <a:spLocks noGrp="1" noRot="1" noChangeAspect="1"/>
+          </p:cNvSpPr>
+          <p:nvPr>
+            <p:ph type="sldImg"/>
+          </p:nvPr>
+        </p:nvSpPr>
+        <p:spPr/>
+      </p:sp>
+      <p:sp>
+        <p:nvSpPr>
+          <p:cNvPr id="3" name="备注占位符 2"/>
+          <p:cNvSpPr>
+            <a:spLocks noGrp="1"/>
+          </p:cNvSpPr>
+          <p:nvPr>
+            <p:ph type="body" idx="1"/>
+          </p:nvPr>
+        </p:nvSpPr>
+        <p:spPr/>
+        <p:txBody>
+          <a:bodyPr/>
+          <a:lstStyle/>
+          <a:p>
+            <a:r>
+              <a:rPr lang="en-US" altLang="zh-CN" sz="1200" dirty="0">
+                <a:effectLst/>
+              </a:rPr>
+              <a:t>a</a:t>
+            </a:r>
+            <a:r>
+              <a:rPr lang="zh-CN" altLang="en-US" sz="1200" dirty="0">
+                <a:effectLst/>
+              </a:rPr>
+              <a:t>例子：当两个操作数是整数时，</a:t>
+            </a:r>
+            <a:r>
+              <a:rPr lang="en-US" altLang="zh-CN" sz="1200" kern="1200" dirty="0">
+                <a:solidFill>
+                  <a:schemeClr val="tx1"/>
+                </a:solidFill>
+                <a:effectLst/>
+                <a:latin typeface="+mn-lt"/>
+                <a:ea typeface="+mn-ea"/>
+                <a:cs typeface="+mn-cs"/>
+              </a:rPr>
+              <a:t>/ </a:t>
+            </a:r>
+            <a:r>
+              <a:rPr lang="zh-CN" altLang="en-US" sz="1200" dirty="0">
+                <a:effectLst/>
+              </a:rPr>
+              <a:t>操作符执行一个整数除法，操作的结果是整数，小数部分被截去。</a:t>
+            </a:r>
+            <a:endParaRPr lang="en-US" altLang="zh-CN" sz="1200" dirty="0">
+              <a:effectLst/>
+            </a:endParaRPr>
+          </a:p>
+          <a:p>
+            <a:r>
+              <a:rPr lang="en-US" altLang="zh-CN" sz="1200" dirty="0">
+                <a:effectLst/>
+              </a:rPr>
+              <a:t>b</a:t>
+            </a:r>
+            <a:r>
+              <a:rPr lang="zh-CN" altLang="en-US" sz="1200" dirty="0">
+                <a:effectLst/>
+              </a:rPr>
+              <a:t>例子：要强制两个整数执行一个浮点数除法时，将其中一个整数转换为浮点数值。</a:t>
+            </a:r>
+            <a:endParaRPr lang="en-US" altLang="zh-CN" sz="1200" dirty="0">
+              <a:effectLst/>
+            </a:endParaRPr>
+          </a:p>
+          <a:p>
+            <a:endParaRPr lang="en-US" altLang="zh-CN" sz="1200" dirty="0">
+              <a:effectLst/>
+            </a:endParaRPr>
+          </a:p>
+        </p:txBody>
+      </p:sp>
+      <p:sp>
+        <p:nvSpPr>
+          <p:cNvPr id="4" name="灯片编号占位符 3"/>
+          <p:cNvSpPr>
+            <a:spLocks noGrp="1"/>
+          </p:cNvSpPr>
+          <p:nvPr>
+            <p:ph type="sldNum" sz="quarter" idx="5"/>
+          </p:nvPr>
+        </p:nvSpPr>
+        <p:spPr/>
+        <p:txBody>
+          <a:bodyPr/>
+          <a:lstStyle/>
+          <a:p>
+            <a:fld id="{0F8E57A1-C481-6944-857F-EAC8E932B5ED}" type="slidenum">
+              <a:rPr kumimoji="1" lang="zh-CN" altLang="en-US" smtClean="0"/>
+              <a:t>14</a:t>
+            </a:fld>
+            <a:endParaRPr kumimoji="1" lang="zh-CN" altLang="en-US"/>
+          </a:p>
+        </p:txBody>
+      </p:sp>
+    </p:spTree>
+    <p:extLst>
+      <p:ext uri="{BB962C8B-B14F-4D97-AF65-F5344CB8AC3E}">
+        <p14:creationId xmlns:p14="http://schemas.microsoft.com/office/powerpoint/2010/main" val="2623026475"/>
+      </p:ext>
+    </p:extLst>
+  </p:cSld>
+  <p:clrMapOvr>
+    <a:masterClrMapping/>
+  </p:clrMapOvr>
+</p:notes>
+</file>
+
+<file path=ppt/notesSlides/notesSlide14.xml><?xml version="1.0" encoding="utf-8"?>
+<p:notes xmlns:a="http://schemas.openxmlformats.org/drawingml/2006/main" xmlns:r="http://schemas.openxmlformats.org/officeDocument/2006/relationships" xmlns:p="http://schemas.openxmlformats.org/presentationml/2006/main">
+  <p:cSld>
+    <p:spTree>
+      <p:nvGrpSpPr>
+        <p:cNvPr id="1" name=""/>
+        <p:cNvGrpSpPr/>
+        <p:nvPr/>
+      </p:nvGrpSpPr>
+      <p:grpSpPr>
+        <a:xfrm>
+          <a:off x="0" y="0"/>
+          <a:ext cx="0" cy="0"/>
+          <a:chOff x="0" y="0"/>
+          <a:chExt cx="0" cy="0"/>
+        </a:xfrm>
+      </p:grpSpPr>
+      <p:sp>
+        <p:nvSpPr>
+          <p:cNvPr id="2" name="幻灯片图像占位符 1"/>
+          <p:cNvSpPr>
+            <a:spLocks noGrp="1" noRot="1" noChangeAspect="1"/>
+          </p:cNvSpPr>
+          <p:nvPr>
+            <p:ph type="sldImg"/>
+          </p:nvPr>
+        </p:nvSpPr>
+        <p:spPr/>
+      </p:sp>
+      <p:sp>
+        <p:nvSpPr>
+          <p:cNvPr id="3" name="备注占位符 2"/>
+          <p:cNvSpPr>
+            <a:spLocks noGrp="1"/>
+          </p:cNvSpPr>
+          <p:nvPr>
+            <p:ph type="body" idx="1"/>
+          </p:nvPr>
+        </p:nvSpPr>
+        <p:spPr/>
+        <p:txBody>
+          <a:bodyPr/>
+          <a:lstStyle/>
+          <a:p>
+            <a:pPr marL="0" marR="0" lvl="0" indent="0" algn="l" defTabSz="914400" rtl="0" eaLnBrk="1" fontAlgn="auto" latinLnBrk="0" hangingPunct="1">
+              <a:lnSpc>
+                <a:spcPct val="100000"/>
+              </a:lnSpc>
+              <a:spcBef>
+                <a:spcPts val="0"/>
+              </a:spcBef>
+              <a:spcAft>
+                <a:spcPts val="0"/>
+              </a:spcAft>
+              <a:buClrTx/>
+              <a:buSzTx/>
+              <a:buFontTx/>
+              <a:buNone/>
+              <a:tabLst/>
+              <a:defRPr/>
+            </a:pPr>
+            <a:r>
+              <a:rPr kumimoji="1" lang="zh-CN" altLang="en-US" dirty="0"/>
+              <a:t>另一个例子：狗会叫，猫会叫，鸭子也会叫，那他们可以抽象成 一个动物对象，这个动物对象有叫这个动作，但至于具体如何叫，就不是抽象数据模型的职责了，而是具体数据类型的职责</a:t>
+            </a:r>
+            <a:endParaRPr kumimoji="1" lang="en-US" altLang="zh-CN" dirty="0"/>
+          </a:p>
+          <a:p>
+            <a:endParaRPr kumimoji="1" lang="zh-CN" altLang="en-US" dirty="0"/>
+          </a:p>
+        </p:txBody>
+      </p:sp>
+      <p:sp>
+        <p:nvSpPr>
+          <p:cNvPr id="4" name="灯片编号占位符 3"/>
+          <p:cNvSpPr>
+            <a:spLocks noGrp="1"/>
+          </p:cNvSpPr>
+          <p:nvPr>
+            <p:ph type="sldNum" sz="quarter" idx="5"/>
+          </p:nvPr>
+        </p:nvSpPr>
+        <p:spPr/>
+        <p:txBody>
+          <a:bodyPr/>
+          <a:lstStyle/>
+          <a:p>
+            <a:fld id="{0F8E57A1-C481-6944-857F-EAC8E932B5ED}" type="slidenum">
+              <a:rPr kumimoji="1" lang="zh-CN" altLang="en-US" smtClean="0"/>
+              <a:t>15</a:t>
+            </a:fld>
+            <a:endParaRPr kumimoji="1" lang="zh-CN" altLang="en-US"/>
+          </a:p>
+        </p:txBody>
+      </p:sp>
+    </p:spTree>
+    <p:extLst>
+      <p:ext uri="{BB962C8B-B14F-4D97-AF65-F5344CB8AC3E}">
+        <p14:creationId xmlns:p14="http://schemas.microsoft.com/office/powerpoint/2010/main" val="4167110842"/>
+      </p:ext>
+    </p:extLst>
+  </p:cSld>
+  <p:clrMapOvr>
+    <a:masterClrMapping/>
+  </p:clrMapOvr>
+</p:notes>
+</file>
+
+<file path=ppt/notesSlides/notesSlide15.xml><?xml version="1.0" encoding="utf-8"?>
+<p:notes xmlns:a="http://schemas.openxmlformats.org/drawingml/2006/main" xmlns:r="http://schemas.openxmlformats.org/officeDocument/2006/relationships" xmlns:p="http://schemas.openxmlformats.org/presentationml/2006/main">
+  <p:cSld>
+    <p:spTree>
+      <p:nvGrpSpPr>
+        <p:cNvPr id="1" name=""/>
+        <p:cNvGrpSpPr/>
+        <p:nvPr/>
+      </p:nvGrpSpPr>
+      <p:grpSpPr>
+        <a:xfrm>
+          <a:off x="0" y="0"/>
+          <a:ext cx="0" cy="0"/>
+          <a:chOff x="0" y="0"/>
+          <a:chExt cx="0" cy="0"/>
+        </a:xfrm>
+      </p:grpSpPr>
+      <p:sp>
+        <p:nvSpPr>
+          <p:cNvPr id="2" name="幻灯片图像占位符 1"/>
+          <p:cNvSpPr>
+            <a:spLocks noGrp="1" noRot="1" noChangeAspect="1"/>
+          </p:cNvSpPr>
+          <p:nvPr>
+            <p:ph type="sldImg"/>
+          </p:nvPr>
+        </p:nvSpPr>
+        <p:spPr/>
+      </p:sp>
+      <p:sp>
+        <p:nvSpPr>
+          <p:cNvPr id="3" name="备注占位符 2"/>
+          <p:cNvSpPr>
+            <a:spLocks noGrp="1"/>
+          </p:cNvSpPr>
+          <p:nvPr>
+            <p:ph type="body" idx="1"/>
+          </p:nvPr>
+        </p:nvSpPr>
+        <p:spPr/>
+        <p:txBody>
+          <a:bodyPr/>
+          <a:lstStyle/>
+          <a:p>
+            <a:pPr marL="0" marR="0" lvl="0" indent="0" algn="l" defTabSz="914400" rtl="0" eaLnBrk="1" fontAlgn="auto" latinLnBrk="0" hangingPunct="1">
+              <a:lnSpc>
+                <a:spcPct val="100000"/>
+              </a:lnSpc>
+              <a:spcBef>
+                <a:spcPts val="0"/>
+              </a:spcBef>
+              <a:spcAft>
+                <a:spcPts val="0"/>
+              </a:spcAft>
+              <a:buClrTx/>
+              <a:buSzTx/>
+              <a:buFontTx/>
+              <a:buNone/>
+              <a:tabLst/>
+              <a:defRPr/>
+            </a:pPr>
+            <a:r>
+              <a:rPr kumimoji="1" lang="zh-CN" altLang="en-US" dirty="0"/>
+              <a:t>另一个例子：狗会叫，猫会叫，鸭子也会叫，那他们可以抽象成 一个动物对象，这个动物对象有叫这个动作，但至于具体如何叫，就不是抽象数据模型的职责了，而是具体数据类型的职责</a:t>
+            </a:r>
+            <a:endParaRPr kumimoji="1" lang="en-US" altLang="zh-CN" dirty="0"/>
+          </a:p>
+          <a:p>
+            <a:endParaRPr kumimoji="1" lang="zh-CN" altLang="en-US" dirty="0"/>
+          </a:p>
+        </p:txBody>
+      </p:sp>
+      <p:sp>
+        <p:nvSpPr>
+          <p:cNvPr id="4" name="灯片编号占位符 3"/>
+          <p:cNvSpPr>
+            <a:spLocks noGrp="1"/>
+          </p:cNvSpPr>
+          <p:nvPr>
+            <p:ph type="sldNum" sz="quarter" idx="5"/>
+          </p:nvPr>
+        </p:nvSpPr>
+        <p:spPr/>
+        <p:txBody>
+          <a:bodyPr/>
+          <a:lstStyle/>
+          <a:p>
+            <a:fld id="{0F8E57A1-C481-6944-857F-EAC8E932B5ED}" type="slidenum">
+              <a:rPr kumimoji="1" lang="zh-CN" altLang="en-US" smtClean="0"/>
+              <a:t>16</a:t>
+            </a:fld>
+            <a:endParaRPr kumimoji="1" lang="zh-CN" altLang="en-US"/>
+          </a:p>
+        </p:txBody>
+      </p:sp>
+    </p:spTree>
+    <p:extLst>
+      <p:ext uri="{BB962C8B-B14F-4D97-AF65-F5344CB8AC3E}">
+        <p14:creationId xmlns:p14="http://schemas.microsoft.com/office/powerpoint/2010/main" val="3161374593"/>
       </p:ext>
     </p:extLst>
   </p:cSld>
@@ -913,7 +1250,10 @@
           <a:bodyPr/>
           <a:lstStyle/>
           <a:p>
-            <a:endParaRPr kumimoji="1" lang="zh-CN" altLang="en-US" dirty="0"/>
+            <a:r>
+              <a:rPr kumimoji="1" lang="zh-CN" altLang="en-US" dirty="0"/>
+              <a:t>切换到代码演示</a:t>
+            </a:r>
           </a:p>
         </p:txBody>
       </p:sp>
@@ -934,7 +1274,7 @@
           <a:p>
             <a:fld id="{0F8E57A1-C481-6944-857F-EAC8E932B5ED}" type="slidenum">
               <a:rPr kumimoji="1" lang="zh-CN" altLang="en-US" smtClean="0"/>
-              <a:t>7</a:t>
+              <a:t>3</a:t>
             </a:fld>
             <a:endParaRPr kumimoji="1" lang="zh-CN" altLang="en-US"/>
           </a:p>
@@ -943,7 +1283,7 @@
     </p:spTree>
     <p:extLst>
       <p:ext uri="{BB962C8B-B14F-4D97-AF65-F5344CB8AC3E}">
-        <p14:creationId xmlns:p14="http://schemas.microsoft.com/office/powerpoint/2010/main" val="3274922708"/>
+        <p14:creationId xmlns:p14="http://schemas.microsoft.com/office/powerpoint/2010/main" val="1239165598"/>
       </p:ext>
     </p:extLst>
   </p:cSld>
@@ -997,69 +1337,7 @@
           <a:bodyPr/>
           <a:lstStyle/>
           <a:p>
-            <a:pPr marL="0" marR="0" lvl="0" indent="0" algn="l" defTabSz="914400" rtl="0" eaLnBrk="1" fontAlgn="auto" latinLnBrk="0" hangingPunct="1">
-              <a:lnSpc>
-                <a:spcPct val="100000"/>
-              </a:lnSpc>
-              <a:spcBef>
-                <a:spcPts val="0"/>
-              </a:spcBef>
-              <a:spcAft>
-                <a:spcPts val="0"/>
-              </a:spcAft>
-              <a:buClrTx/>
-              <a:buSzTx/>
-              <a:buFontTx/>
-              <a:buNone/>
-              <a:tabLst/>
-              <a:defRPr/>
-            </a:pPr>
-            <a:r>
-              <a:rPr lang="zh-CN" altLang="en-US" dirty="0">
-                <a:hlinkClick r:id="rId3"/>
-              </a:rPr>
-              <a:t>如何从机器语言变成物理电平信号</a:t>
-            </a:r>
-          </a:p>
-          <a:p>
-            <a:pPr marL="0" marR="0" lvl="0" indent="0" algn="l" defTabSz="914400" rtl="0" eaLnBrk="1" fontAlgn="auto" latinLnBrk="0" hangingPunct="1">
-              <a:lnSpc>
-                <a:spcPct val="100000"/>
-              </a:lnSpc>
-              <a:spcBef>
-                <a:spcPts val="0"/>
-              </a:spcBef>
-              <a:spcAft>
-                <a:spcPts val="0"/>
-              </a:spcAft>
-              <a:buClrTx/>
-              <a:buSzTx/>
-              <a:buFontTx/>
-              <a:buNone/>
-              <a:tabLst/>
-              <a:defRPr/>
-            </a:pPr>
-            <a:endParaRPr lang="en-US" altLang="zh-CN" dirty="0">
-              <a:hlinkClick r:id="rId3"/>
-            </a:endParaRPr>
-          </a:p>
-          <a:p>
-            <a:r>
-              <a:rPr lang="en-US" altLang="zh-CN" dirty="0">
-                <a:hlinkClick r:id="rId3"/>
-              </a:rPr>
-              <a:t>https://www.zhihu.com/question/38339241</a:t>
-            </a:r>
-            <a:endParaRPr lang="en-US" altLang="zh-CN" dirty="0"/>
-          </a:p>
-          <a:p>
-            <a:endParaRPr kumimoji="1" lang="en-US" altLang="zh-CN" dirty="0"/>
-          </a:p>
-          <a:p>
-            <a:r>
-              <a:rPr kumimoji="1" lang="zh-CN" altLang="en-US" dirty="0"/>
-              <a:t>也就是 软件最重要硬件实现，而硬件都是电气电路，只认识，高，低电平</a:t>
-            </a:r>
+            <a:endParaRPr kumimoji="1" lang="zh-CN" altLang="en-US" dirty="0"/>
           </a:p>
         </p:txBody>
       </p:sp>
@@ -1080,7 +1358,7 @@
           <a:p>
             <a:fld id="{0F8E57A1-C481-6944-857F-EAC8E932B5ED}" type="slidenum">
               <a:rPr kumimoji="1" lang="zh-CN" altLang="en-US" smtClean="0"/>
-              <a:t>8</a:t>
+              <a:t>4</a:t>
             </a:fld>
             <a:endParaRPr kumimoji="1" lang="zh-CN" altLang="en-US"/>
           </a:p>
@@ -1089,7 +1367,7 @@
     </p:spTree>
     <p:extLst>
       <p:ext uri="{BB962C8B-B14F-4D97-AF65-F5344CB8AC3E}">
-        <p14:creationId xmlns:p14="http://schemas.microsoft.com/office/powerpoint/2010/main" val="2112939307"/>
+        <p14:creationId xmlns:p14="http://schemas.microsoft.com/office/powerpoint/2010/main" val="3274922708"/>
       </p:ext>
     </p:extLst>
   </p:cSld>
@@ -1164,7 +1442,7 @@
           <a:p>
             <a:fld id="{0F8E57A1-C481-6944-857F-EAC8E932B5ED}" type="slidenum">
               <a:rPr kumimoji="1" lang="zh-CN" altLang="en-US" smtClean="0"/>
-              <a:t>9</a:t>
+              <a:t>5</a:t>
             </a:fld>
             <a:endParaRPr kumimoji="1" lang="zh-CN" altLang="en-US"/>
           </a:p>
@@ -1173,7 +1451,7 @@
     </p:spTree>
     <p:extLst>
       <p:ext uri="{BB962C8B-B14F-4D97-AF65-F5344CB8AC3E}">
-        <p14:creationId xmlns:p14="http://schemas.microsoft.com/office/powerpoint/2010/main" val="3404415977"/>
+        <p14:creationId xmlns:p14="http://schemas.microsoft.com/office/powerpoint/2010/main" val="1320749688"/>
       </p:ext>
     </p:extLst>
   </p:cSld>
@@ -1227,7 +1505,69 @@
           <a:bodyPr/>
           <a:lstStyle/>
           <a:p>
-            <a:endParaRPr kumimoji="1" lang="zh-CN" altLang="en-US" dirty="0"/>
+            <a:pPr marL="0" marR="0" lvl="0" indent="0" algn="l" defTabSz="914400" rtl="0" eaLnBrk="1" fontAlgn="auto" latinLnBrk="0" hangingPunct="1">
+              <a:lnSpc>
+                <a:spcPct val="100000"/>
+              </a:lnSpc>
+              <a:spcBef>
+                <a:spcPts val="0"/>
+              </a:spcBef>
+              <a:spcAft>
+                <a:spcPts val="0"/>
+              </a:spcAft>
+              <a:buClrTx/>
+              <a:buSzTx/>
+              <a:buFontTx/>
+              <a:buNone/>
+              <a:tabLst/>
+              <a:defRPr/>
+            </a:pPr>
+            <a:r>
+              <a:rPr lang="zh-CN" altLang="en-US" dirty="0">
+                <a:hlinkClick r:id="rId3"/>
+              </a:rPr>
+              <a:t>如何从机器语言变成物理电平信号</a:t>
+            </a:r>
+          </a:p>
+          <a:p>
+            <a:pPr marL="0" marR="0" lvl="0" indent="0" algn="l" defTabSz="914400" rtl="0" eaLnBrk="1" fontAlgn="auto" latinLnBrk="0" hangingPunct="1">
+              <a:lnSpc>
+                <a:spcPct val="100000"/>
+              </a:lnSpc>
+              <a:spcBef>
+                <a:spcPts val="0"/>
+              </a:spcBef>
+              <a:spcAft>
+                <a:spcPts val="0"/>
+              </a:spcAft>
+              <a:buClrTx/>
+              <a:buSzTx/>
+              <a:buFontTx/>
+              <a:buNone/>
+              <a:tabLst/>
+              <a:defRPr/>
+            </a:pPr>
+            <a:endParaRPr lang="en-US" altLang="zh-CN" dirty="0">
+              <a:hlinkClick r:id="rId3"/>
+            </a:endParaRPr>
+          </a:p>
+          <a:p>
+            <a:r>
+              <a:rPr lang="en-US" altLang="zh-CN" dirty="0">
+                <a:hlinkClick r:id="rId3"/>
+              </a:rPr>
+              <a:t>https://www.zhihu.com/question/38339241</a:t>
+            </a:r>
+            <a:endParaRPr lang="en-US" altLang="zh-CN" dirty="0"/>
+          </a:p>
+          <a:p>
+            <a:endParaRPr kumimoji="1" lang="en-US" altLang="zh-CN" dirty="0"/>
+          </a:p>
+          <a:p>
+            <a:r>
+              <a:rPr kumimoji="1" lang="zh-CN" altLang="en-US" dirty="0"/>
+              <a:t>也就是 软件最重要硬件实现，而硬件都是电气电路，只认识，高，低电平</a:t>
+            </a:r>
           </a:p>
         </p:txBody>
       </p:sp>
@@ -1248,7 +1588,7 @@
           <a:p>
             <a:fld id="{0F8E57A1-C481-6944-857F-EAC8E932B5ED}" type="slidenum">
               <a:rPr kumimoji="1" lang="zh-CN" altLang="en-US" smtClean="0"/>
-              <a:t>10</a:t>
+              <a:t>6</a:t>
             </a:fld>
             <a:endParaRPr kumimoji="1" lang="zh-CN" altLang="en-US"/>
           </a:p>
@@ -1257,7 +1597,7 @@
     </p:spTree>
     <p:extLst>
       <p:ext uri="{BB962C8B-B14F-4D97-AF65-F5344CB8AC3E}">
-        <p14:creationId xmlns:p14="http://schemas.microsoft.com/office/powerpoint/2010/main" val="3991650673"/>
+        <p14:creationId xmlns:p14="http://schemas.microsoft.com/office/powerpoint/2010/main" val="2112939307"/>
       </p:ext>
     </p:extLst>
   </p:cSld>
@@ -1311,9 +1651,68 @@
           <a:bodyPr/>
           <a:lstStyle/>
           <a:p>
+            <a:pPr marL="0" marR="0" lvl="0" indent="0" algn="l" defTabSz="914400" rtl="0" eaLnBrk="1" fontAlgn="auto" latinLnBrk="0" hangingPunct="1">
+              <a:lnSpc>
+                <a:spcPct val="100000"/>
+              </a:lnSpc>
+              <a:spcBef>
+                <a:spcPts val="0"/>
+              </a:spcBef>
+              <a:spcAft>
+                <a:spcPts val="0"/>
+              </a:spcAft>
+              <a:buClrTx/>
+              <a:buSzTx/>
+              <a:buFontTx/>
+              <a:buNone/>
+              <a:tabLst/>
+              <a:defRPr/>
+            </a:pPr>
+            <a:r>
+              <a:rPr lang="zh-CN" altLang="en-US" dirty="0">
+                <a:hlinkClick r:id="rId3"/>
+              </a:rPr>
+              <a:t>如何从机器语言变成物理电平信号</a:t>
+            </a:r>
+          </a:p>
+          <a:p>
+            <a:pPr marL="0" marR="0" lvl="0" indent="0" algn="l" defTabSz="914400" rtl="0" eaLnBrk="1" fontAlgn="auto" latinLnBrk="0" hangingPunct="1">
+              <a:lnSpc>
+                <a:spcPct val="100000"/>
+              </a:lnSpc>
+              <a:spcBef>
+                <a:spcPts val="0"/>
+              </a:spcBef>
+              <a:spcAft>
+                <a:spcPts val="0"/>
+              </a:spcAft>
+              <a:buClrTx/>
+              <a:buSzTx/>
+              <a:buFontTx/>
+              <a:buNone/>
+              <a:tabLst/>
+              <a:defRPr/>
+            </a:pPr>
+            <a:endParaRPr lang="en-US" altLang="zh-CN" dirty="0">
+              <a:hlinkClick r:id="rId3"/>
+            </a:endParaRPr>
+          </a:p>
+          <a:p>
+            <a:r>
+              <a:rPr lang="en-US" altLang="zh-CN" dirty="0">
+                <a:hlinkClick r:id="rId3"/>
+              </a:rPr>
+              <a:t>https://www.zhihu.com/question/38339241</a:t>
+            </a:r>
+            <a:endParaRPr lang="en-US" altLang="zh-CN" dirty="0"/>
+          </a:p>
+          <a:p>
+            <a:endParaRPr kumimoji="1" lang="en-US" altLang="zh-CN" dirty="0"/>
+          </a:p>
+          <a:p>
             <a:r>
               <a:rPr kumimoji="1" lang="zh-CN" altLang="en-US" dirty="0"/>
-              <a:t>在数据结构中，我们谈论的最多的是 数据元素，然后再往下谈数据项</a:t>
+              <a:t>也就是 软件最重要硬件实现，而硬件都是电气电路，只认识，高，低电平</a:t>
             </a:r>
           </a:p>
         </p:txBody>
@@ -1335,7 +1734,7 @@
           <a:p>
             <a:fld id="{0F8E57A1-C481-6944-857F-EAC8E932B5ED}" type="slidenum">
               <a:rPr kumimoji="1" lang="zh-CN" altLang="en-US" smtClean="0"/>
-              <a:t>11</a:t>
+              <a:t>7</a:t>
             </a:fld>
             <a:endParaRPr kumimoji="1" lang="zh-CN" altLang="en-US"/>
           </a:p>
@@ -1344,7 +1743,7 @@
     </p:spTree>
     <p:extLst>
       <p:ext uri="{BB962C8B-B14F-4D97-AF65-F5344CB8AC3E}">
-        <p14:creationId xmlns:p14="http://schemas.microsoft.com/office/powerpoint/2010/main" val="1568470300"/>
+        <p14:creationId xmlns:p14="http://schemas.microsoft.com/office/powerpoint/2010/main" val="2832086500"/>
       </p:ext>
     </p:extLst>
   </p:cSld>
@@ -1419,7 +1818,7 @@
           <a:p>
             <a:fld id="{0F8E57A1-C481-6944-857F-EAC8E932B5ED}" type="slidenum">
               <a:rPr kumimoji="1" lang="zh-CN" altLang="en-US" smtClean="0"/>
-              <a:t>12</a:t>
+              <a:t>8</a:t>
             </a:fld>
             <a:endParaRPr kumimoji="1" lang="zh-CN" altLang="en-US"/>
           </a:p>
@@ -1428,7 +1827,7 @@
     </p:spTree>
     <p:extLst>
       <p:ext uri="{BB962C8B-B14F-4D97-AF65-F5344CB8AC3E}">
-        <p14:creationId xmlns:p14="http://schemas.microsoft.com/office/powerpoint/2010/main" val="3497563520"/>
+        <p14:creationId xmlns:p14="http://schemas.microsoft.com/office/powerpoint/2010/main" val="3404415977"/>
       </p:ext>
     </p:extLst>
   </p:cSld>
@@ -1503,7 +1902,7 @@
           <a:p>
             <a:fld id="{0F8E57A1-C481-6944-857F-EAC8E932B5ED}" type="slidenum">
               <a:rPr kumimoji="1" lang="zh-CN" altLang="en-US" smtClean="0"/>
-              <a:t>13</a:t>
+              <a:t>9</a:t>
             </a:fld>
             <a:endParaRPr kumimoji="1" lang="zh-CN" altLang="en-US"/>
           </a:p>
@@ -1512,7 +1911,7 @@
     </p:spTree>
     <p:extLst>
       <p:ext uri="{BB962C8B-B14F-4D97-AF65-F5344CB8AC3E}">
-        <p14:creationId xmlns:p14="http://schemas.microsoft.com/office/powerpoint/2010/main" val="400095001"/>
+        <p14:creationId xmlns:p14="http://schemas.microsoft.com/office/powerpoint/2010/main" val="1659880490"/>
       </p:ext>
     </p:extLst>
   </p:cSld>
@@ -1566,6 +1965,23 @@
           <a:bodyPr/>
           <a:lstStyle/>
           <a:p>
+            <a:pPr marL="0" marR="0" lvl="0" indent="0" algn="l" defTabSz="914400" rtl="0" eaLnBrk="1" fontAlgn="auto" latinLnBrk="0" hangingPunct="1">
+              <a:lnSpc>
+                <a:spcPct val="100000"/>
+              </a:lnSpc>
+              <a:spcBef>
+                <a:spcPts val="0"/>
+              </a:spcBef>
+              <a:spcAft>
+                <a:spcPts val="0"/>
+              </a:spcAft>
+              <a:buClrTx/>
+              <a:buSzTx/>
+              <a:buFontTx/>
+              <a:buNone/>
+              <a:tabLst/>
+              <a:defRPr/>
+            </a:pPr>
             <a:endParaRPr kumimoji="1" lang="zh-CN" altLang="en-US" dirty="0"/>
           </a:p>
         </p:txBody>
@@ -1587,7 +2003,7 @@
           <a:p>
             <a:fld id="{0F8E57A1-C481-6944-857F-EAC8E932B5ED}" type="slidenum">
               <a:rPr kumimoji="1" lang="zh-CN" altLang="en-US" smtClean="0"/>
-              <a:t>14</a:t>
+              <a:t>10</a:t>
             </a:fld>
             <a:endParaRPr kumimoji="1" lang="zh-CN" altLang="en-US"/>
           </a:p>
@@ -1596,7 +2012,7 @@
     </p:spTree>
     <p:extLst>
       <p:ext uri="{BB962C8B-B14F-4D97-AF65-F5344CB8AC3E}">
-        <p14:creationId xmlns:p14="http://schemas.microsoft.com/office/powerpoint/2010/main" val="3713486296"/>
+        <p14:creationId xmlns:p14="http://schemas.microsoft.com/office/powerpoint/2010/main" val="3634524704"/>
       </p:ext>
     </p:extLst>
   </p:cSld>
@@ -1753,7 +2169,7 @@
           <a:p>
             <a:fld id="{1C49BB65-7B3F-4D4E-A397-BBFD82890A5A}" type="datetimeFigureOut">
               <a:rPr kumimoji="1" lang="zh-CN" altLang="en-US" smtClean="0"/>
-              <a:t>2020/1/14</a:t>
+              <a:t>2020/2/9</a:t>
             </a:fld>
             <a:endParaRPr kumimoji="1" lang="zh-CN" altLang="en-US"/>
           </a:p>
@@ -1951,7 +2367,7 @@
           <a:p>
             <a:fld id="{1C49BB65-7B3F-4D4E-A397-BBFD82890A5A}" type="datetimeFigureOut">
               <a:rPr kumimoji="1" lang="zh-CN" altLang="en-US" smtClean="0"/>
-              <a:t>2020/1/14</a:t>
+              <a:t>2020/2/9</a:t>
             </a:fld>
             <a:endParaRPr kumimoji="1" lang="zh-CN" altLang="en-US"/>
           </a:p>
@@ -2159,7 +2575,7 @@
           <a:p>
             <a:fld id="{1C49BB65-7B3F-4D4E-A397-BBFD82890A5A}" type="datetimeFigureOut">
               <a:rPr kumimoji="1" lang="zh-CN" altLang="en-US" smtClean="0"/>
-              <a:t>2020/1/14</a:t>
+              <a:t>2020/2/9</a:t>
             </a:fld>
             <a:endParaRPr kumimoji="1" lang="zh-CN" altLang="en-US"/>
           </a:p>
@@ -2357,7 +2773,7 @@
           <a:p>
             <a:fld id="{1C49BB65-7B3F-4D4E-A397-BBFD82890A5A}" type="datetimeFigureOut">
               <a:rPr kumimoji="1" lang="zh-CN" altLang="en-US" smtClean="0"/>
-              <a:t>2020/1/14</a:t>
+              <a:t>2020/2/9</a:t>
             </a:fld>
             <a:endParaRPr kumimoji="1" lang="zh-CN" altLang="en-US"/>
           </a:p>
@@ -2632,7 +3048,7 @@
           <a:p>
             <a:fld id="{1C49BB65-7B3F-4D4E-A397-BBFD82890A5A}" type="datetimeFigureOut">
               <a:rPr kumimoji="1" lang="zh-CN" altLang="en-US" smtClean="0"/>
-              <a:t>2020/1/14</a:t>
+              <a:t>2020/2/9</a:t>
             </a:fld>
             <a:endParaRPr kumimoji="1" lang="zh-CN" altLang="en-US"/>
           </a:p>
@@ -2897,7 +3313,7 @@
           <a:p>
             <a:fld id="{1C49BB65-7B3F-4D4E-A397-BBFD82890A5A}" type="datetimeFigureOut">
               <a:rPr kumimoji="1" lang="zh-CN" altLang="en-US" smtClean="0"/>
-              <a:t>2020/1/14</a:t>
+              <a:t>2020/2/9</a:t>
             </a:fld>
             <a:endParaRPr kumimoji="1" lang="zh-CN" altLang="en-US"/>
           </a:p>
@@ -3309,7 +3725,7 @@
           <a:p>
             <a:fld id="{1C49BB65-7B3F-4D4E-A397-BBFD82890A5A}" type="datetimeFigureOut">
               <a:rPr kumimoji="1" lang="zh-CN" altLang="en-US" smtClean="0"/>
-              <a:t>2020/1/14</a:t>
+              <a:t>2020/2/9</a:t>
             </a:fld>
             <a:endParaRPr kumimoji="1" lang="zh-CN" altLang="en-US"/>
           </a:p>
@@ -3450,7 +3866,7 @@
           <a:p>
             <a:fld id="{1C49BB65-7B3F-4D4E-A397-BBFD82890A5A}" type="datetimeFigureOut">
               <a:rPr kumimoji="1" lang="zh-CN" altLang="en-US" smtClean="0"/>
-              <a:t>2020/1/14</a:t>
+              <a:t>2020/2/9</a:t>
             </a:fld>
             <a:endParaRPr kumimoji="1" lang="zh-CN" altLang="en-US"/>
           </a:p>
@@ -3820,7 +4236,7 @@
           <a:p>
             <a:fld id="{1C49BB65-7B3F-4D4E-A397-BBFD82890A5A}" type="datetimeFigureOut">
               <a:rPr kumimoji="1" lang="zh-CN" altLang="en-US" smtClean="0"/>
-              <a:t>2020/1/14</a:t>
+              <a:t>2020/2/9</a:t>
             </a:fld>
             <a:endParaRPr kumimoji="1" lang="zh-CN" altLang="en-US"/>
           </a:p>
@@ -4108,7 +4524,7 @@
           <a:p>
             <a:fld id="{1C49BB65-7B3F-4D4E-A397-BBFD82890A5A}" type="datetimeFigureOut">
               <a:rPr kumimoji="1" lang="zh-CN" altLang="en-US" smtClean="0"/>
-              <a:t>2020/1/14</a:t>
+              <a:t>2020/2/9</a:t>
             </a:fld>
             <a:endParaRPr kumimoji="1" lang="zh-CN" altLang="en-US"/>
           </a:p>
@@ -4349,7 +4765,7 @@
           <a:p>
             <a:fld id="{1C49BB65-7B3F-4D4E-A397-BBFD82890A5A}" type="datetimeFigureOut">
               <a:rPr kumimoji="1" lang="zh-CN" altLang="en-US" smtClean="0"/>
-              <a:t>2020/1/14</a:t>
+              <a:t>2020/2/9</a:t>
             </a:fld>
             <a:endParaRPr kumimoji="1" lang="zh-CN" altLang="en-US"/>
           </a:p>
@@ -4913,11 +5329,68 @@
                 <a:latin typeface="Microsoft YaHei" panose="020B0503020204020204" pitchFamily="34" charset="-122"/>
                 <a:ea typeface="Microsoft YaHei" panose="020B0503020204020204" pitchFamily="34" charset="-122"/>
               </a:rPr>
-              <a:t>第一节课 绪论</a:t>
-            </a:r>
-          </a:p>
-        </p:txBody>
-      </p:sp>
+              <a:t>第二节 </a:t>
+            </a:r>
+            <a:r>
+              <a:rPr kumimoji="1" lang="en-US" altLang="zh-CN" sz="4000" dirty="0">
+                <a:latin typeface="Microsoft YaHei" panose="020B0503020204020204" pitchFamily="34" charset="-122"/>
+                <a:ea typeface="Microsoft YaHei" panose="020B0503020204020204" pitchFamily="34" charset="-122"/>
+              </a:rPr>
+              <a:t>java</a:t>
+            </a:r>
+            <a:r>
+              <a:rPr kumimoji="1" lang="zh-CN" altLang="en-US" sz="4000" dirty="0">
+                <a:latin typeface="Microsoft YaHei" panose="020B0503020204020204" pitchFamily="34" charset="-122"/>
+                <a:ea typeface="Microsoft YaHei" panose="020B0503020204020204" pitchFamily="34" charset="-122"/>
+              </a:rPr>
+              <a:t>基础</a:t>
+            </a:r>
+          </a:p>
+        </p:txBody>
+      </p:sp>
+      <p:pic>
+        <p:nvPicPr>
+          <p:cNvPr id="5" name="图片 2">
+            <a:extLst>
+              <a:ext uri="{FF2B5EF4-FFF2-40B4-BE49-F238E27FC236}">
+                <a16:creationId xmlns:a16="http://schemas.microsoft.com/office/drawing/2014/main" id="{59775E4F-91FF-944A-AA06-0A277F286589}"/>
+              </a:ext>
+            </a:extLst>
+          </p:cNvPr>
+          <p:cNvPicPr>
+            <a:picLocks noChangeAspect="1" noChangeArrowheads="1"/>
+          </p:cNvPicPr>
+          <p:nvPr/>
+        </p:nvPicPr>
+        <p:blipFill>
+          <a:blip r:embed="rId3" cstate="print">
+            <a:extLst>
+              <a:ext uri="{28A0092B-C50C-407E-A947-70E740481C1C}">
+                <a14:useLocalDpi xmlns:a14="http://schemas.microsoft.com/office/drawing/2010/main" val="0"/>
+              </a:ext>
+            </a:extLst>
+          </a:blip>
+          <a:srcRect l="2818" t="9651" r="2068" b="9219"/>
+          <a:stretch>
+            <a:fillRect/>
+          </a:stretch>
+        </p:blipFill>
+        <p:spPr bwMode="auto">
+          <a:xfrm>
+            <a:off x="9186863" y="0"/>
+            <a:ext cx="3005137" cy="782637"/>
+          </a:xfrm>
+          <a:prstGeom prst="rect">
+            <a:avLst/>
+          </a:prstGeom>
+          <a:solidFill>
+            <a:schemeClr val="accent1"/>
+          </a:solidFill>
+          <a:ln>
+            <a:noFill/>
+          </a:ln>
+        </p:spPr>
+      </p:pic>
     </p:spTree>
     <p:extLst>
       <p:ext uri="{BB962C8B-B14F-4D97-AF65-F5344CB8AC3E}">
@@ -4991,81 +5464,54 @@
                 <a:latin typeface="Microsoft YaHei" panose="020B0503020204020204" pitchFamily="34" charset="-122"/>
                 <a:ea typeface="Microsoft YaHei" panose="020B0503020204020204" pitchFamily="34" charset="-122"/>
               </a:rPr>
-              <a:t>3.Java</a:t>
+              <a:t>4.3.</a:t>
             </a:r>
             <a:r>
               <a:rPr kumimoji="1" lang="zh-CN" altLang="en-US" sz="4800" dirty="0">
                 <a:latin typeface="Microsoft YaHei" panose="020B0503020204020204" pitchFamily="34" charset="-122"/>
                 <a:ea typeface="Microsoft YaHei" panose="020B0503020204020204" pitchFamily="34" charset="-122"/>
               </a:rPr>
-              <a:t>基础</a:t>
-            </a:r>
-            <a:r>
-              <a:rPr kumimoji="1" lang="en-US" altLang="zh-CN" sz="4800" dirty="0">
-                <a:latin typeface="Microsoft YaHei" panose="020B0503020204020204" pitchFamily="34" charset="-122"/>
-                <a:ea typeface="Microsoft YaHei" panose="020B0503020204020204" pitchFamily="34" charset="-122"/>
-              </a:rPr>
-              <a:t>---</a:t>
-            </a:r>
-            <a:r>
-              <a:rPr kumimoji="1" lang="zh-CN" altLang="en-US" sz="4800" dirty="0">
-                <a:latin typeface="Microsoft YaHei" panose="020B0503020204020204" pitchFamily="34" charset="-122"/>
-                <a:ea typeface="Microsoft YaHei" panose="020B0503020204020204" pitchFamily="34" charset="-122"/>
-              </a:rPr>
-              <a:t>高级语言</a:t>
-            </a:r>
-          </a:p>
-        </p:txBody>
-      </p:sp>
-      <p:sp>
-        <p:nvSpPr>
-          <p:cNvPr id="3" name="文本框 2">
-            <a:extLst>
-              <a:ext uri="{FF2B5EF4-FFF2-40B4-BE49-F238E27FC236}">
-                <a16:creationId xmlns:a16="http://schemas.microsoft.com/office/drawing/2014/main" id="{C0CFBE9F-84F2-FE48-AC8E-D41196C42DBA}"/>
-              </a:ext>
-            </a:extLst>
-          </p:cNvPr>
-          <p:cNvSpPr txBox="1"/>
+              <a:t>表达式计算优先级</a:t>
+            </a:r>
+          </a:p>
+        </p:txBody>
+      </p:sp>
+      <p:pic>
+        <p:nvPicPr>
+          <p:cNvPr id="4" name="图片 3">
+            <a:extLst>
+              <a:ext uri="{FF2B5EF4-FFF2-40B4-BE49-F238E27FC236}">
+                <a16:creationId xmlns:a16="http://schemas.microsoft.com/office/drawing/2014/main" id="{5C77ACF7-A5A8-CA4B-9CC5-87D9281D3BEF}"/>
+              </a:ext>
+            </a:extLst>
+          </p:cNvPr>
+          <p:cNvPicPr>
+            <a:picLocks noChangeAspect="1"/>
+          </p:cNvPicPr>
           <p:nvPr/>
-        </p:nvSpPr>
+        </p:nvPicPr>
+        <p:blipFill>
+          <a:blip r:embed="rId4"/>
+          <a:stretch>
+            <a:fillRect/>
+          </a:stretch>
+        </p:blipFill>
         <p:spPr>
           <a:xfrm>
-            <a:off x="1080655" y="2576945"/>
-            <a:ext cx="10997586" cy="1308820"/>
+            <a:off x="2824018" y="1747982"/>
+            <a:ext cx="6943438" cy="3698136"/>
           </a:xfrm>
           <a:prstGeom prst="rect">
             <a:avLst/>
           </a:prstGeom>
-          <a:noFill/>
         </p:spPr>
-        <p:txBody>
-          <a:bodyPr wrap="square" rtlCol="0">
-            <a:spAutoFit/>
-          </a:bodyPr>
-          <a:lstStyle/>
-          <a:p>
-            <a:pPr>
-              <a:lnSpc>
-                <a:spcPct val="150000"/>
-              </a:lnSpc>
-            </a:pPr>
-            <a:r>
-              <a:rPr kumimoji="1" lang="zh-CN" altLang="en-US" sz="2800" dirty="0">
-                <a:latin typeface="Microsoft YaHei" panose="020B0503020204020204" pitchFamily="34" charset="-122"/>
-                <a:ea typeface="Microsoft YaHei" panose="020B0503020204020204" pitchFamily="34" charset="-122"/>
-              </a:rPr>
-              <a:t>语法和结构更类似汉字或者普通英文，且由于远离对硬件的直接操作，使得一般人更容易学习。</a:t>
-            </a:r>
-          </a:p>
-        </p:txBody>
-      </p:sp>
-      <p:sp>
-        <p:nvSpPr>
-          <p:cNvPr id="4" name="文本框 3">
-            <a:extLst>
-              <a:ext uri="{FF2B5EF4-FFF2-40B4-BE49-F238E27FC236}">
-                <a16:creationId xmlns:a16="http://schemas.microsoft.com/office/drawing/2014/main" id="{DDC745ED-DF34-D342-B366-1489B28F4142}"/>
+      </p:pic>
+      <p:sp>
+        <p:nvSpPr>
+          <p:cNvPr id="6" name="文本框 5">
+            <a:extLst>
+              <a:ext uri="{FF2B5EF4-FFF2-40B4-BE49-F238E27FC236}">
+                <a16:creationId xmlns:a16="http://schemas.microsoft.com/office/drawing/2014/main" id="{1ABE12F4-A033-504C-896E-240405C72F08}"/>
               </a:ext>
             </a:extLst>
           </p:cNvPr>
@@ -5074,8 +5520,8 @@
         </p:nvSpPr>
         <p:spPr>
           <a:xfrm>
-            <a:off x="540000" y="1800000"/>
-            <a:ext cx="1070042" cy="542675"/>
+            <a:off x="2618182" y="5922818"/>
+            <a:ext cx="7149274" cy="523220"/>
           </a:xfrm>
           <a:prstGeom prst="rect">
             <a:avLst/>
@@ -5098,55 +5544,83 @@
                 <a:latin typeface="Microsoft YaHei" panose="020B0503020204020204" pitchFamily="34" charset="-122"/>
                 <a:ea typeface="Microsoft YaHei" panose="020B0503020204020204" pitchFamily="34" charset="-122"/>
               </a:rPr>
-              <a:t>定义</a:t>
-            </a:r>
-          </a:p>
-        </p:txBody>
-      </p:sp>
-      <p:sp>
-        <p:nvSpPr>
-          <p:cNvPr id="5" name="文本框 4">
-            <a:extLst>
-              <a:ext uri="{FF2B5EF4-FFF2-40B4-BE49-F238E27FC236}">
-                <a16:creationId xmlns:a16="http://schemas.microsoft.com/office/drawing/2014/main" id="{09FFDC10-CA20-7A49-936D-AEBDCC466E2C}"/>
-              </a:ext>
-            </a:extLst>
-          </p:cNvPr>
-          <p:cNvSpPr txBox="1"/>
-          <p:nvPr/>
-        </p:nvSpPr>
-        <p:spPr>
-          <a:xfrm>
-            <a:off x="1080655" y="4341785"/>
-            <a:ext cx="5867408" cy="1384995"/>
-          </a:xfrm>
-          <a:prstGeom prst="rect">
-            <a:avLst/>
-          </a:prstGeom>
-          <a:noFill/>
-        </p:spPr>
-        <p:txBody>
-          <a:bodyPr wrap="square" rtlCol="0">
-            <a:spAutoFit/>
-          </a:bodyPr>
-          <a:lstStyle/>
-          <a:p>
+              <a:t>优先级： </a:t>
+            </a:r>
+            <a:r>
+              <a:rPr kumimoji="1" lang="en-US" altLang="zh-CN" sz="2800" dirty="0">
+                <a:solidFill>
+                  <a:schemeClr val="bg1"/>
+                </a:solidFill>
+                <a:latin typeface="Microsoft YaHei" panose="020B0503020204020204" pitchFamily="34" charset="-122"/>
+                <a:ea typeface="Microsoft YaHei" panose="020B0503020204020204" pitchFamily="34" charset="-122"/>
+              </a:rPr>
+              <a:t>+</a:t>
+            </a:r>
             <a:r>
               <a:rPr kumimoji="1" lang="zh-CN" altLang="en-US" sz="2800" dirty="0">
-                <a:latin typeface="Microsoft YaHei" panose="020B0503020204020204" pitchFamily="34" charset="-122"/>
-                <a:ea typeface="Microsoft YaHei" panose="020B0503020204020204" pitchFamily="34" charset="-122"/>
-              </a:rPr>
-              <a:t>高级语言：</a:t>
+                <a:solidFill>
+                  <a:schemeClr val="bg1"/>
+                </a:solidFill>
+                <a:latin typeface="Microsoft YaHei" panose="020B0503020204020204" pitchFamily="34" charset="-122"/>
+                <a:ea typeface="Microsoft YaHei" panose="020B0503020204020204" pitchFamily="34" charset="-122"/>
+              </a:rPr>
+              <a:t>或</a:t>
             </a:r>
             <a:r>
               <a:rPr kumimoji="1" lang="en-US" altLang="zh-CN" sz="2800" dirty="0">
-                <a:latin typeface="Microsoft YaHei" panose="020B0503020204020204" pitchFamily="34" charset="-122"/>
-                <a:ea typeface="Microsoft YaHei" panose="020B0503020204020204" pitchFamily="34" charset="-122"/>
-              </a:rPr>
-              <a:t>C/C++/Java/Python</a:t>
+                <a:solidFill>
+                  <a:schemeClr val="bg1"/>
+                </a:solidFill>
+                <a:latin typeface="Microsoft YaHei" panose="020B0503020204020204" pitchFamily="34" charset="-122"/>
+                <a:ea typeface="Microsoft YaHei" panose="020B0503020204020204" pitchFamily="34" charset="-122"/>
+              </a:rPr>
+              <a:t>-</a:t>
             </a:r>
             <a:r>
               <a:rPr kumimoji="1" lang="zh-CN" altLang="en-US" sz="2800" dirty="0">
+                <a:solidFill>
+                  <a:schemeClr val="bg1"/>
+                </a:solidFill>
+                <a:latin typeface="Microsoft YaHei" panose="020B0503020204020204" pitchFamily="34" charset="-122"/>
+                <a:ea typeface="Microsoft YaHei" panose="020B0503020204020204" pitchFamily="34" charset="-122"/>
+              </a:rPr>
+              <a:t>  </a:t>
+            </a:r>
+            <a:r>
+              <a:rPr kumimoji="1" lang="en-US" altLang="zh-CN" sz="2800" dirty="0">
+                <a:solidFill>
+                  <a:schemeClr val="bg1"/>
+                </a:solidFill>
+                <a:latin typeface="Microsoft YaHei" panose="020B0503020204020204" pitchFamily="34" charset="-122"/>
+                <a:ea typeface="Microsoft YaHei" panose="020B0503020204020204" pitchFamily="34" charset="-122"/>
+              </a:rPr>
+              <a:t>&lt;</a:t>
+            </a:r>
+            <a:r>
+              <a:rPr kumimoji="1" lang="zh-CN" altLang="en-US" sz="2800" dirty="0">
+                <a:solidFill>
+                  <a:schemeClr val="bg1"/>
+                </a:solidFill>
+                <a:latin typeface="Microsoft YaHei" panose="020B0503020204020204" pitchFamily="34" charset="-122"/>
+                <a:ea typeface="Microsoft YaHei" panose="020B0503020204020204" pitchFamily="34" charset="-122"/>
+              </a:rPr>
+              <a:t>  </a:t>
+            </a:r>
+            <a:r>
+              <a:rPr kumimoji="1" lang="en-US" altLang="zh-CN" sz="2800" dirty="0">
+                <a:solidFill>
+                  <a:schemeClr val="bg1"/>
+                </a:solidFill>
+                <a:latin typeface="Microsoft YaHei" panose="020B0503020204020204" pitchFamily="34" charset="-122"/>
+                <a:ea typeface="Microsoft YaHei" panose="020B0503020204020204" pitchFamily="34" charset="-122"/>
+              </a:rPr>
+              <a:t>×</a:t>
+            </a:r>
+            <a:r>
+              <a:rPr kumimoji="1" lang="zh-CN" altLang="en-US" sz="2800" dirty="0">
+                <a:solidFill>
+                  <a:schemeClr val="bg1"/>
+                </a:solidFill>
                 <a:latin typeface="Microsoft YaHei" panose="020B0503020204020204" pitchFamily="34" charset="-122"/>
                 <a:ea typeface="Microsoft YaHei" panose="020B0503020204020204" pitchFamily="34" charset="-122"/>
               </a:rPr>
@@ -5154,138 +5628,88 @@
             </a:r>
             <a:r>
               <a:rPr kumimoji="1" lang="en-US" altLang="zh-CN" sz="2800" dirty="0">
-                <a:latin typeface="Microsoft YaHei" panose="020B0503020204020204" pitchFamily="34" charset="-122"/>
-                <a:ea typeface="Microsoft YaHei" panose="020B0503020204020204" pitchFamily="34" charset="-122"/>
-              </a:rPr>
-              <a:t>…</a:t>
-            </a:r>
-          </a:p>
-          <a:p>
-            <a:endParaRPr kumimoji="1" lang="en-US" altLang="zh-CN" sz="2800" dirty="0">
+                <a:solidFill>
+                  <a:schemeClr val="bg1"/>
+                </a:solidFill>
+                <a:latin typeface="Microsoft YaHei" panose="020B0503020204020204" pitchFamily="34" charset="-122"/>
+                <a:ea typeface="Microsoft YaHei" panose="020B0503020204020204" pitchFamily="34" charset="-122"/>
+              </a:rPr>
+              <a:t>/(</a:t>
+            </a:r>
+            <a:r>
+              <a:rPr kumimoji="1" lang="zh-CN" altLang="en-US" sz="2800" dirty="0">
+                <a:solidFill>
+                  <a:schemeClr val="bg1"/>
+                </a:solidFill>
+                <a:latin typeface="Microsoft YaHei" panose="020B0503020204020204" pitchFamily="34" charset="-122"/>
+                <a:ea typeface="Microsoft YaHei" panose="020B0503020204020204" pitchFamily="34" charset="-122"/>
+              </a:rPr>
+              <a:t>除法标识</a:t>
+            </a:r>
+            <a:r>
+              <a:rPr kumimoji="1" lang="en-US" altLang="zh-CN" sz="2800" dirty="0">
+                <a:solidFill>
+                  <a:schemeClr val="bg1"/>
+                </a:solidFill>
+                <a:latin typeface="Microsoft YaHei" panose="020B0503020204020204" pitchFamily="34" charset="-122"/>
+                <a:ea typeface="Microsoft YaHei" panose="020B0503020204020204" pitchFamily="34" charset="-122"/>
+              </a:rPr>
+              <a:t>)</a:t>
+            </a:r>
+            <a:r>
+              <a:rPr kumimoji="1" lang="zh-CN" altLang="en-US" sz="2800" dirty="0">
+                <a:solidFill>
+                  <a:schemeClr val="bg1"/>
+                </a:solidFill>
+                <a:latin typeface="Microsoft YaHei" panose="020B0503020204020204" pitchFamily="34" charset="-122"/>
+                <a:ea typeface="Microsoft YaHei" panose="020B0503020204020204" pitchFamily="34" charset="-122"/>
+              </a:rPr>
+              <a:t> </a:t>
+            </a:r>
+            <a:r>
+              <a:rPr kumimoji="1" lang="en-US" altLang="zh-CN" sz="2800" dirty="0">
+                <a:solidFill>
+                  <a:schemeClr val="bg1"/>
+                </a:solidFill>
+                <a:latin typeface="Microsoft YaHei" panose="020B0503020204020204" pitchFamily="34" charset="-122"/>
+                <a:ea typeface="Microsoft YaHei" panose="020B0503020204020204" pitchFamily="34" charset="-122"/>
+              </a:rPr>
+              <a:t>&lt;</a:t>
+            </a:r>
+            <a:r>
+              <a:rPr kumimoji="1" lang="zh-CN" altLang="en-US" sz="2800" dirty="0">
+                <a:solidFill>
+                  <a:schemeClr val="bg1"/>
+                </a:solidFill>
+                <a:latin typeface="Microsoft YaHei" panose="020B0503020204020204" pitchFamily="34" charset="-122"/>
+                <a:ea typeface="Microsoft YaHei" panose="020B0503020204020204" pitchFamily="34" charset="-122"/>
+              </a:rPr>
+              <a:t> </a:t>
+            </a:r>
+            <a:r>
+              <a:rPr kumimoji="1" lang="en-US" altLang="zh-CN" sz="2800" dirty="0">
+                <a:solidFill>
+                  <a:schemeClr val="bg1"/>
+                </a:solidFill>
+                <a:latin typeface="Microsoft YaHei" panose="020B0503020204020204" pitchFamily="34" charset="-122"/>
+                <a:ea typeface="Microsoft YaHei" panose="020B0503020204020204" pitchFamily="34" charset="-122"/>
+              </a:rPr>
+              <a:t>()</a:t>
+            </a:r>
+            <a:endParaRPr kumimoji="1" lang="zh-CN" altLang="en-US" sz="2800" dirty="0">
+              <a:solidFill>
+                <a:schemeClr val="bg1"/>
+              </a:solidFill>
               <a:latin typeface="Microsoft YaHei" panose="020B0503020204020204" pitchFamily="34" charset="-122"/>
               <a:ea typeface="Microsoft YaHei" panose="020B0503020204020204" pitchFamily="34" charset="-122"/>
             </a:endParaRPr>
           </a:p>
-          <a:p>
-            <a:endParaRPr kumimoji="1" lang="zh-CN" altLang="en-US" sz="2800" dirty="0">
-              <a:latin typeface="Microsoft YaHei" panose="020B0503020204020204" pitchFamily="34" charset="-122"/>
-              <a:ea typeface="Microsoft YaHei" panose="020B0503020204020204" pitchFamily="34" charset="-122"/>
-            </a:endParaRPr>
-          </a:p>
-        </p:txBody>
-      </p:sp>
-      <p:sp>
-        <p:nvSpPr>
-          <p:cNvPr id="6" name="文本框 5">
-            <a:extLst>
-              <a:ext uri="{FF2B5EF4-FFF2-40B4-BE49-F238E27FC236}">
-                <a16:creationId xmlns:a16="http://schemas.microsoft.com/office/drawing/2014/main" id="{982B1563-F9E3-3045-A7CC-40345B950F2C}"/>
-              </a:ext>
-            </a:extLst>
-          </p:cNvPr>
-          <p:cNvSpPr txBox="1"/>
-          <p:nvPr/>
-        </p:nvSpPr>
-        <p:spPr>
-          <a:xfrm>
-            <a:off x="8375074" y="4341785"/>
-            <a:ext cx="3703168" cy="1815882"/>
-          </a:xfrm>
-          <a:prstGeom prst="rect">
-            <a:avLst/>
-          </a:prstGeom>
-          <a:noFill/>
-        </p:spPr>
-        <p:txBody>
-          <a:bodyPr wrap="square" rtlCol="0">
-            <a:spAutoFit/>
-          </a:bodyPr>
-          <a:lstStyle/>
-          <a:p>
-            <a:r>
-              <a:rPr kumimoji="1" lang="en-US" altLang="zh-CN" sz="2800" dirty="0">
-                <a:latin typeface="Microsoft YaHei" panose="020B0503020204020204" pitchFamily="34" charset="-122"/>
-                <a:ea typeface="Microsoft YaHei" panose="020B0503020204020204" pitchFamily="34" charset="-122"/>
-              </a:rPr>
-              <a:t>//</a:t>
-            </a:r>
-            <a:r>
-              <a:rPr kumimoji="1" lang="zh-CN" altLang="en-US" sz="2800" dirty="0">
-                <a:latin typeface="Microsoft YaHei" panose="020B0503020204020204" pitchFamily="34" charset="-122"/>
-                <a:ea typeface="Microsoft YaHei" panose="020B0503020204020204" pitchFamily="34" charset="-122"/>
-              </a:rPr>
-              <a:t>通俗易懂</a:t>
-            </a:r>
-            <a:endParaRPr kumimoji="1" lang="en-US" altLang="zh-CN" sz="2800" dirty="0">
-              <a:latin typeface="Microsoft YaHei" panose="020B0503020204020204" pitchFamily="34" charset="-122"/>
-              <a:ea typeface="Microsoft YaHei" panose="020B0503020204020204" pitchFamily="34" charset="-122"/>
-            </a:endParaRPr>
-          </a:p>
-          <a:p>
-            <a:r>
-              <a:rPr kumimoji="1" lang="en-US" altLang="zh-CN" sz="2800" dirty="0">
-                <a:latin typeface="Microsoft YaHei" panose="020B0503020204020204" pitchFamily="34" charset="-122"/>
-                <a:ea typeface="Microsoft YaHei" panose="020B0503020204020204" pitchFamily="34" charset="-122"/>
-              </a:rPr>
-              <a:t>if(</a:t>
-            </a:r>
-            <a:r>
-              <a:rPr kumimoji="1" lang="zh-CN" altLang="en-US" sz="2800" dirty="0">
-                <a:latin typeface="Microsoft YaHei" panose="020B0503020204020204" pitchFamily="34" charset="-122"/>
-                <a:ea typeface="Microsoft YaHei" panose="020B0503020204020204" pitchFamily="34" charset="-122"/>
-              </a:rPr>
-              <a:t> </a:t>
-            </a:r>
-            <a:r>
-              <a:rPr kumimoji="1" lang="en-US" altLang="zh-CN" sz="2800" dirty="0">
-                <a:latin typeface="Microsoft YaHei" panose="020B0503020204020204" pitchFamily="34" charset="-122"/>
-                <a:ea typeface="Microsoft YaHei" panose="020B0503020204020204" pitchFamily="34" charset="-122"/>
-              </a:rPr>
-              <a:t>a==b){</a:t>
-            </a:r>
-            <a:r>
-              <a:rPr kumimoji="1" lang="zh-CN" altLang="en-US" sz="2800" dirty="0">
-                <a:latin typeface="Microsoft YaHei" panose="020B0503020204020204" pitchFamily="34" charset="-122"/>
-                <a:ea typeface="Microsoft YaHei" panose="020B0503020204020204" pitchFamily="34" charset="-122"/>
-              </a:rPr>
-              <a:t>   </a:t>
-            </a:r>
-            <a:endParaRPr kumimoji="1" lang="en-US" altLang="zh-CN" sz="2800" dirty="0">
-              <a:latin typeface="Microsoft YaHei" panose="020B0503020204020204" pitchFamily="34" charset="-122"/>
-              <a:ea typeface="Microsoft YaHei" panose="020B0503020204020204" pitchFamily="34" charset="-122"/>
-            </a:endParaRPr>
-          </a:p>
-          <a:p>
-            <a:r>
-              <a:rPr kumimoji="1" lang="en-US" altLang="zh-CN" sz="2800" dirty="0" err="1">
-                <a:latin typeface="Microsoft YaHei" panose="020B0503020204020204" pitchFamily="34" charset="-122"/>
-                <a:ea typeface="Microsoft YaHei" panose="020B0503020204020204" pitchFamily="34" charset="-122"/>
-              </a:rPr>
-              <a:t>printf</a:t>
-            </a:r>
-            <a:r>
-              <a:rPr kumimoji="1" lang="en-US" altLang="zh-CN" sz="2800" dirty="0">
-                <a:latin typeface="Microsoft YaHei" panose="020B0503020204020204" pitchFamily="34" charset="-122"/>
-                <a:ea typeface="Microsoft YaHei" panose="020B0503020204020204" pitchFamily="34" charset="-122"/>
-              </a:rPr>
-              <a:t>()</a:t>
-            </a:r>
-          </a:p>
-          <a:p>
-            <a:r>
-              <a:rPr kumimoji="1" lang="en-US" altLang="zh-CN" sz="2800" dirty="0">
-                <a:latin typeface="Microsoft YaHei" panose="020B0503020204020204" pitchFamily="34" charset="-122"/>
-                <a:ea typeface="Microsoft YaHei" panose="020B0503020204020204" pitchFamily="34" charset="-122"/>
-              </a:rPr>
-              <a:t>}</a:t>
-            </a:r>
-          </a:p>
         </p:txBody>
       </p:sp>
     </p:spTree>
     <p:extLst>
       <p:ext uri="{BB962C8B-B14F-4D97-AF65-F5344CB8AC3E}">
-        <p14:creationId xmlns:p14="http://schemas.microsoft.com/office/powerpoint/2010/main" val="2429563177"/>
+        <p14:creationId xmlns:p14="http://schemas.microsoft.com/office/powerpoint/2010/main" val="2682132560"/>
       </p:ext>
     </p:extLst>
   </p:cSld>
@@ -5335,8 +5759,8 @@
         </p:nvSpPr>
         <p:spPr>
           <a:xfrm>
-            <a:off x="2520000" y="720000"/>
-            <a:ext cx="7735824" cy="830997"/>
+            <a:off x="2234234" y="597430"/>
+            <a:ext cx="9132000" cy="830997"/>
           </a:xfrm>
           <a:prstGeom prst="rect">
             <a:avLst/>
@@ -5355,52 +5779,24 @@
                 <a:latin typeface="Microsoft YaHei" panose="020B0503020204020204" pitchFamily="34" charset="-122"/>
                 <a:ea typeface="Microsoft YaHei" panose="020B0503020204020204" pitchFamily="34" charset="-122"/>
               </a:rPr>
-              <a:t>4.</a:t>
+              <a:t>5.</a:t>
             </a:r>
             <a:r>
               <a:rPr kumimoji="1" lang="zh-CN" altLang="en-US" sz="4800" dirty="0">
                 <a:latin typeface="Microsoft YaHei" panose="020B0503020204020204" pitchFamily="34" charset="-122"/>
                 <a:ea typeface="Microsoft YaHei" panose="020B0503020204020204" pitchFamily="34" charset="-122"/>
               </a:rPr>
-              <a:t> </a:t>
-            </a:r>
-            <a:r>
-              <a:rPr kumimoji="1" lang="en-US" altLang="zh-CN" sz="4800" dirty="0">
-                <a:latin typeface="Microsoft YaHei" panose="020B0503020204020204" pitchFamily="34" charset="-122"/>
-                <a:ea typeface="Microsoft YaHei" panose="020B0503020204020204" pitchFamily="34" charset="-122"/>
-              </a:rPr>
-              <a:t>Java</a:t>
-            </a:r>
-            <a:r>
-              <a:rPr kumimoji="1" lang="zh-CN" altLang="en-US" sz="4800" dirty="0">
-                <a:latin typeface="Microsoft YaHei" panose="020B0503020204020204" pitchFamily="34" charset="-122"/>
-                <a:ea typeface="Microsoft YaHei" panose="020B0503020204020204" pitchFamily="34" charset="-122"/>
-              </a:rPr>
-              <a:t>基础</a:t>
-            </a:r>
-            <a:r>
-              <a:rPr kumimoji="1" lang="en-US" altLang="zh-CN" sz="4800" dirty="0">
-                <a:latin typeface="Microsoft YaHei" panose="020B0503020204020204" pitchFamily="34" charset="-122"/>
-                <a:ea typeface="Microsoft YaHei" panose="020B0503020204020204" pitchFamily="34" charset="-122"/>
-              </a:rPr>
-              <a:t>---</a:t>
-            </a:r>
-            <a:r>
-              <a:rPr kumimoji="1" lang="zh-CN" altLang="en-US" sz="4800" dirty="0">
-                <a:latin typeface="Microsoft YaHei" panose="020B0503020204020204" pitchFamily="34" charset="-122"/>
-                <a:ea typeface="Microsoft YaHei" panose="020B0503020204020204" pitchFamily="34" charset="-122"/>
-              </a:rPr>
-              <a:t>操作系统</a:t>
-            </a:r>
-          </a:p>
-        </p:txBody>
-      </p:sp>
-      <p:sp>
-        <p:nvSpPr>
-          <p:cNvPr id="4" name="文本框 3">
-            <a:extLst>
-              <a:ext uri="{FF2B5EF4-FFF2-40B4-BE49-F238E27FC236}">
-                <a16:creationId xmlns:a16="http://schemas.microsoft.com/office/drawing/2014/main" id="{437DA9EE-0AE3-E849-9D47-C012AF08BB7C}"/>
+              <a:t>数值类型转换</a:t>
+            </a:r>
+          </a:p>
+        </p:txBody>
+      </p:sp>
+      <p:sp>
+        <p:nvSpPr>
+          <p:cNvPr id="3" name="文本框 2">
+            <a:extLst>
+              <a:ext uri="{FF2B5EF4-FFF2-40B4-BE49-F238E27FC236}">
+                <a16:creationId xmlns:a16="http://schemas.microsoft.com/office/drawing/2014/main" id="{C0CFBE9F-84F2-FE48-AC8E-D41196C42DBA}"/>
               </a:ext>
             </a:extLst>
           </p:cNvPr>
@@ -5409,8 +5805,8 @@
         </p:nvSpPr>
         <p:spPr>
           <a:xfrm>
-            <a:off x="875778" y="2599627"/>
-            <a:ext cx="10601640" cy="3894143"/>
+            <a:off x="1080655" y="2576945"/>
+            <a:ext cx="10868890" cy="3108543"/>
           </a:xfrm>
           <a:prstGeom prst="rect">
             <a:avLst/>
@@ -5423,84 +5819,102 @@
           </a:bodyPr>
           <a:lstStyle/>
           <a:p>
-            <a:pPr>
-              <a:lnSpc>
-                <a:spcPct val="150000"/>
-              </a:lnSpc>
+            <a:r>
+              <a:rPr lang="zh-CN" altLang="en-US" sz="2800" dirty="0"/>
+              <a:t>一种将一种数据类型的值转换成另一种数据类型的操作。</a:t>
+            </a:r>
+            <a:endParaRPr lang="en-US" altLang="zh-CN" sz="2800" dirty="0"/>
+          </a:p>
+          <a:p>
+            <a:pPr marL="514350" indent="-514350">
+              <a:buFont typeface="+mj-lt"/>
+              <a:buAutoNum type="arabicPeriod"/>
             </a:pPr>
             <a:r>
-              <a:rPr kumimoji="1" lang="zh-CN" altLang="en-US" sz="2800" dirty="0">
-                <a:latin typeface="Microsoft YaHei" panose="020B0503020204020204" pitchFamily="34" charset="-122"/>
-                <a:ea typeface="Microsoft YaHei" panose="020B0503020204020204" pitchFamily="34" charset="-122"/>
-              </a:rPr>
-              <a:t>操作系统是管理计算机硬件与软件资源的计算机程序，操作系统需要处理如管理与配置内存、决定系统资源供需的优先次序、控制输入设备与输出设备、操作网络与管理文件系统等基本事务。操作系统也提供一个让用户与系统交互的操作界面。</a:t>
-            </a:r>
-            <a:endParaRPr kumimoji="1" lang="en-US" altLang="zh-CN" sz="2800" dirty="0">
-              <a:latin typeface="Microsoft YaHei" panose="020B0503020204020204" pitchFamily="34" charset="-122"/>
-              <a:ea typeface="Microsoft YaHei" panose="020B0503020204020204" pitchFamily="34" charset="-122"/>
-            </a:endParaRPr>
-          </a:p>
-          <a:p>
-            <a:pPr marL="457200" indent="-457200">
-              <a:lnSpc>
-                <a:spcPct val="150000"/>
-              </a:lnSpc>
-              <a:buFont typeface="Arial" panose="020B0604020202020204" pitchFamily="34" charset="0"/>
-              <a:buChar char="•"/>
+              <a:rPr lang="zh-CN" altLang="en-US" sz="2800" dirty="0"/>
+              <a:t>将一个小范围类型的变 量转换为大范围类型的变量称为拓宽类型</a:t>
+            </a:r>
+            <a:r>
+              <a:rPr lang="en-US" altLang="zh-CN" sz="2800" dirty="0"/>
+              <a:t>(widening a type)</a:t>
+            </a:r>
+            <a:r>
+              <a:rPr lang="zh-CN" altLang="en-US" sz="2800" dirty="0"/>
+              <a:t>   </a:t>
+            </a:r>
+            <a:r>
+              <a:rPr lang="en-US" altLang="zh-CN" sz="2800" dirty="0"/>
+              <a:t>//</a:t>
+            </a:r>
+            <a:r>
+              <a:rPr lang="zh-CN" altLang="en-US" sz="2800" dirty="0"/>
+              <a:t> </a:t>
+            </a:r>
+            <a:r>
+              <a:rPr lang="en-US" altLang="zh-CN" sz="2800" dirty="0"/>
+              <a:t>java</a:t>
+            </a:r>
+            <a:r>
+              <a:rPr lang="zh-CN" altLang="en-US" sz="2800" dirty="0"/>
+              <a:t>会自动，比如把</a:t>
+            </a:r>
+            <a:r>
+              <a:rPr lang="en-US" altLang="zh-CN" sz="2800" dirty="0"/>
+              <a:t>int</a:t>
+            </a:r>
+            <a:r>
+              <a:rPr lang="zh-CN" altLang="en-US" sz="2800" dirty="0"/>
+              <a:t> 变量赋值给</a:t>
+            </a:r>
+            <a:r>
+              <a:rPr lang="en-US" altLang="zh-CN" sz="2800" dirty="0"/>
+              <a:t>double.</a:t>
+            </a:r>
+          </a:p>
+          <a:p>
+            <a:pPr marL="514350" indent="-514350">
+              <a:buFont typeface="+mj-lt"/>
+              <a:buAutoNum type="arabicPeriod"/>
             </a:pPr>
             <a:r>
-              <a:rPr kumimoji="1" lang="zh-CN" altLang="en-US" sz="2800" dirty="0">
-                <a:latin typeface="Microsoft YaHei" panose="020B0503020204020204" pitchFamily="34" charset="-122"/>
-                <a:ea typeface="Microsoft YaHei" panose="020B0503020204020204" pitchFamily="34" charset="-122"/>
-              </a:rPr>
-              <a:t>桌面操作系统 </a:t>
-            </a:r>
-            <a:r>
-              <a:rPr kumimoji="1" lang="en-US" altLang="zh-CN" sz="2800" dirty="0">
-                <a:latin typeface="Microsoft YaHei" panose="020B0503020204020204" pitchFamily="34" charset="-122"/>
-                <a:ea typeface="Microsoft YaHei" panose="020B0503020204020204" pitchFamily="34" charset="-122"/>
-              </a:rPr>
-              <a:t>Windows/MacOS/Linux…</a:t>
-            </a:r>
-          </a:p>
-          <a:p>
-            <a:pPr marL="457200" indent="-457200">
-              <a:lnSpc>
-                <a:spcPct val="150000"/>
-              </a:lnSpc>
-              <a:buFont typeface="Arial" panose="020B0604020202020204" pitchFamily="34" charset="0"/>
-              <a:buChar char="•"/>
-            </a:pPr>
-            <a:r>
-              <a:rPr kumimoji="1" lang="zh-CN" altLang="en-US" sz="2800" dirty="0">
-                <a:latin typeface="Microsoft YaHei" panose="020B0503020204020204" pitchFamily="34" charset="-122"/>
-                <a:ea typeface="Microsoft YaHei" panose="020B0503020204020204" pitchFamily="34" charset="-122"/>
-              </a:rPr>
-              <a:t>手机操作系统 </a:t>
-            </a:r>
-            <a:r>
-              <a:rPr kumimoji="1" lang="en-US" altLang="zh-CN" sz="2800" dirty="0" err="1">
-                <a:latin typeface="Microsoft YaHei" panose="020B0503020204020204" pitchFamily="34" charset="-122"/>
-                <a:ea typeface="Microsoft YaHei" panose="020B0503020204020204" pitchFamily="34" charset="-122"/>
-              </a:rPr>
-              <a:t>ios</a:t>
-            </a:r>
-            <a:r>
-              <a:rPr kumimoji="1" lang="en-US" altLang="zh-CN" sz="2800" dirty="0">
-                <a:latin typeface="Microsoft YaHei" panose="020B0503020204020204" pitchFamily="34" charset="-122"/>
-                <a:ea typeface="Microsoft YaHei" panose="020B0503020204020204" pitchFamily="34" charset="-122"/>
-              </a:rPr>
-              <a:t>/android/…</a:t>
-            </a:r>
-          </a:p>
-        </p:txBody>
-      </p:sp>
-      <p:sp>
-        <p:nvSpPr>
-          <p:cNvPr id="7" name="文本框 6">
-            <a:extLst>
-              <a:ext uri="{FF2B5EF4-FFF2-40B4-BE49-F238E27FC236}">
-                <a16:creationId xmlns:a16="http://schemas.microsoft.com/office/drawing/2014/main" id="{EEBD4C1E-4944-7840-A855-E43020815F7D}"/>
+              <a:rPr lang="zh-CN" altLang="en-US" sz="2800" dirty="0"/>
+              <a:t>把大范围类型的变量转换为小 范围类型的变量称为缩窄类型</a:t>
+            </a:r>
+            <a:r>
+              <a:rPr lang="en-US" altLang="zh-CN" sz="2800" dirty="0"/>
+              <a:t>( narrowing a type)</a:t>
+            </a:r>
+            <a:r>
+              <a:rPr lang="zh-CN" altLang="en-US" sz="2800" dirty="0"/>
+              <a:t>。 </a:t>
+            </a:r>
+            <a:r>
+              <a:rPr lang="en-US" altLang="zh-CN" sz="2800" dirty="0"/>
+              <a:t>//</a:t>
+            </a:r>
+            <a:r>
+              <a:rPr lang="zh-CN" altLang="en-US" sz="2800" dirty="0"/>
+              <a:t> 需要手动，会被“截断”</a:t>
+            </a:r>
+            <a:endParaRPr lang="en-US" altLang="zh-CN" sz="2800" dirty="0"/>
+          </a:p>
+          <a:p>
+            <a:endParaRPr lang="en-US" altLang="zh-CN" sz="2800" dirty="0"/>
+          </a:p>
+          <a:p>
+            <a:r>
+              <a:rPr lang="zh-CN" altLang="en-US" sz="2800" dirty="0"/>
+              <a:t> 代码举例</a:t>
+            </a:r>
+          </a:p>
+        </p:txBody>
+      </p:sp>
+      <p:sp>
+        <p:nvSpPr>
+          <p:cNvPr id="4" name="文本框 3">
+            <a:extLst>
+              <a:ext uri="{FF2B5EF4-FFF2-40B4-BE49-F238E27FC236}">
+                <a16:creationId xmlns:a16="http://schemas.microsoft.com/office/drawing/2014/main" id="{DDC745ED-DF34-D342-B366-1489B28F4142}"/>
               </a:ext>
             </a:extLst>
           </p:cNvPr>
@@ -5541,7 +5955,7 @@
     </p:spTree>
     <p:extLst>
       <p:ext uri="{BB962C8B-B14F-4D97-AF65-F5344CB8AC3E}">
-        <p14:creationId xmlns:p14="http://schemas.microsoft.com/office/powerpoint/2010/main" val="76332531"/>
+        <p14:creationId xmlns:p14="http://schemas.microsoft.com/office/powerpoint/2010/main" val="2429563177"/>
       </p:ext>
     </p:extLst>
   </p:cSld>
@@ -5607,25 +6021,25 @@
           <a:p>
             <a:pPr algn="ctr"/>
             <a:r>
-              <a:rPr lang="en-US" altLang="zh-CN" sz="4800" dirty="0">
-                <a:latin typeface="Microsoft YaHei" panose="020B0503020204020204" pitchFamily="34" charset="-122"/>
-                <a:ea typeface="Microsoft YaHei" panose="020B0503020204020204" pitchFamily="34" charset="-122"/>
-              </a:rPr>
-              <a:t>5.1</a:t>
-            </a:r>
-            <a:r>
-              <a:rPr lang="zh-CN" altLang="en-US" sz="4800" dirty="0">
-                <a:latin typeface="Microsoft YaHei" panose="020B0503020204020204" pitchFamily="34" charset="-122"/>
-                <a:ea typeface="Microsoft YaHei" panose="020B0503020204020204" pitchFamily="34" charset="-122"/>
-              </a:rPr>
-              <a:t>  </a:t>
-            </a:r>
-            <a:r>
-              <a:rPr lang="en-US" altLang="zh-CN" sz="4800" dirty="0">
-                <a:latin typeface="Microsoft YaHei" panose="020B0503020204020204" pitchFamily="34" charset="-122"/>
-                <a:ea typeface="Microsoft YaHei" panose="020B0503020204020204" pitchFamily="34" charset="-122"/>
-              </a:rPr>
-              <a:t>JDK</a:t>
+              <a:rPr kumimoji="1" lang="en-US" altLang="zh-CN" sz="4800" dirty="0">
+                <a:latin typeface="Microsoft YaHei" panose="020B0503020204020204" pitchFamily="34" charset="-122"/>
+                <a:ea typeface="Microsoft YaHei" panose="020B0503020204020204" pitchFamily="34" charset="-122"/>
+              </a:rPr>
+              <a:t>6.</a:t>
+            </a:r>
+            <a:r>
+              <a:rPr kumimoji="1" lang="zh-CN" altLang="en-US" sz="4800" dirty="0">
+                <a:latin typeface="Microsoft YaHei" panose="020B0503020204020204" pitchFamily="34" charset="-122"/>
+                <a:ea typeface="Microsoft YaHei" panose="020B0503020204020204" pitchFamily="34" charset="-122"/>
+              </a:rPr>
+              <a:t> 常见错误 </a:t>
+            </a:r>
+            <a:r>
+              <a:rPr kumimoji="1" lang="en-US" altLang="zh-CN" sz="4800" dirty="0">
+                <a:latin typeface="Microsoft YaHei" panose="020B0503020204020204" pitchFamily="34" charset="-122"/>
+                <a:ea typeface="Microsoft YaHei" panose="020B0503020204020204" pitchFamily="34" charset="-122"/>
+              </a:rPr>
+              <a:t>1</a:t>
             </a:r>
             <a:endParaRPr kumimoji="1" lang="zh-CN" altLang="en-US" sz="4800" dirty="0">
               <a:latin typeface="Microsoft YaHei" panose="020B0503020204020204" pitchFamily="34" charset="-122"/>
@@ -5636,10 +6050,10 @@
       </p:sp>
       <p:sp>
         <p:nvSpPr>
-          <p:cNvPr id="6" name="文本框 5">
-            <a:extLst>
-              <a:ext uri="{FF2B5EF4-FFF2-40B4-BE49-F238E27FC236}">
-                <a16:creationId xmlns:a16="http://schemas.microsoft.com/office/drawing/2014/main" id="{00E236B2-A911-5847-BDD3-FD255B185817}"/>
+          <p:cNvPr id="4" name="文本框 3">
+            <a:extLst>
+              <a:ext uri="{FF2B5EF4-FFF2-40B4-BE49-F238E27FC236}">
+                <a16:creationId xmlns:a16="http://schemas.microsoft.com/office/drawing/2014/main" id="{437DA9EE-0AE3-E849-9D47-C012AF08BB7C}"/>
               </a:ext>
             </a:extLst>
           </p:cNvPr>
@@ -5648,8 +6062,8 @@
         </p:nvSpPr>
         <p:spPr>
           <a:xfrm>
-            <a:off x="1475509" y="2098964"/>
-            <a:ext cx="9081655" cy="4832092"/>
+            <a:off x="875778" y="2599627"/>
+            <a:ext cx="10601640" cy="2601481"/>
           </a:xfrm>
           <a:prstGeom prst="rect">
             <a:avLst/>
@@ -5662,366 +6076,83 @@
           </a:bodyPr>
           <a:lstStyle/>
           <a:p>
-            <a:r>
-              <a:rPr kumimoji="1" lang="en-US" altLang="zh-CN" sz="2800" dirty="0">
-                <a:latin typeface="Microsoft YaHei" panose="020B0503020204020204" pitchFamily="34" charset="-122"/>
-                <a:ea typeface="Microsoft YaHei" panose="020B0503020204020204" pitchFamily="34" charset="-122"/>
-              </a:rPr>
-              <a:t>JDK(Java Development Kit) </a:t>
-            </a:r>
+            <a:pPr>
+              <a:lnSpc>
+                <a:spcPct val="150000"/>
+              </a:lnSpc>
+            </a:pPr>
             <a:r>
               <a:rPr kumimoji="1" lang="zh-CN" altLang="en-US" sz="2800" dirty="0">
-                <a:latin typeface="Microsoft YaHei" panose="020B0503020204020204" pitchFamily="34" charset="-122"/>
-                <a:ea typeface="Microsoft YaHei" panose="020B0503020204020204" pitchFamily="34" charset="-122"/>
-              </a:rPr>
-              <a:t>是 </a:t>
-            </a:r>
-            <a:r>
-              <a:rPr kumimoji="1" lang="en-US" altLang="zh-CN" sz="2800" dirty="0">
-                <a:latin typeface="Microsoft YaHei" panose="020B0503020204020204" pitchFamily="34" charset="-122"/>
-                <a:ea typeface="Microsoft YaHei" panose="020B0503020204020204" pitchFamily="34" charset="-122"/>
-              </a:rPr>
-              <a:t>Java </a:t>
-            </a:r>
+                <a:highlight>
+                  <a:srgbClr val="FF0000"/>
+                </a:highlight>
+                <a:latin typeface="Microsoft YaHei" panose="020B0503020204020204" pitchFamily="34" charset="-122"/>
+                <a:ea typeface="Microsoft YaHei" panose="020B0503020204020204" pitchFamily="34" charset="-122"/>
+              </a:rPr>
+              <a:t>未声明、未初始化的变量和未使用的变量 </a:t>
+            </a:r>
+            <a:endParaRPr kumimoji="1" lang="en-US" altLang="zh-CN" sz="2800" dirty="0">
+              <a:highlight>
+                <a:srgbClr val="FF0000"/>
+              </a:highlight>
+              <a:latin typeface="Microsoft YaHei" panose="020B0503020204020204" pitchFamily="34" charset="-122"/>
+              <a:ea typeface="Microsoft YaHei" panose="020B0503020204020204" pitchFamily="34" charset="-122"/>
+            </a:endParaRPr>
+          </a:p>
+          <a:p>
+            <a:pPr marL="514350" indent="-514350">
+              <a:lnSpc>
+                <a:spcPct val="150000"/>
+              </a:lnSpc>
+              <a:buFont typeface="+mj-lt"/>
+              <a:buAutoNum type="arabicPeriod"/>
+            </a:pPr>
             <a:r>
               <a:rPr kumimoji="1" lang="zh-CN" altLang="en-US" sz="2800" dirty="0">
                 <a:latin typeface="Microsoft YaHei" panose="020B0503020204020204" pitchFamily="34" charset="-122"/>
                 <a:ea typeface="Microsoft YaHei" panose="020B0503020204020204" pitchFamily="34" charset="-122"/>
               </a:rPr>
-              <a:t>语言的软件开发工具包</a:t>
-            </a:r>
-            <a:r>
-              <a:rPr kumimoji="1" lang="en-US" altLang="zh-CN" sz="2800" dirty="0">
-                <a:latin typeface="Microsoft YaHei" panose="020B0503020204020204" pitchFamily="34" charset="-122"/>
-                <a:ea typeface="Microsoft YaHei" panose="020B0503020204020204" pitchFamily="34" charset="-122"/>
-              </a:rPr>
-              <a:t>(SDK)</a:t>
-            </a:r>
+              <a:t>使用未声明的变量会出错</a:t>
+            </a:r>
+            <a:endParaRPr kumimoji="1" lang="en-US" altLang="zh-CN" sz="2800" dirty="0">
+              <a:latin typeface="Microsoft YaHei" panose="020B0503020204020204" pitchFamily="34" charset="-122"/>
+              <a:ea typeface="Microsoft YaHei" panose="020B0503020204020204" pitchFamily="34" charset="-122"/>
+            </a:endParaRPr>
+          </a:p>
+          <a:p>
+            <a:pPr marL="514350" indent="-514350">
+              <a:lnSpc>
+                <a:spcPct val="150000"/>
+              </a:lnSpc>
+              <a:buFont typeface="+mj-lt"/>
+              <a:buAutoNum type="arabicPeriod"/>
+            </a:pPr>
             <a:r>
               <a:rPr kumimoji="1" lang="zh-CN" altLang="en-US" sz="2800" dirty="0">
                 <a:latin typeface="Microsoft YaHei" panose="020B0503020204020204" pitchFamily="34" charset="-122"/>
                 <a:ea typeface="Microsoft YaHei" panose="020B0503020204020204" pitchFamily="34" charset="-122"/>
               </a:rPr>
-              <a:t>。</a:t>
-            </a:r>
-          </a:p>
-          <a:p>
-            <a:pPr marL="457200" indent="-457200">
-              <a:buFont typeface="Arial" panose="020B0604020202020204" pitchFamily="34" charset="0"/>
-              <a:buChar char="•"/>
+              <a:t>使用未初始化的变量有可能会产生错误</a:t>
+            </a:r>
+            <a:endParaRPr kumimoji="1" lang="en-US" altLang="zh-CN" sz="2800" dirty="0">
+              <a:latin typeface="Microsoft YaHei" panose="020B0503020204020204" pitchFamily="34" charset="-122"/>
+              <a:ea typeface="Microsoft YaHei" panose="020B0503020204020204" pitchFamily="34" charset="-122"/>
+            </a:endParaRPr>
+          </a:p>
+          <a:p>
+            <a:pPr marL="514350" indent="-514350">
+              <a:lnSpc>
+                <a:spcPct val="150000"/>
+              </a:lnSpc>
+              <a:buFont typeface="+mj-lt"/>
+              <a:buAutoNum type="arabicPeriod"/>
             </a:pPr>
             <a:r>
-              <a:rPr kumimoji="1" lang="en-US" altLang="zh-CN" sz="2800" dirty="0">
-                <a:latin typeface="Microsoft YaHei" panose="020B0503020204020204" pitchFamily="34" charset="-122"/>
-                <a:ea typeface="Microsoft YaHei" panose="020B0503020204020204" pitchFamily="34" charset="-122"/>
-              </a:rPr>
-              <a:t>SE(</a:t>
-            </a:r>
-            <a:r>
-              <a:rPr kumimoji="1" lang="en-US" altLang="zh-CN" sz="2800" dirty="0" err="1">
-                <a:latin typeface="Microsoft YaHei" panose="020B0503020204020204" pitchFamily="34" charset="-122"/>
-                <a:ea typeface="Microsoft YaHei" panose="020B0503020204020204" pitchFamily="34" charset="-122"/>
-              </a:rPr>
-              <a:t>JavaSE</a:t>
-            </a:r>
-            <a:r>
-              <a:rPr kumimoji="1" lang="en-US" altLang="zh-CN" sz="2800" dirty="0">
-                <a:latin typeface="Microsoft YaHei" panose="020B0503020204020204" pitchFamily="34" charset="-122"/>
-                <a:ea typeface="Microsoft YaHei" panose="020B0503020204020204" pitchFamily="34" charset="-122"/>
-              </a:rPr>
-              <a:t>)</a:t>
-            </a:r>
-            <a:r>
               <a:rPr kumimoji="1" lang="zh-CN" altLang="en-US" sz="2800" dirty="0">
                 <a:latin typeface="Microsoft YaHei" panose="020B0503020204020204" pitchFamily="34" charset="-122"/>
                 <a:ea typeface="Microsoft YaHei" panose="020B0503020204020204" pitchFamily="34" charset="-122"/>
               </a:rPr>
-              <a:t>，</a:t>
-            </a:r>
-            <a:r>
-              <a:rPr kumimoji="1" lang="en-US" altLang="zh-CN" sz="2800" dirty="0">
-                <a:latin typeface="Microsoft YaHei" panose="020B0503020204020204" pitchFamily="34" charset="-122"/>
-                <a:ea typeface="Microsoft YaHei" panose="020B0503020204020204" pitchFamily="34" charset="-122"/>
-              </a:rPr>
-              <a:t>standard edition</a:t>
-            </a:r>
-            <a:r>
-              <a:rPr kumimoji="1" lang="zh-CN" altLang="en-US" sz="2800" dirty="0">
-                <a:latin typeface="Microsoft YaHei" panose="020B0503020204020204" pitchFamily="34" charset="-122"/>
-                <a:ea typeface="Microsoft YaHei" panose="020B0503020204020204" pitchFamily="34" charset="-122"/>
-              </a:rPr>
-              <a:t>，标准版，是我们通常用的一个版本，从</a:t>
-            </a:r>
-            <a:r>
-              <a:rPr kumimoji="1" lang="en-US" altLang="zh-CN" sz="2800" dirty="0">
-                <a:latin typeface="Microsoft YaHei" panose="020B0503020204020204" pitchFamily="34" charset="-122"/>
-                <a:ea typeface="Microsoft YaHei" panose="020B0503020204020204" pitchFamily="34" charset="-122"/>
-              </a:rPr>
-              <a:t>JDK 5.0</a:t>
-            </a:r>
-            <a:r>
-              <a:rPr kumimoji="1" lang="zh-CN" altLang="en-US" sz="2800" dirty="0">
-                <a:latin typeface="Microsoft YaHei" panose="020B0503020204020204" pitchFamily="34" charset="-122"/>
-                <a:ea typeface="Microsoft YaHei" panose="020B0503020204020204" pitchFamily="34" charset="-122"/>
-              </a:rPr>
-              <a:t>开始，改名为</a:t>
-            </a:r>
-            <a:r>
-              <a:rPr kumimoji="1" lang="en-US" altLang="zh-CN" sz="2800" dirty="0">
-                <a:latin typeface="Microsoft YaHei" panose="020B0503020204020204" pitchFamily="34" charset="-122"/>
-                <a:ea typeface="Microsoft YaHei" panose="020B0503020204020204" pitchFamily="34" charset="-122"/>
-              </a:rPr>
-              <a:t>Java SE</a:t>
-            </a:r>
-            <a:r>
-              <a:rPr kumimoji="1" lang="zh-CN" altLang="en-US" sz="2800" dirty="0">
-                <a:latin typeface="Microsoft YaHei" panose="020B0503020204020204" pitchFamily="34" charset="-122"/>
-                <a:ea typeface="Microsoft YaHei" panose="020B0503020204020204" pitchFamily="34" charset="-122"/>
-              </a:rPr>
-              <a:t>。</a:t>
-            </a:r>
-          </a:p>
-          <a:p>
-            <a:pPr marL="457200" indent="-457200">
-              <a:buFont typeface="Arial" panose="020B0604020202020204" pitchFamily="34" charset="0"/>
-              <a:buChar char="•"/>
-            </a:pPr>
-            <a:r>
-              <a:rPr kumimoji="1" lang="en-US" altLang="zh-CN" sz="2800" dirty="0">
-                <a:latin typeface="Microsoft YaHei" panose="020B0503020204020204" pitchFamily="34" charset="-122"/>
-                <a:ea typeface="Microsoft YaHei" panose="020B0503020204020204" pitchFamily="34" charset="-122"/>
-              </a:rPr>
-              <a:t>EE(</a:t>
-            </a:r>
-            <a:r>
-              <a:rPr kumimoji="1" lang="en-US" altLang="zh-CN" sz="2800" dirty="0" err="1">
-                <a:latin typeface="Microsoft YaHei" panose="020B0503020204020204" pitchFamily="34" charset="-122"/>
-                <a:ea typeface="Microsoft YaHei" panose="020B0503020204020204" pitchFamily="34" charset="-122"/>
-              </a:rPr>
-              <a:t>JavaEE</a:t>
-            </a:r>
-            <a:r>
-              <a:rPr kumimoji="1" lang="en-US" altLang="zh-CN" sz="2800" dirty="0">
-                <a:latin typeface="Microsoft YaHei" panose="020B0503020204020204" pitchFamily="34" charset="-122"/>
-                <a:ea typeface="Microsoft YaHei" panose="020B0503020204020204" pitchFamily="34" charset="-122"/>
-              </a:rPr>
-              <a:t>)</a:t>
-            </a:r>
-            <a:r>
-              <a:rPr kumimoji="1" lang="zh-CN" altLang="en-US" sz="2800" dirty="0">
-                <a:latin typeface="Microsoft YaHei" panose="020B0503020204020204" pitchFamily="34" charset="-122"/>
-                <a:ea typeface="Microsoft YaHei" panose="020B0503020204020204" pitchFamily="34" charset="-122"/>
-              </a:rPr>
-              <a:t>，</a:t>
-            </a:r>
-            <a:r>
-              <a:rPr kumimoji="1" lang="en-US" altLang="zh-CN" sz="2800" dirty="0">
-                <a:latin typeface="Microsoft YaHei" panose="020B0503020204020204" pitchFamily="34" charset="-122"/>
-                <a:ea typeface="Microsoft YaHei" panose="020B0503020204020204" pitchFamily="34" charset="-122"/>
-              </a:rPr>
-              <a:t>enterprise edition</a:t>
-            </a:r>
-            <a:r>
-              <a:rPr kumimoji="1" lang="zh-CN" altLang="en-US" sz="2800" dirty="0">
-                <a:latin typeface="Microsoft YaHei" panose="020B0503020204020204" pitchFamily="34" charset="-122"/>
-                <a:ea typeface="Microsoft YaHei" panose="020B0503020204020204" pitchFamily="34" charset="-122"/>
-              </a:rPr>
-              <a:t>，企业版，使用这种</a:t>
-            </a:r>
-            <a:r>
-              <a:rPr kumimoji="1" lang="en-US" altLang="zh-CN" sz="2800" dirty="0">
-                <a:latin typeface="Microsoft YaHei" panose="020B0503020204020204" pitchFamily="34" charset="-122"/>
-                <a:ea typeface="Microsoft YaHei" panose="020B0503020204020204" pitchFamily="34" charset="-122"/>
-              </a:rPr>
-              <a:t>JDK</a:t>
-            </a:r>
-            <a:r>
-              <a:rPr kumimoji="1" lang="zh-CN" altLang="en-US" sz="2800" dirty="0">
-                <a:latin typeface="Microsoft YaHei" panose="020B0503020204020204" pitchFamily="34" charset="-122"/>
-                <a:ea typeface="Microsoft YaHei" panose="020B0503020204020204" pitchFamily="34" charset="-122"/>
-              </a:rPr>
-              <a:t>开发</a:t>
-            </a:r>
-            <a:r>
-              <a:rPr kumimoji="1" lang="en-US" altLang="zh-CN" sz="2800" dirty="0">
-                <a:latin typeface="Microsoft YaHei" panose="020B0503020204020204" pitchFamily="34" charset="-122"/>
-                <a:ea typeface="Microsoft YaHei" panose="020B0503020204020204" pitchFamily="34" charset="-122"/>
-              </a:rPr>
-              <a:t>J2EE</a:t>
-            </a:r>
-            <a:r>
-              <a:rPr kumimoji="1" lang="zh-CN" altLang="en-US" sz="2800" dirty="0">
-                <a:latin typeface="Microsoft YaHei" panose="020B0503020204020204" pitchFamily="34" charset="-122"/>
-                <a:ea typeface="Microsoft YaHei" panose="020B0503020204020204" pitchFamily="34" charset="-122"/>
-              </a:rPr>
-              <a:t>应用程序，从</a:t>
-            </a:r>
-            <a:r>
-              <a:rPr kumimoji="1" lang="en-US" altLang="zh-CN" sz="2800" dirty="0">
-                <a:latin typeface="Microsoft YaHei" panose="020B0503020204020204" pitchFamily="34" charset="-122"/>
-                <a:ea typeface="Microsoft YaHei" panose="020B0503020204020204" pitchFamily="34" charset="-122"/>
-              </a:rPr>
-              <a:t>JDK 5.0</a:t>
-            </a:r>
-            <a:r>
-              <a:rPr kumimoji="1" lang="zh-CN" altLang="en-US" sz="2800" dirty="0">
-                <a:latin typeface="Microsoft YaHei" panose="020B0503020204020204" pitchFamily="34" charset="-122"/>
-                <a:ea typeface="Microsoft YaHei" panose="020B0503020204020204" pitchFamily="34" charset="-122"/>
-              </a:rPr>
-              <a:t>开始，改名为</a:t>
-            </a:r>
-            <a:r>
-              <a:rPr kumimoji="1" lang="en-US" altLang="zh-CN" sz="2800" dirty="0">
-                <a:latin typeface="Microsoft YaHei" panose="020B0503020204020204" pitchFamily="34" charset="-122"/>
-                <a:ea typeface="Microsoft YaHei" panose="020B0503020204020204" pitchFamily="34" charset="-122"/>
-              </a:rPr>
-              <a:t>Java EE</a:t>
-            </a:r>
-            <a:r>
-              <a:rPr kumimoji="1" lang="zh-CN" altLang="en-US" sz="2800" dirty="0">
-                <a:latin typeface="Microsoft YaHei" panose="020B0503020204020204" pitchFamily="34" charset="-122"/>
-                <a:ea typeface="Microsoft YaHei" panose="020B0503020204020204" pitchFamily="34" charset="-122"/>
-              </a:rPr>
-              <a:t>。从</a:t>
-            </a:r>
-            <a:r>
-              <a:rPr kumimoji="1" lang="en-US" altLang="zh-CN" sz="2800" dirty="0">
-                <a:latin typeface="Microsoft YaHei" panose="020B0503020204020204" pitchFamily="34" charset="-122"/>
-                <a:ea typeface="Microsoft YaHei" panose="020B0503020204020204" pitchFamily="34" charset="-122"/>
-              </a:rPr>
-              <a:t>2018</a:t>
-            </a:r>
-            <a:r>
-              <a:rPr kumimoji="1" lang="zh-CN" altLang="en-US" sz="2800" dirty="0">
-                <a:latin typeface="Microsoft YaHei" panose="020B0503020204020204" pitchFamily="34" charset="-122"/>
-                <a:ea typeface="Microsoft YaHei" panose="020B0503020204020204" pitchFamily="34" charset="-122"/>
-              </a:rPr>
-              <a:t>年</a:t>
-            </a:r>
-            <a:r>
-              <a:rPr kumimoji="1" lang="en-US" altLang="zh-CN" sz="2800" dirty="0">
-                <a:latin typeface="Microsoft YaHei" panose="020B0503020204020204" pitchFamily="34" charset="-122"/>
-                <a:ea typeface="Microsoft YaHei" panose="020B0503020204020204" pitchFamily="34" charset="-122"/>
-              </a:rPr>
-              <a:t>2</a:t>
-            </a:r>
-            <a:r>
-              <a:rPr kumimoji="1" lang="zh-CN" altLang="en-US" sz="2800" dirty="0">
-                <a:latin typeface="Microsoft YaHei" panose="020B0503020204020204" pitchFamily="34" charset="-122"/>
-                <a:ea typeface="Microsoft YaHei" panose="020B0503020204020204" pitchFamily="34" charset="-122"/>
-              </a:rPr>
-              <a:t>月</a:t>
-            </a:r>
-            <a:r>
-              <a:rPr kumimoji="1" lang="en-US" altLang="zh-CN" sz="2800" dirty="0">
-                <a:latin typeface="Microsoft YaHei" panose="020B0503020204020204" pitchFamily="34" charset="-122"/>
-                <a:ea typeface="Microsoft YaHei" panose="020B0503020204020204" pitchFamily="34" charset="-122"/>
-              </a:rPr>
-              <a:t>26</a:t>
-            </a:r>
-            <a:r>
-              <a:rPr kumimoji="1" lang="zh-CN" altLang="en-US" sz="2800" dirty="0">
-                <a:latin typeface="Microsoft YaHei" panose="020B0503020204020204" pitchFamily="34" charset="-122"/>
-                <a:ea typeface="Microsoft YaHei" panose="020B0503020204020204" pitchFamily="34" charset="-122"/>
-              </a:rPr>
-              <a:t>日开始，</a:t>
-            </a:r>
-            <a:r>
-              <a:rPr kumimoji="1" lang="en-US" altLang="zh-CN" sz="2800" dirty="0">
-                <a:latin typeface="Microsoft YaHei" panose="020B0503020204020204" pitchFamily="34" charset="-122"/>
-                <a:ea typeface="Microsoft YaHei" panose="020B0503020204020204" pitchFamily="34" charset="-122"/>
-              </a:rPr>
-              <a:t>J2EE</a:t>
-            </a:r>
-            <a:r>
-              <a:rPr kumimoji="1" lang="zh-CN" altLang="en-US" sz="2800" dirty="0">
-                <a:latin typeface="Microsoft YaHei" panose="020B0503020204020204" pitchFamily="34" charset="-122"/>
-                <a:ea typeface="Microsoft YaHei" panose="020B0503020204020204" pitchFamily="34" charset="-122"/>
-              </a:rPr>
-              <a:t>改名为</a:t>
-            </a:r>
-            <a:r>
-              <a:rPr kumimoji="1" lang="en-US" altLang="zh-CN" sz="2800" dirty="0">
-                <a:latin typeface="Microsoft YaHei" panose="020B0503020204020204" pitchFamily="34" charset="-122"/>
-                <a:ea typeface="Microsoft YaHei" panose="020B0503020204020204" pitchFamily="34" charset="-122"/>
-              </a:rPr>
-              <a:t>Jakarta EE [1]  </a:t>
-            </a:r>
-            <a:r>
-              <a:rPr kumimoji="1" lang="zh-CN" altLang="en-US" sz="2800" dirty="0">
-                <a:latin typeface="Microsoft YaHei" panose="020B0503020204020204" pitchFamily="34" charset="-122"/>
-                <a:ea typeface="Microsoft YaHei" panose="020B0503020204020204" pitchFamily="34" charset="-122"/>
-              </a:rPr>
-              <a:t>。</a:t>
-            </a:r>
-          </a:p>
-          <a:p>
-            <a:pPr marL="457200" indent="-457200">
-              <a:buFont typeface="Arial" panose="020B0604020202020204" pitchFamily="34" charset="0"/>
-              <a:buChar char="•"/>
-            </a:pPr>
-            <a:r>
-              <a:rPr kumimoji="1" lang="en-US" altLang="zh-CN" sz="2800" dirty="0">
-                <a:latin typeface="Microsoft YaHei" panose="020B0503020204020204" pitchFamily="34" charset="-122"/>
-                <a:ea typeface="Microsoft YaHei" panose="020B0503020204020204" pitchFamily="34" charset="-122"/>
-              </a:rPr>
-              <a:t>ME(J2ME)</a:t>
-            </a:r>
-            <a:r>
-              <a:rPr kumimoji="1" lang="zh-CN" altLang="en-US" sz="2800" dirty="0">
-                <a:latin typeface="Microsoft YaHei" panose="020B0503020204020204" pitchFamily="34" charset="-122"/>
-                <a:ea typeface="Microsoft YaHei" panose="020B0503020204020204" pitchFamily="34" charset="-122"/>
-              </a:rPr>
-              <a:t>，</a:t>
-            </a:r>
-            <a:r>
-              <a:rPr kumimoji="1" lang="en-US" altLang="zh-CN" sz="2800" dirty="0">
-                <a:latin typeface="Microsoft YaHei" panose="020B0503020204020204" pitchFamily="34" charset="-122"/>
-                <a:ea typeface="Microsoft YaHei" panose="020B0503020204020204" pitchFamily="34" charset="-122"/>
-              </a:rPr>
-              <a:t>micro edition</a:t>
-            </a:r>
-            <a:r>
-              <a:rPr kumimoji="1" lang="zh-CN" altLang="en-US" sz="2800" dirty="0">
-                <a:latin typeface="Microsoft YaHei" panose="020B0503020204020204" pitchFamily="34" charset="-122"/>
-                <a:ea typeface="Microsoft YaHei" panose="020B0503020204020204" pitchFamily="34" charset="-122"/>
-              </a:rPr>
-              <a:t>，主要用于移动设备、嵌入式设备上的</a:t>
-            </a:r>
-            <a:r>
-              <a:rPr kumimoji="1" lang="en-US" altLang="zh-CN" sz="2800" dirty="0">
-                <a:latin typeface="Microsoft YaHei" panose="020B0503020204020204" pitchFamily="34" charset="-122"/>
-                <a:ea typeface="Microsoft YaHei" panose="020B0503020204020204" pitchFamily="34" charset="-122"/>
-              </a:rPr>
-              <a:t>java</a:t>
-            </a:r>
-            <a:r>
-              <a:rPr kumimoji="1" lang="zh-CN" altLang="en-US" sz="2800" dirty="0">
-                <a:latin typeface="Microsoft YaHei" panose="020B0503020204020204" pitchFamily="34" charset="-122"/>
-                <a:ea typeface="Microsoft YaHei" panose="020B0503020204020204" pitchFamily="34" charset="-122"/>
-              </a:rPr>
-              <a:t>应用程序，从</a:t>
-            </a:r>
-            <a:r>
-              <a:rPr kumimoji="1" lang="en-US" altLang="zh-CN" sz="2800" dirty="0">
-                <a:latin typeface="Microsoft YaHei" panose="020B0503020204020204" pitchFamily="34" charset="-122"/>
-                <a:ea typeface="Microsoft YaHei" panose="020B0503020204020204" pitchFamily="34" charset="-122"/>
-              </a:rPr>
-              <a:t>JDK 5.0</a:t>
-            </a:r>
-            <a:r>
-              <a:rPr kumimoji="1" lang="zh-CN" altLang="en-US" sz="2800" dirty="0">
-                <a:latin typeface="Microsoft YaHei" panose="020B0503020204020204" pitchFamily="34" charset="-122"/>
-                <a:ea typeface="Microsoft YaHei" panose="020B0503020204020204" pitchFamily="34" charset="-122"/>
-              </a:rPr>
-              <a:t>开始，改名为</a:t>
-            </a:r>
-            <a:r>
-              <a:rPr kumimoji="1" lang="en-US" altLang="zh-CN" sz="2800" dirty="0">
-                <a:latin typeface="Microsoft YaHei" panose="020B0503020204020204" pitchFamily="34" charset="-122"/>
-                <a:ea typeface="Microsoft YaHei" panose="020B0503020204020204" pitchFamily="34" charset="-122"/>
-              </a:rPr>
-              <a:t>Java ME</a:t>
+              <a:t>声明变量，但不使用，一般的编译器会提示，需要删除</a:t>
             </a:r>
           </a:p>
         </p:txBody>
@@ -6029,7 +6160,7 @@
     </p:spTree>
     <p:extLst>
       <p:ext uri="{BB962C8B-B14F-4D97-AF65-F5344CB8AC3E}">
-        <p14:creationId xmlns:p14="http://schemas.microsoft.com/office/powerpoint/2010/main" val="392936438"/>
+        <p14:creationId xmlns:p14="http://schemas.microsoft.com/office/powerpoint/2010/main" val="76332531"/>
       </p:ext>
     </p:extLst>
   </p:cSld>
@@ -6095,25 +6226,25 @@
           <a:p>
             <a:pPr algn="ctr"/>
             <a:r>
-              <a:rPr lang="en-US" altLang="zh-CN" sz="4800" dirty="0">
-                <a:latin typeface="Microsoft YaHei" panose="020B0503020204020204" pitchFamily="34" charset="-122"/>
-                <a:ea typeface="Microsoft YaHei" panose="020B0503020204020204" pitchFamily="34" charset="-122"/>
-              </a:rPr>
-              <a:t>5.2</a:t>
-            </a:r>
-            <a:r>
-              <a:rPr lang="zh-CN" altLang="en-US" sz="4800" dirty="0">
-                <a:latin typeface="Microsoft YaHei" panose="020B0503020204020204" pitchFamily="34" charset="-122"/>
-                <a:ea typeface="Microsoft YaHei" panose="020B0503020204020204" pitchFamily="34" charset="-122"/>
-              </a:rPr>
-              <a:t>  </a:t>
-            </a:r>
-            <a:r>
-              <a:rPr lang="en-US" altLang="zh-CN" sz="4800" dirty="0">
-                <a:latin typeface="Microsoft YaHei" panose="020B0503020204020204" pitchFamily="34" charset="-122"/>
-                <a:ea typeface="Microsoft YaHei" panose="020B0503020204020204" pitchFamily="34" charset="-122"/>
-              </a:rPr>
-              <a:t>IDE</a:t>
+              <a:rPr kumimoji="1" lang="en-US" altLang="zh-CN" sz="4800" dirty="0">
+                <a:latin typeface="Microsoft YaHei" panose="020B0503020204020204" pitchFamily="34" charset="-122"/>
+                <a:ea typeface="Microsoft YaHei" panose="020B0503020204020204" pitchFamily="34" charset="-122"/>
+              </a:rPr>
+              <a:t>6.</a:t>
+            </a:r>
+            <a:r>
+              <a:rPr kumimoji="1" lang="zh-CN" altLang="en-US" sz="4800" dirty="0">
+                <a:latin typeface="Microsoft YaHei" panose="020B0503020204020204" pitchFamily="34" charset="-122"/>
+                <a:ea typeface="Microsoft YaHei" panose="020B0503020204020204" pitchFamily="34" charset="-122"/>
+              </a:rPr>
+              <a:t> 常见错误 </a:t>
+            </a:r>
+            <a:r>
+              <a:rPr kumimoji="1" lang="en-US" altLang="zh-CN" sz="4800" dirty="0">
+                <a:latin typeface="Microsoft YaHei" panose="020B0503020204020204" pitchFamily="34" charset="-122"/>
+                <a:ea typeface="Microsoft YaHei" panose="020B0503020204020204" pitchFamily="34" charset="-122"/>
+              </a:rPr>
+              <a:t>2</a:t>
             </a:r>
             <a:endParaRPr kumimoji="1" lang="zh-CN" altLang="en-US" sz="4800" dirty="0">
               <a:latin typeface="Microsoft YaHei" panose="020B0503020204020204" pitchFamily="34" charset="-122"/>
@@ -6124,10 +6255,10 @@
       </p:sp>
       <p:sp>
         <p:nvSpPr>
-          <p:cNvPr id="6" name="文本框 5">
-            <a:extLst>
-              <a:ext uri="{FF2B5EF4-FFF2-40B4-BE49-F238E27FC236}">
-                <a16:creationId xmlns:a16="http://schemas.microsoft.com/office/drawing/2014/main" id="{00E236B2-A911-5847-BDD3-FD255B185817}"/>
+          <p:cNvPr id="4" name="文本框 3">
+            <a:extLst>
+              <a:ext uri="{FF2B5EF4-FFF2-40B4-BE49-F238E27FC236}">
+                <a16:creationId xmlns:a16="http://schemas.microsoft.com/office/drawing/2014/main" id="{437DA9EE-0AE3-E849-9D47-C012AF08BB7C}"/>
               </a:ext>
             </a:extLst>
           </p:cNvPr>
@@ -6136,8 +6267,8 @@
         </p:nvSpPr>
         <p:spPr>
           <a:xfrm>
-            <a:off x="1475509" y="2119745"/>
-            <a:ext cx="10453255" cy="3970318"/>
+            <a:off x="875778" y="2599627"/>
+            <a:ext cx="10601640" cy="3323987"/>
           </a:xfrm>
           <a:prstGeom prst="rect">
             <a:avLst/>
@@ -6150,222 +6281,138 @@
           </a:bodyPr>
           <a:lstStyle/>
           <a:p>
+            <a:pPr>
+              <a:lnSpc>
+                <a:spcPct val="150000"/>
+              </a:lnSpc>
+            </a:pPr>
             <a:r>
               <a:rPr kumimoji="1" lang="zh-CN" altLang="en-US" sz="2800" dirty="0">
-                <a:latin typeface="Microsoft YaHei" panose="020B0503020204020204" pitchFamily="34" charset="-122"/>
-                <a:ea typeface="Microsoft YaHei" panose="020B0503020204020204" pitchFamily="34" charset="-122"/>
-              </a:rPr>
-              <a:t>集成开发环境（</a:t>
-            </a:r>
-            <a:r>
-              <a:rPr kumimoji="1" lang="en-US" altLang="zh-CN" sz="2800" dirty="0">
-                <a:latin typeface="Microsoft YaHei" panose="020B0503020204020204" pitchFamily="34" charset="-122"/>
-                <a:ea typeface="Microsoft YaHei" panose="020B0503020204020204" pitchFamily="34" charset="-122"/>
-              </a:rPr>
-              <a:t>IDE</a:t>
-            </a:r>
-            <a:r>
-              <a:rPr kumimoji="1" lang="zh-CN" altLang="en-US" sz="2800" dirty="0">
-                <a:latin typeface="Microsoft YaHei" panose="020B0503020204020204" pitchFamily="34" charset="-122"/>
-                <a:ea typeface="Microsoft YaHei" panose="020B0503020204020204" pitchFamily="34" charset="-122"/>
-              </a:rPr>
-              <a:t>，</a:t>
-            </a:r>
-            <a:r>
-              <a:rPr kumimoji="1" lang="en-US" altLang="zh-CN" sz="2800" dirty="0">
-                <a:latin typeface="Microsoft YaHei" panose="020B0503020204020204" pitchFamily="34" charset="-122"/>
-                <a:ea typeface="Microsoft YaHei" panose="020B0503020204020204" pitchFamily="34" charset="-122"/>
-              </a:rPr>
-              <a:t>Integrated Development Environment </a:t>
-            </a:r>
-            <a:r>
-              <a:rPr kumimoji="1" lang="zh-CN" altLang="en-US" sz="2800" dirty="0">
-                <a:latin typeface="Microsoft YaHei" panose="020B0503020204020204" pitchFamily="34" charset="-122"/>
-                <a:ea typeface="Microsoft YaHei" panose="020B0503020204020204" pitchFamily="34" charset="-122"/>
-              </a:rPr>
-              <a:t>）是用于提供程序开发环境的应用程序，一般包括</a:t>
+                <a:highlight>
+                  <a:srgbClr val="FF0000"/>
+                </a:highlight>
+                <a:latin typeface="Microsoft YaHei" panose="020B0503020204020204" pitchFamily="34" charset="-122"/>
+                <a:ea typeface="Microsoft YaHei" panose="020B0503020204020204" pitchFamily="34" charset="-122"/>
+              </a:rPr>
+              <a:t>整数溢出 </a:t>
             </a:r>
             <a:endParaRPr kumimoji="1" lang="en-US" altLang="zh-CN" sz="2800" dirty="0">
+              <a:highlight>
+                <a:srgbClr val="FF0000"/>
+              </a:highlight>
               <a:latin typeface="Microsoft YaHei" panose="020B0503020204020204" pitchFamily="34" charset="-122"/>
               <a:ea typeface="Microsoft YaHei" panose="020B0503020204020204" pitchFamily="34" charset="-122"/>
             </a:endParaRPr>
           </a:p>
           <a:p>
-            <a:pPr marL="514350" indent="-514350">
-              <a:buFont typeface="+mj-lt"/>
-              <a:buAutoNum type="arabicPeriod"/>
-            </a:pPr>
-            <a:r>
-              <a:rPr kumimoji="1" lang="zh-CN" altLang="en-US" sz="2800" dirty="0">
-                <a:latin typeface="Microsoft YaHei" panose="020B0503020204020204" pitchFamily="34" charset="-122"/>
-                <a:ea typeface="Microsoft YaHei" panose="020B0503020204020204" pitchFamily="34" charset="-122"/>
-              </a:rPr>
-              <a:t>代码编辑器、</a:t>
-            </a:r>
-            <a:endParaRPr kumimoji="1" lang="en-US" altLang="zh-CN" sz="2800" dirty="0">
-              <a:latin typeface="Microsoft YaHei" panose="020B0503020204020204" pitchFamily="34" charset="-122"/>
-              <a:ea typeface="Microsoft YaHei" panose="020B0503020204020204" pitchFamily="34" charset="-122"/>
+            <a:r>
+              <a:rPr lang="zh-CN" altLang="en-US" sz="2800" dirty="0"/>
+              <a:t>数字以有限的位数存储。当一个变量被陚予一个过大</a:t>
+            </a:r>
+            <a:r>
+              <a:rPr lang="en-US" altLang="zh-CN" sz="2800" dirty="0"/>
+              <a:t>(</a:t>
+            </a:r>
+            <a:r>
+              <a:rPr lang="zh-CN" altLang="en-US" sz="2800" dirty="0"/>
+              <a:t>以存储大小而言</a:t>
+            </a:r>
+            <a:r>
+              <a:rPr lang="en-US" altLang="zh-CN" sz="2800" dirty="0"/>
+              <a:t>)</a:t>
+            </a:r>
+            <a:r>
+              <a:rPr lang="zh-CN" altLang="en-US" sz="2800" dirty="0"/>
+              <a:t>的值，以至无 法存储该值，这称为溢出。</a:t>
+            </a:r>
+            <a:endParaRPr lang="en-US" altLang="zh-CN" sz="2800" dirty="0"/>
+          </a:p>
+          <a:p>
+            <a:r>
+              <a:rPr lang="en-US" altLang="zh-CN" sz="2800" dirty="0"/>
+              <a:t>int</a:t>
+            </a:r>
+            <a:r>
+              <a:rPr lang="zh-CN" altLang="en-US" sz="2800" dirty="0"/>
+              <a:t>类型变量中可以存储的最大值是 </a:t>
+            </a:r>
+            <a:r>
+              <a:rPr lang="en-US" altLang="zh-CN" sz="2800" dirty="0"/>
+              <a:t>2147483647</a:t>
+            </a:r>
+            <a:r>
+              <a:rPr lang="zh-CN" altLang="en-US" sz="2800" dirty="0"/>
+              <a:t>。</a:t>
+            </a:r>
+            <a:r>
+              <a:rPr lang="en-US" altLang="zh-CN" sz="2800" dirty="0"/>
+              <a:t>2147483648 </a:t>
+            </a:r>
+            <a:r>
+              <a:rPr lang="zh-CN" altLang="en-US" sz="2800" dirty="0"/>
+              <a:t>将超出 </a:t>
+            </a:r>
+            <a:r>
+              <a:rPr lang="en-US" altLang="zh-CN" sz="2800" dirty="0"/>
+              <a:t>int </a:t>
+            </a:r>
+            <a:r>
+              <a:rPr lang="zh-CN" altLang="en-US" sz="2800" dirty="0"/>
+              <a:t>值的范围。 </a:t>
+            </a:r>
+          </a:p>
+          <a:p>
+            <a:r>
+              <a:rPr lang="en-US" altLang="zh-CN" sz="2800" dirty="0" err="1"/>
+              <a:t>Intvalue</a:t>
+            </a:r>
+            <a:r>
+              <a:rPr lang="en-US" altLang="zh-CN" sz="2800" dirty="0"/>
+              <a:t>= 2147483647+1; </a:t>
+            </a:r>
+            <a:r>
+              <a:rPr lang="zh-CN" altLang="en-US" sz="2800" dirty="0"/>
+              <a:t> </a:t>
+            </a:r>
+            <a:endParaRPr lang="en-US" altLang="zh-CN" sz="2800" dirty="0"/>
+          </a:p>
+          <a:p>
+            <a:r>
+              <a:rPr lang="zh-CN" altLang="en-US" sz="2800" dirty="0">
+                <a:highlight>
+                  <a:srgbClr val="00FFFF"/>
+                </a:highlight>
+              </a:rPr>
+              <a:t>思考：那</a:t>
+            </a:r>
+            <a:r>
+              <a:rPr lang="en-US" altLang="zh-CN" sz="2800" dirty="0">
+                <a:highlight>
+                  <a:srgbClr val="00FFFF"/>
+                </a:highlight>
+              </a:rPr>
+              <a:t>int</a:t>
+            </a:r>
+            <a:r>
+              <a:rPr lang="zh-CN" altLang="en-US" sz="2800" dirty="0">
+                <a:highlight>
+                  <a:srgbClr val="00FFFF"/>
+                </a:highlight>
+              </a:rPr>
+              <a:t>的最小值是多少？</a:t>
+            </a:r>
+            <a:endParaRPr lang="en-US" altLang="zh-CN" sz="2800" dirty="0">
+              <a:highlight>
+                <a:srgbClr val="00FFFF"/>
+              </a:highlight>
             </a:endParaRPr>
-          </a:p>
-          <a:p>
-            <a:pPr marL="514350" indent="-514350">
-              <a:buFont typeface="+mj-lt"/>
-              <a:buAutoNum type="arabicPeriod"/>
-            </a:pPr>
-            <a:r>
-              <a:rPr kumimoji="1" lang="zh-CN" altLang="en-US" sz="2800" dirty="0">
-                <a:latin typeface="Microsoft YaHei" panose="020B0503020204020204" pitchFamily="34" charset="-122"/>
-                <a:ea typeface="Microsoft YaHei" panose="020B0503020204020204" pitchFamily="34" charset="-122"/>
-              </a:rPr>
-              <a:t>编译器、</a:t>
-            </a:r>
-            <a:endParaRPr kumimoji="1" lang="en-US" altLang="zh-CN" sz="2800" dirty="0">
-              <a:latin typeface="Microsoft YaHei" panose="020B0503020204020204" pitchFamily="34" charset="-122"/>
-              <a:ea typeface="Microsoft YaHei" panose="020B0503020204020204" pitchFamily="34" charset="-122"/>
-            </a:endParaRPr>
-          </a:p>
-          <a:p>
-            <a:pPr marL="514350" indent="-514350">
-              <a:buFont typeface="+mj-lt"/>
-              <a:buAutoNum type="arabicPeriod"/>
-            </a:pPr>
-            <a:r>
-              <a:rPr kumimoji="1" lang="zh-CN" altLang="en-US" sz="2800" dirty="0">
-                <a:latin typeface="Microsoft YaHei" panose="020B0503020204020204" pitchFamily="34" charset="-122"/>
-                <a:ea typeface="Microsoft YaHei" panose="020B0503020204020204" pitchFamily="34" charset="-122"/>
-              </a:rPr>
-              <a:t>调试器和图形用户界面等工具。</a:t>
-            </a:r>
-            <a:endParaRPr kumimoji="1" lang="en-US" altLang="zh-CN" sz="2800" dirty="0">
-              <a:latin typeface="Microsoft YaHei" panose="020B0503020204020204" pitchFamily="34" charset="-122"/>
-              <a:ea typeface="Microsoft YaHei" panose="020B0503020204020204" pitchFamily="34" charset="-122"/>
-            </a:endParaRPr>
-          </a:p>
-          <a:p>
-            <a:r>
-              <a:rPr kumimoji="1" lang="zh-CN" altLang="en-US" sz="2800" dirty="0">
-                <a:latin typeface="Microsoft YaHei" panose="020B0503020204020204" pitchFamily="34" charset="-122"/>
-                <a:ea typeface="Microsoft YaHei" panose="020B0503020204020204" pitchFamily="34" charset="-122"/>
-              </a:rPr>
-              <a:t>集成了代码编写功能、分析功能、编译功能、调试功能等一体化的开发软件服务套。</a:t>
-            </a:r>
-            <a:endParaRPr kumimoji="1" lang="en-US" altLang="zh-CN" sz="2800" dirty="0">
-              <a:latin typeface="Microsoft YaHei" panose="020B0503020204020204" pitchFamily="34" charset="-122"/>
-              <a:ea typeface="Microsoft YaHei" panose="020B0503020204020204" pitchFamily="34" charset="-122"/>
-            </a:endParaRPr>
-          </a:p>
-          <a:p>
-            <a:endParaRPr kumimoji="1" lang="en-US" altLang="zh-CN" sz="2800" dirty="0">
-              <a:latin typeface="Microsoft YaHei" panose="020B0503020204020204" pitchFamily="34" charset="-122"/>
-              <a:ea typeface="Microsoft YaHei" panose="020B0503020204020204" pitchFamily="34" charset="-122"/>
-            </a:endParaRPr>
-          </a:p>
-          <a:p>
-            <a:r>
-              <a:rPr kumimoji="1" lang="zh-CN" altLang="en-US" sz="2800" dirty="0">
-                <a:latin typeface="Microsoft YaHei" panose="020B0503020204020204" pitchFamily="34" charset="-122"/>
-                <a:ea typeface="Microsoft YaHei" panose="020B0503020204020204" pitchFamily="34" charset="-122"/>
-              </a:rPr>
-              <a:t>例子：</a:t>
-            </a:r>
-            <a:r>
-              <a:rPr kumimoji="1" lang="en-US" altLang="zh-CN" sz="2800" dirty="0">
-                <a:latin typeface="Microsoft YaHei" panose="020B0503020204020204" pitchFamily="34" charset="-122"/>
-                <a:ea typeface="Microsoft YaHei" panose="020B0503020204020204" pitchFamily="34" charset="-122"/>
-              </a:rPr>
-              <a:t>Visual</a:t>
-            </a:r>
-            <a:r>
-              <a:rPr kumimoji="1" lang="zh-CN" altLang="en-US" sz="2800" dirty="0">
-                <a:latin typeface="Microsoft YaHei" panose="020B0503020204020204" pitchFamily="34" charset="-122"/>
-                <a:ea typeface="Microsoft YaHei" panose="020B0503020204020204" pitchFamily="34" charset="-122"/>
-              </a:rPr>
-              <a:t> </a:t>
-            </a:r>
-            <a:r>
-              <a:rPr kumimoji="1" lang="en-US" altLang="zh-CN" sz="2800" dirty="0">
-                <a:latin typeface="Microsoft YaHei" panose="020B0503020204020204" pitchFamily="34" charset="-122"/>
-                <a:ea typeface="Microsoft YaHei" panose="020B0503020204020204" pitchFamily="34" charset="-122"/>
-              </a:rPr>
-              <a:t>studio</a:t>
-            </a:r>
-            <a:r>
-              <a:rPr kumimoji="1" lang="zh-CN" altLang="en-US" sz="2800" dirty="0">
-                <a:latin typeface="Microsoft YaHei" panose="020B0503020204020204" pitchFamily="34" charset="-122"/>
-                <a:ea typeface="Microsoft YaHei" panose="020B0503020204020204" pitchFamily="34" charset="-122"/>
-              </a:rPr>
-              <a:t> </a:t>
-            </a:r>
-            <a:r>
-              <a:rPr kumimoji="1" lang="en-US" altLang="zh-CN" sz="2800" dirty="0">
-                <a:latin typeface="Microsoft YaHei" panose="020B0503020204020204" pitchFamily="34" charset="-122"/>
-                <a:ea typeface="Microsoft YaHei" panose="020B0503020204020204" pitchFamily="34" charset="-122"/>
-              </a:rPr>
-              <a:t>Code</a:t>
-            </a:r>
-            <a:r>
-              <a:rPr kumimoji="1" lang="zh-CN" altLang="en-US" sz="2800" dirty="0">
-                <a:latin typeface="Microsoft YaHei" panose="020B0503020204020204" pitchFamily="34" charset="-122"/>
-                <a:ea typeface="Microsoft YaHei" panose="020B0503020204020204" pitchFamily="34" charset="-122"/>
-              </a:rPr>
-              <a:t> </a:t>
-            </a:r>
-            <a:r>
-              <a:rPr kumimoji="1" lang="en-US" altLang="zh-CN" sz="2800" dirty="0">
-                <a:latin typeface="Microsoft YaHei" panose="020B0503020204020204" pitchFamily="34" charset="-122"/>
-                <a:ea typeface="Microsoft YaHei" panose="020B0503020204020204" pitchFamily="34" charset="-122"/>
-              </a:rPr>
-              <a:t>/</a:t>
-            </a:r>
-            <a:r>
-              <a:rPr kumimoji="1" lang="zh-CN" altLang="en-US" sz="2800" dirty="0">
-                <a:latin typeface="Microsoft YaHei" panose="020B0503020204020204" pitchFamily="34" charset="-122"/>
-                <a:ea typeface="Microsoft YaHei" panose="020B0503020204020204" pitchFamily="34" charset="-122"/>
-              </a:rPr>
-              <a:t> </a:t>
-            </a:r>
-            <a:r>
-              <a:rPr kumimoji="1" lang="en-US" altLang="zh-CN" sz="2800" dirty="0">
-                <a:latin typeface="Microsoft YaHei" panose="020B0503020204020204" pitchFamily="34" charset="-122"/>
-                <a:ea typeface="Microsoft YaHei" panose="020B0503020204020204" pitchFamily="34" charset="-122"/>
-              </a:rPr>
-              <a:t>eclipse/</a:t>
-            </a:r>
-            <a:r>
-              <a:rPr kumimoji="1" lang="zh-CN" altLang="en-US" sz="2800" dirty="0">
-                <a:latin typeface="Microsoft YaHei" panose="020B0503020204020204" pitchFamily="34" charset="-122"/>
-                <a:ea typeface="Microsoft YaHei" panose="020B0503020204020204" pitchFamily="34" charset="-122"/>
-              </a:rPr>
-              <a:t> </a:t>
-            </a:r>
-            <a:r>
-              <a:rPr kumimoji="1" lang="en-US" altLang="zh-CN" sz="2800" dirty="0">
-                <a:latin typeface="Microsoft YaHei" panose="020B0503020204020204" pitchFamily="34" charset="-122"/>
-                <a:ea typeface="Microsoft YaHei" panose="020B0503020204020204" pitchFamily="34" charset="-122"/>
-              </a:rPr>
-              <a:t>Android</a:t>
-            </a:r>
-            <a:r>
-              <a:rPr kumimoji="1" lang="zh-CN" altLang="en-US" sz="2800" dirty="0">
-                <a:latin typeface="Microsoft YaHei" panose="020B0503020204020204" pitchFamily="34" charset="-122"/>
-                <a:ea typeface="Microsoft YaHei" panose="020B0503020204020204" pitchFamily="34" charset="-122"/>
-              </a:rPr>
-              <a:t> </a:t>
-            </a:r>
-            <a:r>
-              <a:rPr kumimoji="1" lang="en-US" altLang="zh-CN" sz="2800" dirty="0">
-                <a:latin typeface="Microsoft YaHei" panose="020B0503020204020204" pitchFamily="34" charset="-122"/>
-                <a:ea typeface="Microsoft YaHei" panose="020B0503020204020204" pitchFamily="34" charset="-122"/>
-              </a:rPr>
-              <a:t>studio</a:t>
-            </a:r>
           </a:p>
         </p:txBody>
       </p:sp>
     </p:spTree>
     <p:extLst>
       <p:ext uri="{BB962C8B-B14F-4D97-AF65-F5344CB8AC3E}">
-        <p14:creationId xmlns:p14="http://schemas.microsoft.com/office/powerpoint/2010/main" val="829365331"/>
+        <p14:creationId xmlns:p14="http://schemas.microsoft.com/office/powerpoint/2010/main" val="829273768"/>
       </p:ext>
     </p:extLst>
   </p:cSld>
@@ -6431,32 +6478,25 @@
           <a:p>
             <a:pPr algn="ctr"/>
             <a:r>
-              <a:rPr lang="en-US" altLang="zh-CN" sz="4800" dirty="0">
+              <a:rPr kumimoji="1" lang="en-US" altLang="zh-CN" sz="4800" dirty="0">
                 <a:latin typeface="Microsoft YaHei" panose="020B0503020204020204" pitchFamily="34" charset="-122"/>
                 <a:ea typeface="Microsoft YaHei" panose="020B0503020204020204" pitchFamily="34" charset="-122"/>
               </a:rPr>
               <a:t>6.</a:t>
             </a:r>
             <a:r>
-              <a:rPr lang="zh-CN" altLang="en-US" sz="4800" dirty="0">
-                <a:latin typeface="Microsoft YaHei" panose="020B0503020204020204" pitchFamily="34" charset="-122"/>
-                <a:ea typeface="Microsoft YaHei" panose="020B0503020204020204" pitchFamily="34" charset="-122"/>
-              </a:rPr>
-              <a:t>一个简单的</a:t>
-            </a:r>
-            <a:r>
-              <a:rPr lang="en-US" altLang="zh-CN" sz="4800" dirty="0">
-                <a:latin typeface="Microsoft YaHei" panose="020B0503020204020204" pitchFamily="34" charset="-122"/>
-                <a:ea typeface="Microsoft YaHei" panose="020B0503020204020204" pitchFamily="34" charset="-122"/>
-              </a:rPr>
-              <a:t>Java</a:t>
-            </a:r>
-            <a:r>
-              <a:rPr lang="zh-CN" altLang="en-US" sz="4800" dirty="0">
-                <a:latin typeface="Microsoft YaHei" panose="020B0503020204020204" pitchFamily="34" charset="-122"/>
-                <a:ea typeface="Microsoft YaHei" panose="020B0503020204020204" pitchFamily="34" charset="-122"/>
-              </a:rPr>
-              <a:t>程序</a:t>
+              <a:rPr kumimoji="1" lang="zh-CN" altLang="en-US" sz="4800" dirty="0">
+                <a:latin typeface="Microsoft YaHei" panose="020B0503020204020204" pitchFamily="34" charset="-122"/>
+                <a:ea typeface="Microsoft YaHei" panose="020B0503020204020204" pitchFamily="34" charset="-122"/>
+              </a:rPr>
+              <a:t> 常见错误 </a:t>
+            </a:r>
+            <a:r>
+              <a:rPr kumimoji="1" lang="en-US" altLang="zh-CN" sz="4800" dirty="0">
+                <a:latin typeface="Microsoft YaHei" panose="020B0503020204020204" pitchFamily="34" charset="-122"/>
+                <a:ea typeface="Microsoft YaHei" panose="020B0503020204020204" pitchFamily="34" charset="-122"/>
+              </a:rPr>
+              <a:t>3</a:t>
             </a:r>
             <a:endParaRPr kumimoji="1" lang="zh-CN" altLang="en-US" sz="4800" dirty="0">
               <a:latin typeface="Microsoft YaHei" panose="020B0503020204020204" pitchFamily="34" charset="-122"/>
@@ -6465,12 +6505,68 @@
           </a:p>
         </p:txBody>
       </p:sp>
+      <p:sp>
+        <p:nvSpPr>
+          <p:cNvPr id="4" name="文本框 3">
+            <a:extLst>
+              <a:ext uri="{FF2B5EF4-FFF2-40B4-BE49-F238E27FC236}">
+                <a16:creationId xmlns:a16="http://schemas.microsoft.com/office/drawing/2014/main" id="{437DA9EE-0AE3-E849-9D47-C012AF08BB7C}"/>
+              </a:ext>
+            </a:extLst>
+          </p:cNvPr>
+          <p:cNvSpPr txBox="1"/>
+          <p:nvPr/>
+        </p:nvSpPr>
+        <p:spPr>
+          <a:xfrm>
+            <a:off x="875778" y="2599627"/>
+            <a:ext cx="10601640" cy="523220"/>
+          </a:xfrm>
+          <a:prstGeom prst="rect">
+            <a:avLst/>
+          </a:prstGeom>
+          <a:noFill/>
+        </p:spPr>
+        <p:txBody>
+          <a:bodyPr wrap="square" rtlCol="0">
+            <a:spAutoFit/>
+          </a:bodyPr>
+          <a:lstStyle/>
+          <a:p>
+            <a:r>
+              <a:rPr lang="zh-CN" altLang="en-US" sz="2800" dirty="0">
+                <a:highlight>
+                  <a:srgbClr val="FF0000"/>
+                </a:highlight>
+              </a:rPr>
+              <a:t>超出预期的整数除法 </a:t>
+            </a:r>
+            <a:r>
+              <a:rPr kumimoji="1" lang="zh-CN" altLang="en-US" sz="2800" dirty="0">
+                <a:highlight>
+                  <a:srgbClr val="FF0000"/>
+                </a:highlight>
+                <a:latin typeface="Microsoft YaHei" panose="020B0503020204020204" pitchFamily="34" charset="-122"/>
+                <a:ea typeface="Microsoft YaHei" panose="020B0503020204020204" pitchFamily="34" charset="-122"/>
+              </a:rPr>
+              <a:t> </a:t>
+            </a:r>
+            <a:endParaRPr kumimoji="1" lang="en-US" altLang="zh-CN" sz="2800" dirty="0">
+              <a:highlight>
+                <a:srgbClr val="FF0000"/>
+              </a:highlight>
+              <a:latin typeface="Microsoft YaHei" panose="020B0503020204020204" pitchFamily="34" charset="-122"/>
+              <a:ea typeface="Microsoft YaHei" panose="020B0503020204020204" pitchFamily="34" charset="-122"/>
+            </a:endParaRPr>
+          </a:p>
+        </p:txBody>
+      </p:sp>
       <p:pic>
         <p:nvPicPr>
-          <p:cNvPr id="6" name="图片 5">
-            <a:extLst>
-              <a:ext uri="{FF2B5EF4-FFF2-40B4-BE49-F238E27FC236}">
-                <a16:creationId xmlns:a16="http://schemas.microsoft.com/office/drawing/2014/main" id="{D1DA003D-A6A1-1D4D-BF10-2C89C0E3CC71}"/>
+          <p:cNvPr id="3" name="图片 2">
+            <a:extLst>
+              <a:ext uri="{FF2B5EF4-FFF2-40B4-BE49-F238E27FC236}">
+                <a16:creationId xmlns:a16="http://schemas.microsoft.com/office/drawing/2014/main" id="{11CB5C24-8959-BE48-ADA3-7A48DDADF719}"/>
               </a:ext>
             </a:extLst>
           </p:cNvPr>
@@ -6487,18 +6583,98 @@
         </p:blipFill>
         <p:spPr>
           <a:xfrm>
-            <a:off x="2229053" y="2023200"/>
-            <a:ext cx="8606307" cy="4114800"/>
+            <a:off x="554182" y="3429000"/>
+            <a:ext cx="11637818" cy="1926120"/>
           </a:xfrm>
           <a:prstGeom prst="rect">
             <a:avLst/>
           </a:prstGeom>
         </p:spPr>
       </p:pic>
+      <p:sp>
+        <p:nvSpPr>
+          <p:cNvPr id="5" name="文本框 4">
+            <a:extLst>
+              <a:ext uri="{FF2B5EF4-FFF2-40B4-BE49-F238E27FC236}">
+                <a16:creationId xmlns:a16="http://schemas.microsoft.com/office/drawing/2014/main" id="{9172D58E-42F2-7841-B8A5-7E368BC93EB3}"/>
+              </a:ext>
+            </a:extLst>
+          </p:cNvPr>
+          <p:cNvSpPr txBox="1"/>
+          <p:nvPr/>
+        </p:nvSpPr>
+        <p:spPr>
+          <a:xfrm>
+            <a:off x="1641764" y="5652655"/>
+            <a:ext cx="2888672" cy="523220"/>
+          </a:xfrm>
+          <a:prstGeom prst="rect">
+            <a:avLst/>
+          </a:prstGeom>
+          <a:noFill/>
+        </p:spPr>
+        <p:txBody>
+          <a:bodyPr wrap="square" rtlCol="0">
+            <a:spAutoFit/>
+          </a:bodyPr>
+          <a:lstStyle/>
+          <a:p>
+            <a:r>
+              <a:rPr kumimoji="1" lang="zh-CN" altLang="en-US" sz="2800" dirty="0"/>
+              <a:t>结果是：</a:t>
+            </a:r>
+            <a:r>
+              <a:rPr kumimoji="1" lang="en-US" altLang="zh-CN" sz="2800" dirty="0"/>
+              <a:t>1</a:t>
+            </a:r>
+            <a:endParaRPr kumimoji="1" lang="zh-CN" altLang="en-US" sz="2800" dirty="0"/>
+          </a:p>
+        </p:txBody>
+      </p:sp>
+      <p:sp>
+        <p:nvSpPr>
+          <p:cNvPr id="6" name="文本框 5">
+            <a:extLst>
+              <a:ext uri="{FF2B5EF4-FFF2-40B4-BE49-F238E27FC236}">
+                <a16:creationId xmlns:a16="http://schemas.microsoft.com/office/drawing/2014/main" id="{8E4A7340-2E87-4148-A773-47E538E66983}"/>
+              </a:ext>
+            </a:extLst>
+          </p:cNvPr>
+          <p:cNvSpPr txBox="1"/>
+          <p:nvPr/>
+        </p:nvSpPr>
+        <p:spPr>
+          <a:xfrm>
+            <a:off x="7512624" y="5647915"/>
+            <a:ext cx="2888672" cy="523220"/>
+          </a:xfrm>
+          <a:prstGeom prst="rect">
+            <a:avLst/>
+          </a:prstGeom>
+          <a:noFill/>
+        </p:spPr>
+        <p:txBody>
+          <a:bodyPr wrap="square" rtlCol="0">
+            <a:spAutoFit/>
+          </a:bodyPr>
+          <a:lstStyle/>
+          <a:p>
+            <a:r>
+              <a:rPr kumimoji="1" lang="zh-CN" altLang="en-US" sz="2800" dirty="0"/>
+              <a:t>结果是：</a:t>
+            </a:r>
+            <a:r>
+              <a:rPr kumimoji="1" lang="en-US" altLang="zh-CN" sz="2800" dirty="0"/>
+              <a:t>1.5</a:t>
+            </a:r>
+            <a:endParaRPr kumimoji="1" lang="zh-CN" altLang="en-US" sz="2800" dirty="0"/>
+          </a:p>
+        </p:txBody>
+      </p:sp>
     </p:spTree>
     <p:extLst>
       <p:ext uri="{BB962C8B-B14F-4D97-AF65-F5344CB8AC3E}">
-        <p14:creationId xmlns:p14="http://schemas.microsoft.com/office/powerpoint/2010/main" val="3494705467"/>
+        <p14:creationId xmlns:p14="http://schemas.microsoft.com/office/powerpoint/2010/main" val="354188742"/>
       </p:ext>
     </p:extLst>
   </p:cSld>
@@ -6548,129 +6724,6 @@
         </p:nvSpPr>
         <p:spPr>
           <a:xfrm>
-            <a:off x="2520000" y="720000"/>
-            <a:ext cx="7735824" cy="830997"/>
-          </a:xfrm>
-          <a:prstGeom prst="rect">
-            <a:avLst/>
-          </a:prstGeom>
-          <a:noFill/>
-        </p:spPr>
-        <p:txBody>
-          <a:bodyPr wrap="square" rtlCol="0">
-            <a:spAutoFit/>
-          </a:bodyPr>
-          <a:lstStyle/>
-          <a:p>
-            <a:pPr algn="ctr"/>
-            <a:r>
-              <a:rPr kumimoji="1" lang="en-US" altLang="zh-CN" sz="4800" dirty="0">
-                <a:latin typeface="Microsoft YaHei" panose="020B0503020204020204" pitchFamily="34" charset="-122"/>
-                <a:ea typeface="Microsoft YaHei" panose="020B0503020204020204" pitchFamily="34" charset="-122"/>
-              </a:rPr>
-              <a:t>7.</a:t>
-            </a:r>
-            <a:r>
-              <a:rPr kumimoji="1" lang="zh-CN" altLang="en-US" sz="4800" dirty="0">
-                <a:latin typeface="Microsoft YaHei" panose="020B0503020204020204" pitchFamily="34" charset="-122"/>
-                <a:ea typeface="Microsoft YaHei" panose="020B0503020204020204" pitchFamily="34" charset="-122"/>
-              </a:rPr>
-              <a:t>高级语言程序执行过程</a:t>
-            </a:r>
-          </a:p>
-        </p:txBody>
-      </p:sp>
-      <p:sp>
-        <p:nvSpPr>
-          <p:cNvPr id="3" name="文本框 2">
-            <a:extLst>
-              <a:ext uri="{FF2B5EF4-FFF2-40B4-BE49-F238E27FC236}">
-                <a16:creationId xmlns:a16="http://schemas.microsoft.com/office/drawing/2014/main" id="{45750F13-0022-0C46-8E22-C3D3831976D9}"/>
-              </a:ext>
-            </a:extLst>
-          </p:cNvPr>
-          <p:cNvSpPr txBox="1"/>
-          <p:nvPr/>
-        </p:nvSpPr>
-        <p:spPr>
-          <a:xfrm>
-            <a:off x="1060316" y="2612168"/>
-            <a:ext cx="9845749" cy="523220"/>
-          </a:xfrm>
-          <a:prstGeom prst="rect">
-            <a:avLst/>
-          </a:prstGeom>
-          <a:noFill/>
-        </p:spPr>
-        <p:txBody>
-          <a:bodyPr wrap="square" rtlCol="0">
-            <a:spAutoFit/>
-          </a:bodyPr>
-          <a:lstStyle/>
-          <a:p>
-            <a:r>
-              <a:rPr kumimoji="1" lang="zh-CN" altLang="en-US" sz="2800" dirty="0">
-                <a:latin typeface="Microsoft YaHei" panose="020B0503020204020204" pitchFamily="34" charset="-122"/>
-                <a:ea typeface="Microsoft YaHei" panose="020B0503020204020204" pitchFamily="34" charset="-122"/>
-              </a:rPr>
-              <a:t>相互之间存在一种或者多种关系的数据元素的集合</a:t>
-            </a:r>
-          </a:p>
-        </p:txBody>
-      </p:sp>
-    </p:spTree>
-    <p:extLst>
-      <p:ext uri="{BB962C8B-B14F-4D97-AF65-F5344CB8AC3E}">
-        <p14:creationId xmlns:p14="http://schemas.microsoft.com/office/powerpoint/2010/main" val="1850266317"/>
-      </p:ext>
-    </p:extLst>
-  </p:cSld>
-  <p:clrMapOvr>
-    <a:masterClrMapping/>
-  </p:clrMapOvr>
-</p:sld>
-</file>
-
-<file path=ppt/slides/slide16.xml><?xml version="1.0" encoding="utf-8"?>
-<p:sld xmlns:a="http://schemas.openxmlformats.org/drawingml/2006/main" xmlns:r="http://schemas.openxmlformats.org/officeDocument/2006/relationships" xmlns:p="http://schemas.openxmlformats.org/presentationml/2006/main">
-  <p:cSld>
-    <p:bg>
-      <p:bgPr>
-        <a:blipFill>
-          <a:blip r:embed="rId3"/>
-          <a:tile tx="0" ty="0" sx="100000" sy="100000" flip="none" algn="tl"/>
-        </a:blipFill>
-        <a:effectLst/>
-      </p:bgPr>
-    </p:bg>
-    <p:spTree>
-      <p:nvGrpSpPr>
-        <p:cNvPr id="1" name=""/>
-        <p:cNvGrpSpPr/>
-        <p:nvPr/>
-      </p:nvGrpSpPr>
-      <p:grpSpPr>
-        <a:xfrm>
-          <a:off x="0" y="0"/>
-          <a:ext cx="0" cy="0"/>
-          <a:chOff x="0" y="0"/>
-          <a:chExt cx="0" cy="0"/>
-        </a:xfrm>
-      </p:grpSpPr>
-      <p:sp>
-        <p:nvSpPr>
-          <p:cNvPr id="2" name="文本框 1">
-            <a:extLst>
-              <a:ext uri="{FF2B5EF4-FFF2-40B4-BE49-F238E27FC236}">
-                <a16:creationId xmlns:a16="http://schemas.microsoft.com/office/drawing/2014/main" id="{12AA8BCC-7B15-4842-80C2-48C079429338}"/>
-              </a:ext>
-            </a:extLst>
-          </p:cNvPr>
-          <p:cNvSpPr txBox="1"/>
-          <p:nvPr/>
-        </p:nvSpPr>
-        <p:spPr>
-          <a:xfrm>
             <a:off x="2228088" y="2921168"/>
             <a:ext cx="7735824" cy="1015663"/>
           </a:xfrm>
@@ -6691,7 +6744,7 @@
                 <a:latin typeface="Microsoft YaHei" panose="020B0503020204020204" pitchFamily="34" charset="-122"/>
                 <a:ea typeface="Microsoft YaHei" panose="020B0503020204020204" pitchFamily="34" charset="-122"/>
               </a:rPr>
-              <a:t>这堂课我们学了撒？</a:t>
+              <a:t>这堂课我们学了什么？</a:t>
             </a:r>
           </a:p>
         </p:txBody>
@@ -6709,7 +6762,7 @@
 </p:sld>
 </file>
 
-<file path=ppt/slides/slide17.xml><?xml version="1.0" encoding="utf-8"?>
+<file path=ppt/slides/slide16.xml><?xml version="1.0" encoding="utf-8"?>
 <p:sld xmlns:a="http://schemas.openxmlformats.org/drawingml/2006/main" xmlns:r="http://schemas.openxmlformats.org/officeDocument/2006/relationships" xmlns:p="http://schemas.openxmlformats.org/presentationml/2006/main">
   <p:cSld>
     <p:bg>
@@ -6743,7 +6796,7 @@
     </p:spTree>
     <p:extLst>
       <p:ext uri="{BB962C8B-B14F-4D97-AF65-F5344CB8AC3E}">
-        <p14:creationId xmlns:p14="http://schemas.microsoft.com/office/powerpoint/2010/main" val="721635264"/>
+        <p14:creationId xmlns:p14="http://schemas.microsoft.com/office/powerpoint/2010/main" val="3637025993"/>
       </p:ext>
     </p:extLst>
   </p:cSld>
@@ -6832,8 +6885,8 @@
         </p:nvSpPr>
         <p:spPr>
           <a:xfrm>
-            <a:off x="3653856" y="2136565"/>
-            <a:ext cx="7443216" cy="7215987"/>
+            <a:off x="3271084" y="1550997"/>
+            <a:ext cx="7443216" cy="7418607"/>
           </a:xfrm>
           <a:prstGeom prst="rect">
             <a:avLst/>
@@ -6855,27 +6908,7 @@
                 <a:latin typeface="Microsoft YaHei" panose="020B0503020204020204" pitchFamily="34" charset="-122"/>
                 <a:ea typeface="Microsoft YaHei" panose="020B0503020204020204" pitchFamily="34" charset="-122"/>
               </a:rPr>
-              <a:t>为什么要学</a:t>
-            </a:r>
-            <a:r>
-              <a:rPr kumimoji="1" lang="en-US" altLang="zh-CN" sz="2800" dirty="0">
-                <a:latin typeface="Microsoft YaHei" panose="020B0503020204020204" pitchFamily="34" charset="-122"/>
-                <a:ea typeface="Microsoft YaHei" panose="020B0503020204020204" pitchFamily="34" charset="-122"/>
-              </a:rPr>
-              <a:t>Java</a:t>
-            </a:r>
-          </a:p>
-          <a:p>
-            <a:pPr marL="571500" indent="-571500">
-              <a:buFont typeface="Wingdings" pitchFamily="2" charset="2"/>
-              <a:buChar char="Ø"/>
-            </a:pPr>
-            <a:r>
-              <a:rPr kumimoji="1" lang="zh-CN" altLang="en-US" sz="2800" dirty="0">
-                <a:latin typeface="Microsoft YaHei" panose="020B0503020204020204" pitchFamily="34" charset="-122"/>
-                <a:ea typeface="Microsoft YaHei" panose="020B0503020204020204" pitchFamily="34" charset="-122"/>
-              </a:rPr>
-              <a:t>什么是计算机</a:t>
+              <a:t>从控制台读取输入</a:t>
             </a:r>
             <a:endParaRPr kumimoji="1" lang="en-US" altLang="zh-CN" sz="2800" dirty="0">
               <a:latin typeface="Microsoft YaHei" panose="020B0503020204020204" pitchFamily="34" charset="-122"/>
@@ -6898,30 +6931,7 @@
                 <a:latin typeface="Microsoft YaHei" panose="020B0503020204020204" pitchFamily="34" charset="-122"/>
                 <a:ea typeface="Microsoft YaHei" panose="020B0503020204020204" pitchFamily="34" charset="-122"/>
               </a:rPr>
-              <a:t>编程语言</a:t>
-            </a:r>
-            <a:endParaRPr kumimoji="1" lang="en-US" altLang="zh-CN" sz="2800" dirty="0">
-              <a:latin typeface="Microsoft YaHei" panose="020B0503020204020204" pitchFamily="34" charset="-122"/>
-              <a:ea typeface="Microsoft YaHei" panose="020B0503020204020204" pitchFamily="34" charset="-122"/>
-            </a:endParaRPr>
-          </a:p>
-          <a:p>
-            <a:pPr marL="571500" indent="-571500">
-              <a:lnSpc>
-                <a:spcPct val="150000"/>
-              </a:lnSpc>
-              <a:spcBef>
-                <a:spcPts val="100"/>
-              </a:spcBef>
-              <a:buFont typeface="Wingdings" pitchFamily="2" charset="2"/>
-              <a:buChar char="Ø"/>
-            </a:pPr>
-            <a:r>
-              <a:rPr kumimoji="1" lang="zh-CN" altLang="en-US" sz="2800" dirty="0">
-                <a:latin typeface="Microsoft YaHei" panose="020B0503020204020204" pitchFamily="34" charset="-122"/>
-                <a:ea typeface="Microsoft YaHei" panose="020B0503020204020204" pitchFamily="34" charset="-122"/>
-              </a:rPr>
-              <a:t>操作系统</a:t>
+              <a:t>标识符命名变量，常量，方法和类及命名规则</a:t>
             </a:r>
           </a:p>
           <a:p>
@@ -6933,23 +6943,14 @@
               <a:buChar char="Ø"/>
             </a:pPr>
             <a:r>
-              <a:rPr kumimoji="1" lang="en-US" altLang="zh-CN" sz="2800" dirty="0">
-                <a:ea typeface="Microsoft YaHei" panose="020B0503020204020204" pitchFamily="34" charset="-122"/>
-              </a:rPr>
-              <a:t>JDK</a:t>
-            </a:r>
-            <a:r>
               <a:rPr kumimoji="1" lang="zh-CN" altLang="en-US" sz="2800" dirty="0">
                 <a:ea typeface="Microsoft YaHei" panose="020B0503020204020204" pitchFamily="34" charset="-122"/>
               </a:rPr>
-              <a:t> 和</a:t>
-            </a:r>
-            <a:r>
-              <a:rPr kumimoji="1" lang="en-US" altLang="zh-CN" sz="2800" dirty="0">
-                <a:ea typeface="Microsoft YaHei" panose="020B0503020204020204" pitchFamily="34" charset="-122"/>
-              </a:rPr>
-              <a:t>IDE</a:t>
-            </a:r>
+              <a:t>赋值语句和表达式</a:t>
+            </a:r>
+            <a:endParaRPr kumimoji="1" lang="en-US" altLang="zh-CN" sz="2800" dirty="0">
+              <a:ea typeface="Microsoft YaHei" panose="020B0503020204020204" pitchFamily="34" charset="-122"/>
+            </a:endParaRPr>
           </a:p>
           <a:p>
             <a:pPr marL="571500" indent="-571500">
@@ -6963,31 +6964,7 @@
               <a:rPr kumimoji="1" lang="zh-CN" altLang="en-US" sz="2800" dirty="0">
                 <a:ea typeface="Microsoft YaHei" panose="020B0503020204020204" pitchFamily="34" charset="-122"/>
               </a:rPr>
-              <a:t>简单的</a:t>
-            </a:r>
-            <a:r>
-              <a:rPr kumimoji="1" lang="en-US" altLang="zh-CN" sz="2800" dirty="0">
-                <a:ea typeface="Microsoft YaHei" panose="020B0503020204020204" pitchFamily="34" charset="-122"/>
-              </a:rPr>
-              <a:t>Java</a:t>
-            </a:r>
-            <a:r>
-              <a:rPr kumimoji="1" lang="zh-CN" altLang="en-US" sz="2800" dirty="0">
-                <a:ea typeface="Microsoft YaHei" panose="020B0503020204020204" pitchFamily="34" charset="-122"/>
-              </a:rPr>
-              <a:t>程序以及</a:t>
-            </a:r>
-            <a:r>
-              <a:rPr kumimoji="1" lang="en-US" altLang="zh-CN" sz="2800" dirty="0">
-                <a:ea typeface="Microsoft YaHei" panose="020B0503020204020204" pitchFamily="34" charset="-122"/>
-              </a:rPr>
-              <a:t>Java</a:t>
-            </a:r>
-            <a:r>
-              <a:rPr kumimoji="1" lang="zh-CN" altLang="en-US" sz="2800" dirty="0">
-                <a:ea typeface="Microsoft YaHei" panose="020B0503020204020204" pitchFamily="34" charset="-122"/>
-              </a:rPr>
-              <a:t>风格</a:t>
+              <a:t>数值数据类型和操作</a:t>
             </a:r>
             <a:endParaRPr kumimoji="1" lang="en-US" altLang="zh-CN" sz="2800" dirty="0">
               <a:ea typeface="Microsoft YaHei" panose="020B0503020204020204" pitchFamily="34" charset="-122"/>
@@ -7005,8 +6982,18 @@
               <a:rPr kumimoji="1" lang="zh-CN" altLang="en-US" sz="2800" dirty="0">
                 <a:ea typeface="Microsoft YaHei" panose="020B0503020204020204" pitchFamily="34" charset="-122"/>
               </a:rPr>
-              <a:t>高级语言从编写到执行的过程</a:t>
-            </a:r>
+              <a:t>操作符优先级</a:t>
+            </a:r>
+            <a:endParaRPr kumimoji="1" lang="en-US" altLang="zh-CN" sz="2800" dirty="0">
+              <a:ea typeface="Microsoft YaHei" panose="020B0503020204020204" pitchFamily="34" charset="-122"/>
+            </a:endParaRPr>
+          </a:p>
+          <a:p>
+            <a:pPr>
+              <a:lnSpc>
+                <a:spcPct val="150000"/>
+              </a:lnSpc>
+            </a:pPr>
             <a:endParaRPr kumimoji="1" lang="en-US" altLang="zh-CN" sz="2800" dirty="0">
               <a:ea typeface="Microsoft YaHei" panose="020B0503020204020204" pitchFamily="34" charset="-122"/>
             </a:endParaRPr>
@@ -7062,7 +7049,7 @@
     <p:bg>
       <p:bgPr>
         <a:blipFill>
-          <a:blip r:embed="rId2"/>
+          <a:blip r:embed="rId3"/>
           <a:tile tx="0" ty="0" sx="100000" sy="100000" flip="none" algn="tl"/>
         </a:blipFill>
         <a:effectLst/>
@@ -7084,10 +7071,10 @@
       </p:grpSpPr>
       <p:sp>
         <p:nvSpPr>
-          <p:cNvPr id="3" name="文本框 2">
-            <a:extLst>
-              <a:ext uri="{FF2B5EF4-FFF2-40B4-BE49-F238E27FC236}">
-                <a16:creationId xmlns:a16="http://schemas.microsoft.com/office/drawing/2014/main" id="{62BFC649-BF8E-2841-8EAF-47AFBF9D6671}"/>
+          <p:cNvPr id="2" name="文本框 1">
+            <a:extLst>
+              <a:ext uri="{FF2B5EF4-FFF2-40B4-BE49-F238E27FC236}">
+                <a16:creationId xmlns:a16="http://schemas.microsoft.com/office/drawing/2014/main" id="{12AA8BCC-7B15-4842-80C2-48C079429338}"/>
               </a:ext>
             </a:extLst>
           </p:cNvPr>
@@ -7096,8 +7083,8 @@
         </p:nvSpPr>
         <p:spPr>
           <a:xfrm>
-            <a:off x="2322524" y="519546"/>
-            <a:ext cx="8083296" cy="830997"/>
+            <a:off x="2520000" y="720000"/>
+            <a:ext cx="7735824" cy="830997"/>
           </a:xfrm>
           <a:prstGeom prst="rect">
             <a:avLst/>
@@ -7123,56 +7110,224 @@
                 <a:latin typeface="Microsoft YaHei" panose="020B0503020204020204" pitchFamily="34" charset="-122"/>
                 <a:ea typeface="Microsoft YaHei" panose="020B0503020204020204" pitchFamily="34" charset="-122"/>
               </a:rPr>
-              <a:t> 为什么要学</a:t>
-            </a:r>
-            <a:r>
-              <a:rPr kumimoji="1" lang="en-US" altLang="zh-CN" sz="4800" dirty="0">
-                <a:latin typeface="Microsoft YaHei" panose="020B0503020204020204" pitchFamily="34" charset="-122"/>
-                <a:ea typeface="Microsoft YaHei" panose="020B0503020204020204" pitchFamily="34" charset="-122"/>
-              </a:rPr>
-              <a:t>Java</a:t>
-            </a:r>
-            <a:endParaRPr kumimoji="1" lang="zh-CN" altLang="en-US" sz="4800" dirty="0">
-              <a:latin typeface="Microsoft YaHei" panose="020B0503020204020204" pitchFamily="34" charset="-122"/>
-              <a:ea typeface="Microsoft YaHei" panose="020B0503020204020204" pitchFamily="34" charset="-122"/>
-            </a:endParaRPr>
-          </a:p>
-        </p:txBody>
-      </p:sp>
-      <p:pic>
-        <p:nvPicPr>
-          <p:cNvPr id="2" name="图片 1">
-            <a:extLst>
-              <a:ext uri="{FF2B5EF4-FFF2-40B4-BE49-F238E27FC236}">
-                <a16:creationId xmlns:a16="http://schemas.microsoft.com/office/drawing/2014/main" id="{15007606-60DE-9848-9953-AFFCF1D6986C}"/>
-              </a:ext>
-            </a:extLst>
-          </p:cNvPr>
-          <p:cNvPicPr>
-            <a:picLocks noChangeAspect="1"/>
-          </p:cNvPicPr>
+              <a:t> 如何读取控制台数据</a:t>
+            </a:r>
+          </a:p>
+        </p:txBody>
+      </p:sp>
+      <p:sp>
+        <p:nvSpPr>
+          <p:cNvPr id="8" name="文本框 7">
+            <a:extLst>
+              <a:ext uri="{FF2B5EF4-FFF2-40B4-BE49-F238E27FC236}">
+                <a16:creationId xmlns:a16="http://schemas.microsoft.com/office/drawing/2014/main" id="{B294230C-E86E-7247-BAC6-5F43DED3D0AF}"/>
+              </a:ext>
+            </a:extLst>
+          </p:cNvPr>
+          <p:cNvSpPr txBox="1"/>
           <p:nvPr/>
-        </p:nvPicPr>
-        <p:blipFill>
-          <a:blip r:embed="rId3"/>
-          <a:stretch>
-            <a:fillRect/>
-          </a:stretch>
-        </p:blipFill>
+        </p:nvSpPr>
         <p:spPr>
           <a:xfrm>
-            <a:off x="1810409" y="1868631"/>
-            <a:ext cx="9107527" cy="4469823"/>
+            <a:off x="2374392" y="1550997"/>
+            <a:ext cx="7443216" cy="4537049"/>
           </a:xfrm>
           <a:prstGeom prst="rect">
             <a:avLst/>
           </a:prstGeom>
+          <a:noFill/>
         </p:spPr>
-      </p:pic>
+        <p:txBody>
+          <a:bodyPr wrap="square" tIns="360000" bIns="360000" rtlCol="0">
+            <a:spAutoFit/>
+          </a:bodyPr>
+          <a:lstStyle/>
+          <a:p>
+            <a:pPr marL="457200" indent="-457200">
+              <a:lnSpc>
+                <a:spcPct val="150000"/>
+              </a:lnSpc>
+              <a:buFont typeface="Arial" panose="020B0604020202020204" pitchFamily="34" charset="0"/>
+              <a:buChar char="•"/>
+            </a:pPr>
+            <a:r>
+              <a:rPr kumimoji="1" lang="en-US" altLang="zh-CN" sz="2800" dirty="0">
+                <a:latin typeface="Microsoft YaHei" panose="020B0503020204020204" pitchFamily="34" charset="-122"/>
+                <a:ea typeface="Microsoft YaHei" panose="020B0503020204020204" pitchFamily="34" charset="-122"/>
+              </a:rPr>
+              <a:t>C</a:t>
+            </a:r>
+            <a:r>
+              <a:rPr kumimoji="1" lang="zh-CN" altLang="en-US" sz="2800" dirty="0">
+                <a:latin typeface="Microsoft YaHei" panose="020B0503020204020204" pitchFamily="34" charset="-122"/>
+                <a:ea typeface="Microsoft YaHei" panose="020B0503020204020204" pitchFamily="34" charset="-122"/>
+              </a:rPr>
+              <a:t> 语言： </a:t>
+            </a:r>
+            <a:r>
+              <a:rPr kumimoji="1" lang="en-US" altLang="zh-CN" sz="2800" dirty="0" err="1">
+                <a:latin typeface="Microsoft YaHei" panose="020B0503020204020204" pitchFamily="34" charset="-122"/>
+                <a:ea typeface="Microsoft YaHei" panose="020B0503020204020204" pitchFamily="34" charset="-122"/>
+              </a:rPr>
+              <a:t>scanf</a:t>
+            </a:r>
+            <a:r>
+              <a:rPr kumimoji="1" lang="en-US" altLang="zh-CN" sz="2800" dirty="0">
+                <a:latin typeface="Microsoft YaHei" panose="020B0503020204020204" pitchFamily="34" charset="-122"/>
+                <a:ea typeface="Microsoft YaHei" panose="020B0503020204020204" pitchFamily="34" charset="-122"/>
+              </a:rPr>
+              <a:t>(),</a:t>
+            </a:r>
+            <a:r>
+              <a:rPr kumimoji="1" lang="zh-CN" altLang="en-US" sz="2800" dirty="0">
+                <a:latin typeface="Microsoft YaHei" panose="020B0503020204020204" pitchFamily="34" charset="-122"/>
+                <a:ea typeface="Microsoft YaHei" panose="020B0503020204020204" pitchFamily="34" charset="-122"/>
+              </a:rPr>
+              <a:t> </a:t>
+            </a:r>
+            <a:r>
+              <a:rPr kumimoji="1" lang="en-US" altLang="zh-CN" sz="2800" dirty="0" err="1">
+                <a:latin typeface="Microsoft YaHei" panose="020B0503020204020204" pitchFamily="34" charset="-122"/>
+                <a:ea typeface="Microsoft YaHei" panose="020B0503020204020204" pitchFamily="34" charset="-122"/>
+              </a:rPr>
+              <a:t>getChar</a:t>
+            </a:r>
+            <a:r>
+              <a:rPr kumimoji="1" lang="en-US" altLang="zh-CN" sz="2800" dirty="0">
+                <a:latin typeface="Microsoft YaHei" panose="020B0503020204020204" pitchFamily="34" charset="-122"/>
+                <a:ea typeface="Microsoft YaHei" panose="020B0503020204020204" pitchFamily="34" charset="-122"/>
+              </a:rPr>
+              <a:t>()…</a:t>
+            </a:r>
+          </a:p>
+          <a:p>
+            <a:pPr marL="457200" indent="-457200">
+              <a:lnSpc>
+                <a:spcPct val="150000"/>
+              </a:lnSpc>
+              <a:buFont typeface="Arial" panose="020B0604020202020204" pitchFamily="34" charset="0"/>
+              <a:buChar char="•"/>
+            </a:pPr>
+            <a:r>
+              <a:rPr kumimoji="1" lang="en-US" altLang="zh-CN" sz="2800" dirty="0">
+                <a:latin typeface="Microsoft YaHei" panose="020B0503020204020204" pitchFamily="34" charset="-122"/>
+                <a:ea typeface="Microsoft YaHei" panose="020B0503020204020204" pitchFamily="34" charset="-122"/>
+              </a:rPr>
+              <a:t>Java:</a:t>
+            </a:r>
+          </a:p>
+          <a:p>
+            <a:pPr marL="514350" indent="-514350">
+              <a:lnSpc>
+                <a:spcPct val="150000"/>
+              </a:lnSpc>
+              <a:buFont typeface="+mj-lt"/>
+              <a:buAutoNum type="arabicPeriod"/>
+            </a:pPr>
+            <a:r>
+              <a:rPr kumimoji="1" lang="en-US" altLang="zh-CN" sz="2800" dirty="0" err="1">
+                <a:latin typeface="Microsoft YaHei" panose="020B0503020204020204" pitchFamily="34" charset="-122"/>
+                <a:ea typeface="Microsoft YaHei" panose="020B0503020204020204" pitchFamily="34" charset="-122"/>
+              </a:rPr>
+              <a:t>System.out</a:t>
+            </a:r>
+            <a:r>
+              <a:rPr kumimoji="1" lang="zh-CN" altLang="en-US" sz="2800" dirty="0">
+                <a:latin typeface="Microsoft YaHei" panose="020B0503020204020204" pitchFamily="34" charset="-122"/>
+                <a:ea typeface="Microsoft YaHei" panose="020B0503020204020204" pitchFamily="34" charset="-122"/>
+              </a:rPr>
+              <a:t>表示标准输出设备</a:t>
+            </a:r>
+            <a:endParaRPr kumimoji="1" lang="en-US" altLang="zh-CN" sz="2800" dirty="0">
+              <a:latin typeface="Microsoft YaHei" panose="020B0503020204020204" pitchFamily="34" charset="-122"/>
+              <a:ea typeface="Microsoft YaHei" panose="020B0503020204020204" pitchFamily="34" charset="-122"/>
+            </a:endParaRPr>
+          </a:p>
+          <a:p>
+            <a:pPr marL="514350" indent="-514350">
+              <a:lnSpc>
+                <a:spcPct val="150000"/>
+              </a:lnSpc>
+              <a:buFont typeface="+mj-lt"/>
+              <a:buAutoNum type="arabicPeriod"/>
+            </a:pPr>
+            <a:r>
+              <a:rPr kumimoji="1" lang="en-US" altLang="zh-CN" sz="2800" dirty="0" err="1">
+                <a:latin typeface="Microsoft YaHei" panose="020B0503020204020204" pitchFamily="34" charset="-122"/>
+                <a:ea typeface="Microsoft YaHei" panose="020B0503020204020204" pitchFamily="34" charset="-122"/>
+              </a:rPr>
+              <a:t>System.in</a:t>
+            </a:r>
+            <a:r>
+              <a:rPr kumimoji="1" lang="zh-CN" altLang="en-US" sz="2800" dirty="0">
+                <a:latin typeface="Microsoft YaHei" panose="020B0503020204020204" pitchFamily="34" charset="-122"/>
+                <a:ea typeface="Microsoft YaHei" panose="020B0503020204020204" pitchFamily="34" charset="-122"/>
+              </a:rPr>
+              <a:t>表示标准输入设备。</a:t>
+            </a:r>
+            <a:endParaRPr kumimoji="1" lang="en-US" altLang="zh-CN" sz="2800" dirty="0">
+              <a:latin typeface="Microsoft YaHei" panose="020B0503020204020204" pitchFamily="34" charset="-122"/>
+              <a:ea typeface="Microsoft YaHei" panose="020B0503020204020204" pitchFamily="34" charset="-122"/>
+            </a:endParaRPr>
+          </a:p>
+          <a:p>
+            <a:pPr>
+              <a:lnSpc>
+                <a:spcPct val="150000"/>
+              </a:lnSpc>
+            </a:pPr>
+            <a:r>
+              <a:rPr kumimoji="1" lang="en-US" altLang="zh-CN" sz="2800" dirty="0">
+                <a:latin typeface="Microsoft YaHei" panose="020B0503020204020204" pitchFamily="34" charset="-122"/>
+                <a:ea typeface="Microsoft YaHei" panose="020B0503020204020204" pitchFamily="34" charset="-122"/>
+              </a:rPr>
+              <a:t>Java</a:t>
+            </a:r>
+            <a:r>
+              <a:rPr kumimoji="1" lang="zh-CN" altLang="en-US" sz="2800" dirty="0">
+                <a:latin typeface="Microsoft YaHei" panose="020B0503020204020204" pitchFamily="34" charset="-122"/>
+                <a:ea typeface="Microsoft YaHei" panose="020B0503020204020204" pitchFamily="34" charset="-122"/>
+              </a:rPr>
+              <a:t> 不直接支持控制台输入，但可以用它提供的</a:t>
+            </a:r>
+            <a:r>
+              <a:rPr kumimoji="1" lang="en-US" altLang="zh-CN" sz="2800" dirty="0">
+                <a:latin typeface="Microsoft YaHei" panose="020B0503020204020204" pitchFamily="34" charset="-122"/>
+                <a:ea typeface="Microsoft YaHei" panose="020B0503020204020204" pitchFamily="34" charset="-122"/>
+              </a:rPr>
+              <a:t>Scanner</a:t>
+            </a:r>
+            <a:r>
+              <a:rPr kumimoji="1" lang="zh-CN" altLang="en-US" sz="2800" dirty="0">
+                <a:latin typeface="Microsoft YaHei" panose="020B0503020204020204" pitchFamily="34" charset="-122"/>
+                <a:ea typeface="Microsoft YaHei" panose="020B0503020204020204" pitchFamily="34" charset="-122"/>
+              </a:rPr>
+              <a:t>类读取来自</a:t>
+            </a:r>
+            <a:r>
+              <a:rPr kumimoji="1" lang="en-US" altLang="zh-CN" sz="2800" dirty="0" err="1">
+                <a:latin typeface="Microsoft YaHei" panose="020B0503020204020204" pitchFamily="34" charset="-122"/>
+                <a:ea typeface="Microsoft YaHei" panose="020B0503020204020204" pitchFamily="34" charset="-122"/>
+              </a:rPr>
+              <a:t>System.in</a:t>
+            </a:r>
+            <a:r>
+              <a:rPr kumimoji="1" lang="zh-CN" altLang="en-US" sz="2800" dirty="0">
+                <a:latin typeface="Microsoft YaHei" panose="020B0503020204020204" pitchFamily="34" charset="-122"/>
+                <a:ea typeface="Microsoft YaHei" panose="020B0503020204020204" pitchFamily="34" charset="-122"/>
+              </a:rPr>
+              <a:t>的输入。</a:t>
+            </a:r>
+            <a:endParaRPr kumimoji="1" lang="en-US" altLang="zh-CN" sz="2800" dirty="0">
+              <a:ea typeface="Microsoft YaHei" panose="020B0503020204020204" pitchFamily="34" charset="-122"/>
+            </a:endParaRPr>
+          </a:p>
+        </p:txBody>
+      </p:sp>
     </p:spTree>
     <p:extLst>
       <p:ext uri="{BB962C8B-B14F-4D97-AF65-F5344CB8AC3E}">
-        <p14:creationId xmlns:p14="http://schemas.microsoft.com/office/powerpoint/2010/main" val="4231050079"/>
+        <p14:creationId xmlns:p14="http://schemas.microsoft.com/office/powerpoint/2010/main" val="1217957394"/>
       </p:ext>
     </p:extLst>
   </p:cSld>
@@ -7188,7 +7343,7 @@
     <p:bg>
       <p:bgPr>
         <a:blipFill>
-          <a:blip r:embed="rId2"/>
+          <a:blip r:embed="rId3"/>
           <a:tile tx="0" ty="0" sx="100000" sy="100000" flip="none" algn="tl"/>
         </a:blipFill>
         <a:effectLst/>
@@ -7210,10 +7365,10 @@
       </p:grpSpPr>
       <p:sp>
         <p:nvSpPr>
-          <p:cNvPr id="8" name="文本框 7">
-            <a:extLst>
-              <a:ext uri="{FF2B5EF4-FFF2-40B4-BE49-F238E27FC236}">
-                <a16:creationId xmlns:a16="http://schemas.microsoft.com/office/drawing/2014/main" id="{75D7D6ED-43A8-DC4B-84B6-AB03F6270117}"/>
+          <p:cNvPr id="2" name="文本框 1">
+            <a:extLst>
+              <a:ext uri="{FF2B5EF4-FFF2-40B4-BE49-F238E27FC236}">
+                <a16:creationId xmlns:a16="http://schemas.microsoft.com/office/drawing/2014/main" id="{12AA8BCC-7B15-4842-80C2-48C079429338}"/>
               </a:ext>
             </a:extLst>
           </p:cNvPr>
@@ -7222,8 +7377,8 @@
         </p:nvSpPr>
         <p:spPr>
           <a:xfrm>
-            <a:off x="1062230" y="3405618"/>
-            <a:ext cx="4718304" cy="646331"/>
+            <a:off x="2234234" y="597430"/>
+            <a:ext cx="9132000" cy="830997"/>
           </a:xfrm>
           <a:prstGeom prst="rect">
             <a:avLst/>
@@ -7236,98 +7391,40 @@
           </a:bodyPr>
           <a:lstStyle/>
           <a:p>
-            <a:endParaRPr kumimoji="1" lang="zh-CN" altLang="en-US" sz="3600" dirty="0">
-              <a:solidFill>
-                <a:schemeClr val="bg1"/>
-              </a:solidFill>
-              <a:latin typeface="微软雅黑" panose="020B0503020204020204" pitchFamily="34" charset="-122"/>
-              <a:ea typeface="Microsoft YaHei" panose="020B0503020204020204" pitchFamily="34" charset="-122"/>
-            </a:endParaRPr>
-          </a:p>
-        </p:txBody>
-      </p:sp>
-      <p:pic>
-        <p:nvPicPr>
-          <p:cNvPr id="26" name="图片 25">
-            <a:extLst>
-              <a:ext uri="{FF2B5EF4-FFF2-40B4-BE49-F238E27FC236}">
-                <a16:creationId xmlns:a16="http://schemas.microsoft.com/office/drawing/2014/main" id="{E8407CAD-F2B2-DF46-A66A-1BCD3014F8D5}"/>
-              </a:ext>
-            </a:extLst>
-          </p:cNvPr>
-          <p:cNvPicPr>
-            <a:picLocks noChangeAspect="1"/>
-          </p:cNvPicPr>
+            <a:pPr algn="ctr"/>
+            <a:r>
+              <a:rPr kumimoji="1" lang="en-US" altLang="zh-CN" sz="4800" dirty="0">
+                <a:latin typeface="Microsoft YaHei" panose="020B0503020204020204" pitchFamily="34" charset="-122"/>
+                <a:ea typeface="Microsoft YaHei" panose="020B0503020204020204" pitchFamily="34" charset="-122"/>
+              </a:rPr>
+              <a:t>2.</a:t>
+            </a:r>
+            <a:r>
+              <a:rPr kumimoji="1" lang="zh-CN" altLang="en-US" sz="4800" dirty="0">
+                <a:latin typeface="Microsoft YaHei" panose="020B0503020204020204" pitchFamily="34" charset="-122"/>
+                <a:ea typeface="Microsoft YaHei" panose="020B0503020204020204" pitchFamily="34" charset="-122"/>
+              </a:rPr>
+              <a:t>标识符</a:t>
+            </a:r>
+          </a:p>
+        </p:txBody>
+      </p:sp>
+      <p:sp>
+        <p:nvSpPr>
+          <p:cNvPr id="3" name="文本框 2">
+            <a:extLst>
+              <a:ext uri="{FF2B5EF4-FFF2-40B4-BE49-F238E27FC236}">
+                <a16:creationId xmlns:a16="http://schemas.microsoft.com/office/drawing/2014/main" id="{C0CFBE9F-84F2-FE48-AC8E-D41196C42DBA}"/>
+              </a:ext>
+            </a:extLst>
+          </p:cNvPr>
+          <p:cNvSpPr txBox="1"/>
           <p:nvPr/>
-        </p:nvPicPr>
-        <p:blipFill>
-          <a:blip r:embed="rId3"/>
-          <a:stretch>
-            <a:fillRect/>
-          </a:stretch>
-        </p:blipFill>
+        </p:nvSpPr>
         <p:spPr>
           <a:xfrm>
-            <a:off x="6096001" y="1945171"/>
-            <a:ext cx="6009192" cy="3340061"/>
-          </a:xfrm>
-          <a:prstGeom prst="rect">
-            <a:avLst/>
-          </a:prstGeom>
-        </p:spPr>
-      </p:pic>
-      <p:pic>
-        <p:nvPicPr>
-          <p:cNvPr id="6" name="图形 5" descr="指向右边的反手食指">
-            <a:extLst>
-              <a:ext uri="{FF2B5EF4-FFF2-40B4-BE49-F238E27FC236}">
-                <a16:creationId xmlns:a16="http://schemas.microsoft.com/office/drawing/2014/main" id="{210154C2-D6BF-9C40-9D52-D6661602CC6E}"/>
-              </a:ext>
-            </a:extLst>
-          </p:cNvPr>
-          <p:cNvPicPr>
-            <a:picLocks noChangeAspect="1"/>
-          </p:cNvPicPr>
-          <p:nvPr/>
-        </p:nvPicPr>
-        <p:blipFill>
-          <a:blip r:embed="rId4">
-            <a:extLst>
-              <a:ext uri="{96DAC541-7B7A-43D3-8B79-37D633B846F1}">
-                <asvg:svgBlip xmlns:asvg="http://schemas.microsoft.com/office/drawing/2016/SVG/main" r:embed="rId5"/>
-              </a:ext>
-            </a:extLst>
-          </a:blip>
-          <a:stretch>
-            <a:fillRect/>
-          </a:stretch>
-        </p:blipFill>
-        <p:spPr>
-          <a:xfrm>
-            <a:off x="4681728" y="3177055"/>
-            <a:ext cx="914400" cy="914400"/>
-          </a:xfrm>
-          <a:prstGeom prst="rect">
-            <a:avLst/>
-          </a:prstGeom>
-        </p:spPr>
-      </p:pic>
-      <p:sp>
-        <p:nvSpPr>
-          <p:cNvPr id="7" name="文本框 6">
-            <a:extLst>
-              <a:ext uri="{FF2B5EF4-FFF2-40B4-BE49-F238E27FC236}">
-                <a16:creationId xmlns:a16="http://schemas.microsoft.com/office/drawing/2014/main" id="{D7995B31-82C8-C642-A774-9385BFAA8FE6}"/>
-              </a:ext>
-            </a:extLst>
-          </p:cNvPr>
-          <p:cNvSpPr txBox="1"/>
-          <p:nvPr/>
-        </p:nvSpPr>
-        <p:spPr>
-          <a:xfrm>
-            <a:off x="555501" y="3280312"/>
-            <a:ext cx="4533898" cy="707886"/>
+            <a:off x="1731818" y="2015173"/>
+            <a:ext cx="8728364" cy="4109587"/>
           </a:xfrm>
           <a:prstGeom prst="rect">
             <a:avLst/>
@@ -7340,249 +7437,166 @@
           </a:bodyPr>
           <a:lstStyle/>
           <a:p>
-            <a:r>
-              <a:rPr kumimoji="1" lang="zh-CN" altLang="en-US" sz="4000" dirty="0">
-                <a:latin typeface="Microsoft YaHei" panose="020B0503020204020204" pitchFamily="34" charset="-122"/>
-                <a:ea typeface="Microsoft YaHei" panose="020B0503020204020204" pitchFamily="34" charset="-122"/>
-              </a:rPr>
-              <a:t>最重要的是你能</a:t>
-            </a:r>
+            <a:pPr marL="457200" indent="-457200">
+              <a:buFont typeface="Arial" panose="020B0604020202020204" pitchFamily="34" charset="0"/>
+              <a:buChar char="•"/>
+            </a:pPr>
+            <a:r>
+              <a:rPr lang="zh-CN" altLang="en-US" sz="2800" dirty="0"/>
+              <a:t>标识符</a:t>
+            </a:r>
+            <a:r>
+              <a:rPr lang="en-US" altLang="zh-CN" sz="2800" dirty="0"/>
+              <a:t>:</a:t>
+            </a:r>
+            <a:r>
+              <a:rPr lang="zh-CN" altLang="en-US" sz="2800" dirty="0"/>
+              <a:t>  为了标识程序中的变量，函数，类而采用的命名。是由字母、数字、下划线</a:t>
+            </a:r>
+            <a:r>
+              <a:rPr lang="en-US" altLang="zh-CN" sz="2800" dirty="0"/>
+              <a:t>(_)</a:t>
+            </a:r>
+            <a:r>
+              <a:rPr lang="zh-CN" altLang="en-US" sz="2800" dirty="0"/>
+              <a:t>和美元符号</a:t>
+            </a:r>
+            <a:r>
+              <a:rPr lang="en-US" altLang="zh-CN" sz="2800" dirty="0"/>
+              <a:t>($)</a:t>
+            </a:r>
+            <a:r>
+              <a:rPr lang="zh-CN" altLang="en-US" sz="2800" dirty="0"/>
+              <a:t>构成的字符序列。 </a:t>
+            </a:r>
+          </a:p>
+          <a:p>
+            <a:pPr marL="457200" indent="-457200">
+              <a:buFont typeface="Arial" panose="020B0604020202020204" pitchFamily="34" charset="0"/>
+              <a:buChar char="•"/>
+            </a:pPr>
+            <a:r>
+              <a:rPr lang="zh-CN" altLang="en-US" sz="2800" dirty="0"/>
+              <a:t>标识符必须以字母、下划线</a:t>
+            </a:r>
+            <a:r>
+              <a:rPr lang="en-US" altLang="zh-CN" sz="2800" dirty="0"/>
+              <a:t>(_)</a:t>
+            </a:r>
+            <a:r>
+              <a:rPr lang="zh-CN" altLang="en-US" sz="2800" dirty="0"/>
+              <a:t>或美元符号</a:t>
+            </a:r>
+            <a:r>
+              <a:rPr lang="en-US" altLang="zh-CN" sz="2800" dirty="0"/>
+              <a:t>($)</a:t>
+            </a:r>
+            <a:r>
+              <a:rPr lang="zh-CN" altLang="en-US" sz="2800" dirty="0"/>
+              <a:t>开头，不能以数字开头。 </a:t>
+            </a:r>
+            <a:endParaRPr lang="en-US" altLang="zh-CN" sz="2800" dirty="0"/>
+          </a:p>
+          <a:p>
+            <a:pPr marL="457200" indent="-457200">
+              <a:buFont typeface="Arial" panose="020B0604020202020204" pitchFamily="34" charset="0"/>
+              <a:buChar char="•"/>
+            </a:pPr>
+            <a:r>
+              <a:rPr lang="zh-CN" altLang="en-US" sz="2800" dirty="0"/>
+              <a:t>标识符不能是保留字</a:t>
+            </a:r>
+            <a:r>
+              <a:rPr lang="en-US" altLang="zh-CN" sz="2800" dirty="0"/>
+              <a:t>(</a:t>
+            </a:r>
+            <a:r>
+              <a:rPr lang="zh-CN" altLang="en-US" sz="2800" dirty="0"/>
+              <a:t>参见附录</a:t>
+            </a:r>
+            <a:r>
+              <a:rPr lang="en-US" altLang="zh-CN" sz="2800" dirty="0"/>
+              <a:t>A</a:t>
+            </a:r>
+            <a:r>
+              <a:rPr lang="zh-CN" altLang="en-US" sz="2800" dirty="0"/>
+              <a:t>中的保留字列表</a:t>
+            </a:r>
+            <a:r>
+              <a:rPr lang="en-US" altLang="zh-CN" sz="2800" dirty="0"/>
+              <a:t>)</a:t>
+            </a:r>
+          </a:p>
+          <a:p>
+            <a:pPr marL="457200" indent="-457200">
+              <a:buFont typeface="Arial" panose="020B0604020202020204" pitchFamily="34" charset="0"/>
+              <a:buChar char="•"/>
+            </a:pPr>
+            <a:r>
+              <a:rPr lang="zh-CN" altLang="en-US" sz="2800" dirty="0"/>
+              <a:t>标识符不能是</a:t>
+            </a:r>
+            <a:r>
+              <a:rPr lang="en-US" altLang="zh-CN" sz="2800" dirty="0"/>
+              <a:t>true</a:t>
+            </a:r>
+            <a:r>
+              <a:rPr lang="zh-CN" altLang="en-US" sz="2800" dirty="0"/>
+              <a:t>、</a:t>
+            </a:r>
+            <a:r>
+              <a:rPr lang="en-US" altLang="zh-CN" sz="2800" dirty="0"/>
+              <a:t>false</a:t>
+            </a:r>
+            <a:r>
+              <a:rPr lang="zh-CN" altLang="en-US" sz="2800" dirty="0"/>
+              <a:t>或</a:t>
+            </a:r>
+            <a:r>
+              <a:rPr lang="en-US" altLang="zh-CN" sz="2800" dirty="0"/>
+              <a:t>null</a:t>
+            </a:r>
+            <a:r>
+              <a:rPr lang="zh-CN" altLang="en-US" sz="2800" dirty="0"/>
+              <a:t>。</a:t>
+            </a:r>
+            <a:endParaRPr lang="en-US" altLang="zh-CN" sz="2800" dirty="0"/>
+          </a:p>
+          <a:p>
+            <a:pPr marL="457200" indent="-457200">
+              <a:buFont typeface="Arial" panose="020B0604020202020204" pitchFamily="34" charset="0"/>
+              <a:buChar char="•"/>
+            </a:pPr>
+            <a:r>
+              <a:rPr lang="zh-CN" altLang="en-US" sz="2800" dirty="0"/>
+              <a:t>标识符可以为任意长度。 </a:t>
+            </a:r>
+          </a:p>
+          <a:p>
+            <a:pPr marL="571500" indent="-571500" algn="ctr">
+              <a:lnSpc>
+                <a:spcPct val="150000"/>
+              </a:lnSpc>
+              <a:buFont typeface="Wingdings" pitchFamily="2" charset="2"/>
+              <a:buChar char="Ø"/>
+            </a:pPr>
+            <a:endParaRPr kumimoji="1" lang="zh-CN" altLang="en-US" sz="2800" dirty="0">
+              <a:latin typeface="Microsoft YaHei" panose="020B0503020204020204" pitchFamily="34" charset="-122"/>
+              <a:ea typeface="Microsoft YaHei" panose="020B0503020204020204" pitchFamily="34" charset="-122"/>
+            </a:endParaRPr>
           </a:p>
         </p:txBody>
       </p:sp>
     </p:spTree>
     <p:extLst>
       <p:ext uri="{BB962C8B-B14F-4D97-AF65-F5344CB8AC3E}">
-        <p14:creationId xmlns:p14="http://schemas.microsoft.com/office/powerpoint/2010/main" val="2026983395"/>
+        <p14:creationId xmlns:p14="http://schemas.microsoft.com/office/powerpoint/2010/main" val="24070890"/>
       </p:ext>
     </p:extLst>
   </p:cSld>
   <p:clrMapOvr>
     <a:masterClrMapping/>
   </p:clrMapOvr>
-  <p:timing>
-    <p:tnLst>
-      <p:par>
-        <p:cTn id="1" dur="indefinite" restart="never" nodeType="tmRoot">
-          <p:childTnLst>
-            <p:seq concurrent="1" nextAc="seek">
-              <p:cTn id="2" dur="indefinite" nodeType="mainSeq">
-                <p:childTnLst>
-                  <p:par>
-                    <p:cTn id="3" fill="hold">
-                      <p:stCondLst>
-                        <p:cond delay="indefinite"/>
-                        <p:cond evt="onBegin" delay="0">
-                          <p:tn val="2"/>
-                        </p:cond>
-                      </p:stCondLst>
-                      <p:childTnLst>
-                        <p:par>
-                          <p:cTn id="4" fill="hold">
-                            <p:stCondLst>
-                              <p:cond delay="0"/>
-                            </p:stCondLst>
-                            <p:childTnLst>
-                              <p:par>
-                                <p:cTn id="5" presetID="12" presetClass="entr" presetSubtype="4" fill="hold" grpId="0" nodeType="withEffect">
-                                  <p:stCondLst>
-                                    <p:cond delay="0"/>
-                                  </p:stCondLst>
-                                  <p:childTnLst>
-                                    <p:set>
-                                      <p:cBhvr>
-                                        <p:cTn id="6" dur="1" fill="hold">
-                                          <p:stCondLst>
-                                            <p:cond delay="0"/>
-                                          </p:stCondLst>
-                                        </p:cTn>
-                                        <p:tgtEl>
-                                          <p:spTgt spid="7"/>
-                                        </p:tgtEl>
-                                        <p:attrNameLst>
-                                          <p:attrName>style.visibility</p:attrName>
-                                        </p:attrNameLst>
-                                      </p:cBhvr>
-                                      <p:to>
-                                        <p:strVal val="visible"/>
-                                      </p:to>
-                                    </p:set>
-                                    <p:anim calcmode="lin" valueType="num">
-                                      <p:cBhvr additive="base">
-                                        <p:cTn id="7" dur="500"/>
-                                        <p:tgtEl>
-                                          <p:spTgt spid="7"/>
-                                        </p:tgtEl>
-                                        <p:attrNameLst>
-                                          <p:attrName>ppt_y</p:attrName>
-                                        </p:attrNameLst>
-                                      </p:cBhvr>
-                                      <p:tavLst>
-                                        <p:tav tm="0">
-                                          <p:val>
-                                            <p:strVal val="#ppt_y+#ppt_h*1.125000"/>
-                                          </p:val>
-                                        </p:tav>
-                                        <p:tav tm="100000">
-                                          <p:val>
-                                            <p:strVal val="#ppt_y"/>
-                                          </p:val>
-                                        </p:tav>
-                                      </p:tavLst>
-                                    </p:anim>
-                                    <p:animEffect transition="in" filter="wipe(up)">
-                                      <p:cBhvr>
-                                        <p:cTn id="8" dur="500"/>
-                                        <p:tgtEl>
-                                          <p:spTgt spid="7"/>
-                                        </p:tgtEl>
-                                      </p:cBhvr>
-                                    </p:animEffect>
-                                  </p:childTnLst>
-                                </p:cTn>
-                              </p:par>
-                              <p:par>
-                                <p:cTn id="9" presetID="12" presetClass="entr" presetSubtype="4" fill="hold" nodeType="withEffect">
-                                  <p:stCondLst>
-                                    <p:cond delay="0"/>
-                                  </p:stCondLst>
-                                  <p:childTnLst>
-                                    <p:set>
-                                      <p:cBhvr>
-                                        <p:cTn id="10" dur="1" fill="hold">
-                                          <p:stCondLst>
-                                            <p:cond delay="0"/>
-                                          </p:stCondLst>
-                                        </p:cTn>
-                                        <p:tgtEl>
-                                          <p:spTgt spid="6"/>
-                                        </p:tgtEl>
-                                        <p:attrNameLst>
-                                          <p:attrName>style.visibility</p:attrName>
-                                        </p:attrNameLst>
-                                      </p:cBhvr>
-                                      <p:to>
-                                        <p:strVal val="visible"/>
-                                      </p:to>
-                                    </p:set>
-                                    <p:anim calcmode="lin" valueType="num">
-                                      <p:cBhvr additive="base">
-                                        <p:cTn id="11" dur="500"/>
-                                        <p:tgtEl>
-                                          <p:spTgt spid="6"/>
-                                        </p:tgtEl>
-                                        <p:attrNameLst>
-                                          <p:attrName>ppt_y</p:attrName>
-                                        </p:attrNameLst>
-                                      </p:cBhvr>
-                                      <p:tavLst>
-                                        <p:tav tm="0">
-                                          <p:val>
-                                            <p:strVal val="#ppt_y+#ppt_h*1.125000"/>
-                                          </p:val>
-                                        </p:tav>
-                                        <p:tav tm="100000">
-                                          <p:val>
-                                            <p:strVal val="#ppt_y"/>
-                                          </p:val>
-                                        </p:tav>
-                                      </p:tavLst>
-                                    </p:anim>
-                                    <p:animEffect transition="in" filter="wipe(up)">
-                                      <p:cBhvr>
-                                        <p:cTn id="12" dur="500"/>
-                                        <p:tgtEl>
-                                          <p:spTgt spid="6"/>
-                                        </p:tgtEl>
-                                      </p:cBhvr>
-                                    </p:animEffect>
-                                  </p:childTnLst>
-                                </p:cTn>
-                              </p:par>
-                            </p:childTnLst>
-                          </p:cTn>
-                        </p:par>
-                      </p:childTnLst>
-                    </p:cTn>
-                  </p:par>
-                  <p:par>
-                    <p:cTn id="13" fill="hold">
-                      <p:stCondLst>
-                        <p:cond delay="indefinite"/>
-                      </p:stCondLst>
-                      <p:childTnLst>
-                        <p:par>
-                          <p:cTn id="14" fill="hold">
-                            <p:stCondLst>
-                              <p:cond delay="0"/>
-                            </p:stCondLst>
-                            <p:childTnLst>
-                              <p:par>
-                                <p:cTn id="15" presetID="20" presetClass="entr" presetSubtype="0" fill="hold" nodeType="clickEffect">
-                                  <p:stCondLst>
-                                    <p:cond delay="0"/>
-                                  </p:stCondLst>
-                                  <p:childTnLst>
-                                    <p:set>
-                                      <p:cBhvr>
-                                        <p:cTn id="16" dur="1" fill="hold">
-                                          <p:stCondLst>
-                                            <p:cond delay="0"/>
-                                          </p:stCondLst>
-                                        </p:cTn>
-                                        <p:tgtEl>
-                                          <p:spTgt spid="26"/>
-                                        </p:tgtEl>
-                                        <p:attrNameLst>
-                                          <p:attrName>style.visibility</p:attrName>
-                                        </p:attrNameLst>
-                                      </p:cBhvr>
-                                      <p:to>
-                                        <p:strVal val="visible"/>
-                                      </p:to>
-                                    </p:set>
-                                    <p:animEffect transition="in" filter="wedge">
-                                      <p:cBhvr>
-                                        <p:cTn id="17" dur="2000"/>
-                                        <p:tgtEl>
-                                          <p:spTgt spid="26"/>
-                                        </p:tgtEl>
-                                      </p:cBhvr>
-                                    </p:animEffect>
-                                  </p:childTnLst>
-                                </p:cTn>
-                              </p:par>
-                            </p:childTnLst>
-                          </p:cTn>
-                        </p:par>
-                      </p:childTnLst>
-                    </p:cTn>
-                  </p:par>
-                </p:childTnLst>
-              </p:cTn>
-              <p:prevCondLst>
-                <p:cond evt="onPrev" delay="0">
-                  <p:tgtEl>
-                    <p:sldTgt/>
-                  </p:tgtEl>
-                </p:cond>
-              </p:prevCondLst>
-              <p:nextCondLst>
-                <p:cond evt="onNext" delay="0">
-                  <p:tgtEl>
-                    <p:sldTgt/>
-                  </p:tgtEl>
-                </p:cond>
-              </p:nextCondLst>
-            </p:seq>
-          </p:childTnLst>
-        </p:cTn>
-      </p:par>
-    </p:tnLst>
-    <p:bldLst>
-      <p:bldP spid="7" grpId="0"/>
-    </p:bldLst>
-  </p:timing>
 </p:sld>
 </file>
 
@@ -7592,7 +7606,7 @@
     <p:bg>
       <p:bgPr>
         <a:blipFill>
-          <a:blip r:embed="rId2"/>
+          <a:blip r:embed="rId3"/>
           <a:tile tx="0" ty="0" sx="100000" sy="100000" flip="none" algn="tl"/>
         </a:blipFill>
         <a:effectLst/>
@@ -7626,8 +7640,8 @@
         </p:nvSpPr>
         <p:spPr>
           <a:xfrm>
-            <a:off x="2520000" y="720000"/>
-            <a:ext cx="7735824" cy="830997"/>
+            <a:off x="2234234" y="597430"/>
+            <a:ext cx="9132000" cy="830997"/>
           </a:xfrm>
           <a:prstGeom prst="rect">
             <a:avLst/>
@@ -7646,552 +7660,250 @@
                 <a:latin typeface="Microsoft YaHei" panose="020B0503020204020204" pitchFamily="34" charset="-122"/>
                 <a:ea typeface="Microsoft YaHei" panose="020B0503020204020204" pitchFamily="34" charset="-122"/>
               </a:rPr>
-              <a:t>2.1</a:t>
+              <a:t>Java</a:t>
             </a:r>
             <a:r>
               <a:rPr kumimoji="1" lang="zh-CN" altLang="en-US" sz="4800" dirty="0">
                 <a:latin typeface="Microsoft YaHei" panose="020B0503020204020204" pitchFamily="34" charset="-122"/>
                 <a:ea typeface="Microsoft YaHei" panose="020B0503020204020204" pitchFamily="34" charset="-122"/>
               </a:rPr>
-              <a:t> </a:t>
-            </a:r>
-            <a:r>
-              <a:rPr kumimoji="1" lang="en-US" altLang="zh-CN" sz="4800" dirty="0">
-                <a:latin typeface="Microsoft YaHei" panose="020B0503020204020204" pitchFamily="34" charset="-122"/>
-                <a:ea typeface="Microsoft YaHei" panose="020B0503020204020204" pitchFamily="34" charset="-122"/>
-              </a:rPr>
-              <a:t>Java</a:t>
-            </a:r>
-            <a:r>
-              <a:rPr kumimoji="1" lang="zh-CN" altLang="en-US" sz="4800" dirty="0">
-                <a:latin typeface="Microsoft YaHei" panose="020B0503020204020204" pitchFamily="34" charset="-122"/>
-                <a:ea typeface="Microsoft YaHei" panose="020B0503020204020204" pitchFamily="34" charset="-122"/>
-              </a:rPr>
-              <a:t>基础</a:t>
-            </a:r>
-            <a:r>
-              <a:rPr kumimoji="1" lang="en-US" altLang="zh-CN" sz="4800" dirty="0">
-                <a:latin typeface="Microsoft YaHei" panose="020B0503020204020204" pitchFamily="34" charset="-122"/>
-                <a:ea typeface="Microsoft YaHei" panose="020B0503020204020204" pitchFamily="34" charset="-122"/>
-              </a:rPr>
-              <a:t>—</a:t>
-            </a:r>
-            <a:r>
-              <a:rPr kumimoji="1" lang="zh-CN" altLang="en-US" sz="4800" dirty="0">
-                <a:latin typeface="Microsoft YaHei" panose="020B0503020204020204" pitchFamily="34" charset="-122"/>
-                <a:ea typeface="Microsoft YaHei" panose="020B0503020204020204" pitchFamily="34" charset="-122"/>
-              </a:rPr>
-              <a:t>计算机组成</a:t>
-            </a:r>
-          </a:p>
-        </p:txBody>
-      </p:sp>
-      <p:sp>
-        <p:nvSpPr>
-          <p:cNvPr id="3" name="矩形 2">
-            <a:extLst>
-              <a:ext uri="{FF2B5EF4-FFF2-40B4-BE49-F238E27FC236}">
-                <a16:creationId xmlns:a16="http://schemas.microsoft.com/office/drawing/2014/main" id="{DFB1FEF4-ED6F-CB49-9191-EB60FF05E1B0}"/>
-              </a:ext>
-            </a:extLst>
-          </p:cNvPr>
-          <p:cNvSpPr/>
+              <a:t>命名的规则</a:t>
+            </a:r>
+          </a:p>
+        </p:txBody>
+      </p:sp>
+      <p:sp>
+        <p:nvSpPr>
+          <p:cNvPr id="3" name="文本框 2">
+            <a:extLst>
+              <a:ext uri="{FF2B5EF4-FFF2-40B4-BE49-F238E27FC236}">
+                <a16:creationId xmlns:a16="http://schemas.microsoft.com/office/drawing/2014/main" id="{C0CFBE9F-84F2-FE48-AC8E-D41196C42DBA}"/>
+              </a:ext>
+            </a:extLst>
+          </p:cNvPr>
+          <p:cNvSpPr txBox="1"/>
           <p:nvPr/>
         </p:nvSpPr>
         <p:spPr>
           <a:xfrm>
-            <a:off x="815891" y="3803070"/>
-            <a:ext cx="1704109" cy="1080655"/>
+            <a:off x="1731818" y="1953491"/>
+            <a:ext cx="10460182" cy="3309494"/>
           </a:xfrm>
           <a:prstGeom prst="rect">
             <a:avLst/>
           </a:prstGeom>
+          <a:noFill/>
         </p:spPr>
-        <p:style>
-          <a:lnRef idx="2">
-            <a:schemeClr val="accent1">
-              <a:shade val="50000"/>
-            </a:schemeClr>
-          </a:lnRef>
-          <a:fillRef idx="1">
-            <a:schemeClr val="accent1"/>
-          </a:fillRef>
-          <a:effectRef idx="0">
-            <a:schemeClr val="accent1"/>
-          </a:effectRef>
-          <a:fontRef idx="minor">
-            <a:schemeClr val="lt1"/>
-          </a:fontRef>
-        </p:style>
-        <p:txBody>
-          <a:bodyPr rtlCol="0" anchor="ctr"/>
-          <a:lstStyle/>
-          <a:p>
-            <a:pPr algn="ctr"/>
-            <a:r>
-              <a:rPr kumimoji="1" lang="zh-CN" altLang="en-US" dirty="0"/>
-              <a:t>输入</a:t>
-            </a:r>
-            <a:r>
-              <a:rPr kumimoji="1" lang="en-US" altLang="zh-CN" dirty="0"/>
-              <a:t>/</a:t>
-            </a:r>
-            <a:r>
-              <a:rPr kumimoji="1" lang="zh-CN" altLang="en-US" dirty="0"/>
-              <a:t>输出设备</a:t>
-            </a:r>
-          </a:p>
-        </p:txBody>
-      </p:sp>
-      <p:sp>
-        <p:nvSpPr>
-          <p:cNvPr id="19" name="矩形 18">
-            <a:extLst>
-              <a:ext uri="{FF2B5EF4-FFF2-40B4-BE49-F238E27FC236}">
-                <a16:creationId xmlns:a16="http://schemas.microsoft.com/office/drawing/2014/main" id="{69144288-583F-274E-96A8-24B3B9D20ADE}"/>
-              </a:ext>
-            </a:extLst>
-          </p:cNvPr>
-          <p:cNvSpPr/>
-          <p:nvPr/>
-        </p:nvSpPr>
-        <p:spPr>
-          <a:xfrm>
-            <a:off x="3297565" y="3803070"/>
-            <a:ext cx="1704109" cy="1080655"/>
-          </a:xfrm>
-          <a:prstGeom prst="rect">
-            <a:avLst/>
-          </a:prstGeom>
-        </p:spPr>
-        <p:style>
-          <a:lnRef idx="2">
-            <a:schemeClr val="accent1">
-              <a:shade val="50000"/>
-            </a:schemeClr>
-          </a:lnRef>
-          <a:fillRef idx="1">
-            <a:schemeClr val="accent1"/>
-          </a:fillRef>
-          <a:effectRef idx="0">
-            <a:schemeClr val="accent1"/>
-          </a:effectRef>
-          <a:fontRef idx="minor">
-            <a:schemeClr val="lt1"/>
-          </a:fontRef>
-        </p:style>
-        <p:txBody>
-          <a:bodyPr rtlCol="0" anchor="ctr"/>
-          <a:lstStyle/>
-          <a:p>
-            <a:pPr algn="ctr"/>
-            <a:r>
-              <a:rPr kumimoji="1" lang="zh-CN" altLang="en-US" dirty="0"/>
-              <a:t>存储设备</a:t>
-            </a:r>
-            <a:endParaRPr kumimoji="1" lang="en-US" altLang="zh-CN" dirty="0"/>
-          </a:p>
-          <a:p>
-            <a:pPr algn="ctr"/>
-            <a:r>
-              <a:rPr kumimoji="1" lang="zh-CN" altLang="en-US" dirty="0"/>
-              <a:t>（磁盘</a:t>
-            </a:r>
-            <a:r>
-              <a:rPr kumimoji="1" lang="en-US" altLang="zh-CN" dirty="0"/>
-              <a:t>/U</a:t>
-            </a:r>
-            <a:r>
-              <a:rPr kumimoji="1" lang="zh-CN" altLang="en-US" dirty="0"/>
-              <a:t>盘等）</a:t>
-            </a:r>
-          </a:p>
-        </p:txBody>
-      </p:sp>
-      <p:sp>
-        <p:nvSpPr>
-          <p:cNvPr id="20" name="矩形 19">
-            <a:extLst>
-              <a:ext uri="{FF2B5EF4-FFF2-40B4-BE49-F238E27FC236}">
-                <a16:creationId xmlns:a16="http://schemas.microsoft.com/office/drawing/2014/main" id="{1DE117A9-675C-DB46-B16E-1466E0E0E3B7}"/>
-              </a:ext>
-            </a:extLst>
-          </p:cNvPr>
-          <p:cNvSpPr/>
-          <p:nvPr/>
-        </p:nvSpPr>
-        <p:spPr>
-          <a:xfrm>
-            <a:off x="5601659" y="3803070"/>
-            <a:ext cx="1704109" cy="1080655"/>
-          </a:xfrm>
-          <a:prstGeom prst="rect">
-            <a:avLst/>
-          </a:prstGeom>
-        </p:spPr>
-        <p:style>
-          <a:lnRef idx="2">
-            <a:schemeClr val="accent1">
-              <a:shade val="50000"/>
-            </a:schemeClr>
-          </a:lnRef>
-          <a:fillRef idx="1">
-            <a:schemeClr val="accent1"/>
-          </a:fillRef>
-          <a:effectRef idx="0">
-            <a:schemeClr val="accent1"/>
-          </a:effectRef>
-          <a:fontRef idx="minor">
-            <a:schemeClr val="lt1"/>
-          </a:fontRef>
-        </p:style>
-        <p:txBody>
-          <a:bodyPr rtlCol="0" anchor="ctr"/>
-          <a:lstStyle/>
-          <a:p>
-            <a:pPr algn="ctr"/>
-            <a:r>
-              <a:rPr kumimoji="1" lang="zh-CN" altLang="en-US" dirty="0"/>
-              <a:t>中央处理器</a:t>
-            </a:r>
-            <a:r>
-              <a:rPr kumimoji="1" lang="en-US" altLang="zh-CN" dirty="0"/>
-              <a:t>(CPU)</a:t>
-            </a:r>
-            <a:endParaRPr kumimoji="1" lang="zh-CN" altLang="en-US" dirty="0"/>
-          </a:p>
-        </p:txBody>
-      </p:sp>
-      <p:sp>
-        <p:nvSpPr>
-          <p:cNvPr id="21" name="矩形 20">
-            <a:extLst>
-              <a:ext uri="{FF2B5EF4-FFF2-40B4-BE49-F238E27FC236}">
-                <a16:creationId xmlns:a16="http://schemas.microsoft.com/office/drawing/2014/main" id="{A630A975-C6A1-BC41-9383-E7CD44920DAE}"/>
-              </a:ext>
-            </a:extLst>
-          </p:cNvPr>
-          <p:cNvSpPr/>
-          <p:nvPr/>
-        </p:nvSpPr>
-        <p:spPr>
-          <a:xfrm>
-            <a:off x="7951730" y="3823849"/>
-            <a:ext cx="1704109" cy="1080655"/>
-          </a:xfrm>
-          <a:prstGeom prst="rect">
-            <a:avLst/>
-          </a:prstGeom>
-        </p:spPr>
-        <p:style>
-          <a:lnRef idx="2">
-            <a:schemeClr val="accent1">
-              <a:shade val="50000"/>
-            </a:schemeClr>
-          </a:lnRef>
-          <a:fillRef idx="1">
-            <a:schemeClr val="accent1"/>
-          </a:fillRef>
-          <a:effectRef idx="0">
-            <a:schemeClr val="accent1"/>
-          </a:effectRef>
-          <a:fontRef idx="minor">
-            <a:schemeClr val="lt1"/>
-          </a:fontRef>
-        </p:style>
-        <p:txBody>
-          <a:bodyPr rtlCol="0" anchor="ctr"/>
-          <a:lstStyle/>
-          <a:p>
-            <a:pPr algn="ctr"/>
-            <a:r>
-              <a:rPr kumimoji="1" lang="zh-CN" altLang="en-US" dirty="0"/>
-              <a:t>内存</a:t>
-            </a:r>
-          </a:p>
-        </p:txBody>
-      </p:sp>
-      <p:sp>
-        <p:nvSpPr>
-          <p:cNvPr id="22" name="矩形 21">
-            <a:extLst>
-              <a:ext uri="{FF2B5EF4-FFF2-40B4-BE49-F238E27FC236}">
-                <a16:creationId xmlns:a16="http://schemas.microsoft.com/office/drawing/2014/main" id="{9CD9DD2F-F6EE-4B44-81B6-0DD9971F4F7D}"/>
-              </a:ext>
-            </a:extLst>
-          </p:cNvPr>
-          <p:cNvSpPr/>
-          <p:nvPr/>
-        </p:nvSpPr>
-        <p:spPr>
-          <a:xfrm>
-            <a:off x="10301801" y="3803069"/>
-            <a:ext cx="1704109" cy="1080655"/>
-          </a:xfrm>
-          <a:prstGeom prst="rect">
-            <a:avLst/>
-          </a:prstGeom>
-        </p:spPr>
-        <p:style>
-          <a:lnRef idx="2">
-            <a:schemeClr val="accent1">
-              <a:shade val="50000"/>
-            </a:schemeClr>
-          </a:lnRef>
-          <a:fillRef idx="1">
-            <a:schemeClr val="accent1"/>
-          </a:fillRef>
-          <a:effectRef idx="0">
-            <a:schemeClr val="accent1"/>
-          </a:effectRef>
-          <a:fontRef idx="minor">
-            <a:schemeClr val="lt1"/>
-          </a:fontRef>
-        </p:style>
-        <p:txBody>
-          <a:bodyPr rtlCol="0" anchor="ctr"/>
-          <a:lstStyle/>
-          <a:p>
-            <a:pPr algn="ctr"/>
-            <a:r>
-              <a:rPr kumimoji="1" lang="zh-CN" altLang="en-US" dirty="0"/>
-              <a:t>其他</a:t>
-            </a:r>
-            <a:r>
-              <a:rPr kumimoji="1" lang="en-US" altLang="zh-CN" dirty="0"/>
+        <p:txBody>
+          <a:bodyPr wrap="square" rtlCol="0">
+            <a:spAutoFit/>
+          </a:bodyPr>
+          <a:lstStyle/>
+          <a:p>
+            <a:pPr marL="457200" indent="-457200">
+              <a:lnSpc>
+                <a:spcPct val="150000"/>
+              </a:lnSpc>
+              <a:buFont typeface="Arial" panose="020B0604020202020204" pitchFamily="34" charset="0"/>
+              <a:buChar char="•"/>
+            </a:pPr>
+            <a:r>
+              <a:rPr kumimoji="1" lang="zh-CN" altLang="en-US" sz="2800" dirty="0">
+                <a:latin typeface="Microsoft YaHei" panose="020B0503020204020204" pitchFamily="34" charset="-122"/>
+                <a:ea typeface="Microsoft YaHei" panose="020B0503020204020204" pitchFamily="34" charset="-122"/>
+              </a:rPr>
+              <a:t>包名：</a:t>
+            </a:r>
+            <a:r>
+              <a:rPr kumimoji="1" lang="en-US" altLang="zh-CN" sz="2800" dirty="0" err="1">
+                <a:latin typeface="Microsoft YaHei" panose="020B0503020204020204" pitchFamily="34" charset="-122"/>
+                <a:ea typeface="Microsoft YaHei" panose="020B0503020204020204" pitchFamily="34" charset="-122"/>
+              </a:rPr>
+              <a:t>xxxyyyzzz</a:t>
+            </a:r>
+            <a:r>
+              <a:rPr kumimoji="1" lang="zh-CN" altLang="en-US" sz="2800" dirty="0">
+                <a:latin typeface="Microsoft YaHei" panose="020B0503020204020204" pitchFamily="34" charset="-122"/>
+                <a:ea typeface="Microsoft YaHei" panose="020B0503020204020204" pitchFamily="34" charset="-122"/>
+              </a:rPr>
+              <a:t> ， 比如 </a:t>
+            </a:r>
+            <a:r>
+              <a:rPr kumimoji="1" lang="en-US" altLang="zh-CN" sz="2800" dirty="0" err="1">
+                <a:latin typeface="Microsoft YaHei" panose="020B0503020204020204" pitchFamily="34" charset="-122"/>
+                <a:ea typeface="Microsoft YaHei" panose="020B0503020204020204" pitchFamily="34" charset="-122"/>
+              </a:rPr>
+              <a:t>com.hmc.jianyan.me</a:t>
+            </a:r>
+            <a:endParaRPr kumimoji="1" lang="en-US" altLang="zh-CN" sz="2800" dirty="0">
+              <a:latin typeface="Microsoft YaHei" panose="020B0503020204020204" pitchFamily="34" charset="-122"/>
+              <a:ea typeface="Microsoft YaHei" panose="020B0503020204020204" pitchFamily="34" charset="-122"/>
+            </a:endParaRPr>
+          </a:p>
+          <a:p>
+            <a:pPr marL="457200" indent="-457200">
+              <a:lnSpc>
+                <a:spcPct val="150000"/>
+              </a:lnSpc>
+              <a:buFont typeface="Arial" panose="020B0604020202020204" pitchFamily="34" charset="0"/>
+              <a:buChar char="•"/>
+            </a:pPr>
+            <a:r>
+              <a:rPr kumimoji="1" lang="zh-CN" altLang="en-US" sz="2800" dirty="0">
+                <a:latin typeface="Microsoft YaHei" panose="020B0503020204020204" pitchFamily="34" charset="-122"/>
+                <a:ea typeface="Microsoft YaHei" panose="020B0503020204020204" pitchFamily="34" charset="-122"/>
+              </a:rPr>
+              <a:t>类名、接口名：</a:t>
+            </a:r>
+            <a:r>
+              <a:rPr kumimoji="1" lang="en-US" altLang="zh-CN" sz="2800" dirty="0" err="1">
+                <a:latin typeface="Microsoft YaHei" panose="020B0503020204020204" pitchFamily="34" charset="-122"/>
+                <a:ea typeface="Microsoft YaHei" panose="020B0503020204020204" pitchFamily="34" charset="-122"/>
+              </a:rPr>
+              <a:t>XxxYyyZzz</a:t>
+            </a:r>
+            <a:r>
+              <a:rPr kumimoji="1" lang="zh-CN" altLang="en-US" sz="2800" dirty="0">
+                <a:latin typeface="Microsoft YaHei" panose="020B0503020204020204" pitchFamily="34" charset="-122"/>
+                <a:ea typeface="Microsoft YaHei" panose="020B0503020204020204" pitchFamily="34" charset="-122"/>
+              </a:rPr>
+              <a:t>  比如：</a:t>
+            </a:r>
+            <a:r>
+              <a:rPr kumimoji="1" lang="en-US" altLang="zh-CN" sz="2800" dirty="0" err="1">
+                <a:latin typeface="Microsoft YaHei" panose="020B0503020204020204" pitchFamily="34" charset="-122"/>
+                <a:ea typeface="Microsoft YaHei" panose="020B0503020204020204" pitchFamily="34" charset="-122"/>
+              </a:rPr>
+              <a:t>HmcStudent</a:t>
+            </a:r>
+            <a:endParaRPr kumimoji="1" lang="en-US" altLang="zh-CN" sz="2800" dirty="0">
+              <a:latin typeface="Microsoft YaHei" panose="020B0503020204020204" pitchFamily="34" charset="-122"/>
+              <a:ea typeface="Microsoft YaHei" panose="020B0503020204020204" pitchFamily="34" charset="-122"/>
+            </a:endParaRPr>
+          </a:p>
+          <a:p>
+            <a:pPr marL="457200" indent="-457200">
+              <a:lnSpc>
+                <a:spcPct val="150000"/>
+              </a:lnSpc>
+              <a:buFont typeface="Arial" panose="020B0604020202020204" pitchFamily="34" charset="0"/>
+              <a:buChar char="•"/>
+            </a:pPr>
+            <a:r>
+              <a:rPr kumimoji="1" lang="zh-CN" altLang="en-US" sz="2800" dirty="0">
+                <a:latin typeface="Microsoft YaHei" panose="020B0503020204020204" pitchFamily="34" charset="-122"/>
+                <a:ea typeface="Microsoft YaHei" panose="020B0503020204020204" pitchFamily="34" charset="-122"/>
+              </a:rPr>
+              <a:t>变量名、方法名</a:t>
+            </a:r>
+            <a:r>
+              <a:rPr kumimoji="1" lang="en-US" altLang="zh-CN" sz="2800" dirty="0">
+                <a:latin typeface="Microsoft YaHei" panose="020B0503020204020204" pitchFamily="34" charset="-122"/>
+                <a:ea typeface="Microsoft YaHei" panose="020B0503020204020204" pitchFamily="34" charset="-122"/>
+              </a:rPr>
               <a:t>(</a:t>
             </a:r>
             <a:r>
-              <a:rPr kumimoji="1" lang="zh-CN" altLang="en-US" dirty="0"/>
-              <a:t>网卡，声卡，显卡等</a:t>
-            </a:r>
-            <a:r>
-              <a:rPr kumimoji="1" lang="en-US" altLang="zh-CN" dirty="0"/>
+              <a:rPr kumimoji="1" lang="zh-CN" altLang="en-US" sz="2800" dirty="0">
+                <a:latin typeface="Microsoft YaHei" panose="020B0503020204020204" pitchFamily="34" charset="-122"/>
+                <a:ea typeface="Microsoft YaHei" panose="020B0503020204020204" pitchFamily="34" charset="-122"/>
+              </a:rPr>
+              <a:t>驼峰法</a:t>
+            </a:r>
+            <a:r>
+              <a:rPr kumimoji="1" lang="en-US" altLang="zh-CN" sz="2800" dirty="0">
+                <a:latin typeface="Microsoft YaHei" panose="020B0503020204020204" pitchFamily="34" charset="-122"/>
+                <a:ea typeface="Microsoft YaHei" panose="020B0503020204020204" pitchFamily="34" charset="-122"/>
+              </a:rPr>
               <a:t>)</a:t>
             </a:r>
-            <a:endParaRPr kumimoji="1" lang="zh-CN" altLang="en-US" dirty="0"/>
-          </a:p>
-        </p:txBody>
-      </p:sp>
-      <p:sp>
-        <p:nvSpPr>
-          <p:cNvPr id="23" name="矩形 22">
-            <a:extLst>
-              <a:ext uri="{FF2B5EF4-FFF2-40B4-BE49-F238E27FC236}">
-                <a16:creationId xmlns:a16="http://schemas.microsoft.com/office/drawing/2014/main" id="{31B0C078-09E6-FA4F-9FA2-F103ABDC29D6}"/>
-              </a:ext>
-            </a:extLst>
-          </p:cNvPr>
-          <p:cNvSpPr/>
-          <p:nvPr/>
-        </p:nvSpPr>
-        <p:spPr>
-          <a:xfrm>
-            <a:off x="5535857" y="1974275"/>
-            <a:ext cx="1704109" cy="1080655"/>
-          </a:xfrm>
-          <a:prstGeom prst="rect">
-            <a:avLst/>
-          </a:prstGeom>
-        </p:spPr>
-        <p:style>
-          <a:lnRef idx="2">
-            <a:schemeClr val="accent1">
-              <a:shade val="50000"/>
-            </a:schemeClr>
-          </a:lnRef>
-          <a:fillRef idx="1">
-            <a:schemeClr val="accent1"/>
-          </a:fillRef>
-          <a:effectRef idx="0">
-            <a:schemeClr val="accent1"/>
-          </a:effectRef>
-          <a:fontRef idx="minor">
-            <a:schemeClr val="lt1"/>
-          </a:fontRef>
-        </p:style>
-        <p:txBody>
-          <a:bodyPr rtlCol="0" anchor="ctr"/>
-          <a:lstStyle/>
-          <a:p>
-            <a:pPr algn="ctr"/>
-            <a:r>
-              <a:rPr kumimoji="1" lang="zh-CN" altLang="en-US" dirty="0"/>
-              <a:t>计算机</a:t>
-            </a:r>
-          </a:p>
-        </p:txBody>
-      </p:sp>
-      <p:cxnSp>
-        <p:nvCxnSpPr>
-          <p:cNvPr id="24" name="肘形连接符 23">
-            <a:extLst>
-              <a:ext uri="{FF2B5EF4-FFF2-40B4-BE49-F238E27FC236}">
-                <a16:creationId xmlns:a16="http://schemas.microsoft.com/office/drawing/2014/main" id="{D3ED72D7-80EE-D74C-9ADD-A127AB616D95}"/>
-              </a:ext>
-            </a:extLst>
-          </p:cNvPr>
-          <p:cNvCxnSpPr>
-            <a:stCxn id="23" idx="2"/>
-            <a:endCxn id="3" idx="0"/>
-          </p:cNvCxnSpPr>
-          <p:nvPr/>
-        </p:nvCxnSpPr>
-        <p:spPr>
-          <a:xfrm rot="5400000">
-            <a:off x="3653859" y="1069017"/>
-            <a:ext cx="748140" cy="4719966"/>
-          </a:xfrm>
-          <a:prstGeom prst="bentConnector3">
-            <a:avLst/>
-          </a:prstGeom>
-          <a:ln>
-            <a:tailEnd type="triangle"/>
-          </a:ln>
-        </p:spPr>
-        <p:style>
-          <a:lnRef idx="1">
-            <a:schemeClr val="accent1"/>
-          </a:lnRef>
-          <a:fillRef idx="0">
-            <a:schemeClr val="accent1"/>
-          </a:fillRef>
-          <a:effectRef idx="0">
-            <a:schemeClr val="accent1"/>
-          </a:effectRef>
-          <a:fontRef idx="minor">
-            <a:schemeClr val="tx1"/>
-          </a:fontRef>
-        </p:style>
-      </p:cxnSp>
-      <p:cxnSp>
-        <p:nvCxnSpPr>
-          <p:cNvPr id="26" name="肘形连接符 25">
-            <a:extLst>
-              <a:ext uri="{FF2B5EF4-FFF2-40B4-BE49-F238E27FC236}">
-                <a16:creationId xmlns:a16="http://schemas.microsoft.com/office/drawing/2014/main" id="{91F8B23A-E0B3-EE49-93F3-D1C780015B9D}"/>
-              </a:ext>
-            </a:extLst>
-          </p:cNvPr>
-          <p:cNvCxnSpPr>
-            <a:stCxn id="23" idx="2"/>
-            <a:endCxn id="19" idx="0"/>
-          </p:cNvCxnSpPr>
-          <p:nvPr/>
-        </p:nvCxnSpPr>
-        <p:spPr>
-          <a:xfrm rot="5400000">
-            <a:off x="4894696" y="2309854"/>
-            <a:ext cx="748140" cy="2238292"/>
-          </a:xfrm>
-          <a:prstGeom prst="bentConnector3">
-            <a:avLst/>
-          </a:prstGeom>
-          <a:ln>
-            <a:tailEnd type="triangle"/>
-          </a:ln>
-        </p:spPr>
-        <p:style>
-          <a:lnRef idx="1">
-            <a:schemeClr val="accent1"/>
-          </a:lnRef>
-          <a:fillRef idx="0">
-            <a:schemeClr val="accent1"/>
-          </a:fillRef>
-          <a:effectRef idx="0">
-            <a:schemeClr val="accent1"/>
-          </a:effectRef>
-          <a:fontRef idx="minor">
-            <a:schemeClr val="tx1"/>
-          </a:fontRef>
-        </p:style>
-      </p:cxnSp>
-      <p:cxnSp>
-        <p:nvCxnSpPr>
-          <p:cNvPr id="36" name="肘形连接符 35">
-            <a:extLst>
-              <a:ext uri="{FF2B5EF4-FFF2-40B4-BE49-F238E27FC236}">
-                <a16:creationId xmlns:a16="http://schemas.microsoft.com/office/drawing/2014/main" id="{9DD001B3-E385-B645-BD97-103B0ED5B747}"/>
-              </a:ext>
-            </a:extLst>
-          </p:cNvPr>
-          <p:cNvCxnSpPr>
-            <a:endCxn id="21" idx="0"/>
-          </p:cNvCxnSpPr>
-          <p:nvPr/>
-        </p:nvCxnSpPr>
-        <p:spPr>
-          <a:xfrm>
-            <a:off x="6387911" y="3429000"/>
-            <a:ext cx="2415874" cy="394849"/>
-          </a:xfrm>
-          <a:prstGeom prst="bentConnector2">
-            <a:avLst/>
-          </a:prstGeom>
-          <a:ln>
-            <a:tailEnd type="triangle"/>
-          </a:ln>
-        </p:spPr>
-        <p:style>
-          <a:lnRef idx="1">
-            <a:schemeClr val="accent1"/>
-          </a:lnRef>
-          <a:fillRef idx="0">
-            <a:schemeClr val="accent1"/>
-          </a:fillRef>
-          <a:effectRef idx="0">
-            <a:schemeClr val="accent1"/>
-          </a:effectRef>
-          <a:fontRef idx="minor">
-            <a:schemeClr val="tx1"/>
-          </a:fontRef>
-        </p:style>
-      </p:cxnSp>
-      <p:cxnSp>
-        <p:nvCxnSpPr>
-          <p:cNvPr id="38" name="肘形连接符 37">
-            <a:extLst>
-              <a:ext uri="{FF2B5EF4-FFF2-40B4-BE49-F238E27FC236}">
-                <a16:creationId xmlns:a16="http://schemas.microsoft.com/office/drawing/2014/main" id="{56C8C72E-D4DF-4F4B-8B49-9382D628D3B1}"/>
-              </a:ext>
-            </a:extLst>
-          </p:cNvPr>
-          <p:cNvCxnSpPr>
-            <a:endCxn id="22" idx="0"/>
-          </p:cNvCxnSpPr>
-          <p:nvPr/>
-        </p:nvCxnSpPr>
-        <p:spPr>
-          <a:xfrm>
-            <a:off x="8803784" y="3429000"/>
-            <a:ext cx="2350072" cy="374069"/>
-          </a:xfrm>
-          <a:prstGeom prst="bentConnector2">
-            <a:avLst/>
-          </a:prstGeom>
-          <a:ln>
-            <a:tailEnd type="triangle"/>
-          </a:ln>
-        </p:spPr>
-        <p:style>
-          <a:lnRef idx="1">
-            <a:schemeClr val="accent1"/>
-          </a:lnRef>
-          <a:fillRef idx="0">
-            <a:schemeClr val="accent1"/>
-          </a:fillRef>
-          <a:effectRef idx="0">
-            <a:schemeClr val="accent1"/>
-          </a:effectRef>
-          <a:fontRef idx="minor">
-            <a:schemeClr val="tx1"/>
-          </a:fontRef>
-        </p:style>
-      </p:cxnSp>
+            <a:r>
+              <a:rPr kumimoji="1" lang="zh-CN" altLang="en-US" sz="2800" dirty="0">
+                <a:latin typeface="Microsoft YaHei" panose="020B0503020204020204" pitchFamily="34" charset="-122"/>
+                <a:ea typeface="Microsoft YaHei" panose="020B0503020204020204" pitchFamily="34" charset="-122"/>
+              </a:rPr>
+              <a:t>：</a:t>
+            </a:r>
+            <a:r>
+              <a:rPr kumimoji="1" lang="en-US" altLang="zh-CN" sz="2800" dirty="0" err="1">
+                <a:latin typeface="Microsoft YaHei" panose="020B0503020204020204" pitchFamily="34" charset="-122"/>
+                <a:ea typeface="Microsoft YaHei" panose="020B0503020204020204" pitchFamily="34" charset="-122"/>
+              </a:rPr>
+              <a:t>xxxYyyZzz</a:t>
+            </a:r>
+            <a:r>
+              <a:rPr kumimoji="1" lang="zh-CN" altLang="en-US" sz="2800" dirty="0">
+                <a:latin typeface="Microsoft YaHei" panose="020B0503020204020204" pitchFamily="34" charset="-122"/>
+                <a:ea typeface="Microsoft YaHei" panose="020B0503020204020204" pitchFamily="34" charset="-122"/>
+              </a:rPr>
+              <a:t>    比如：  </a:t>
+            </a:r>
+            <a:r>
+              <a:rPr kumimoji="1" lang="en-US" altLang="zh-CN" sz="2800" dirty="0" err="1">
+                <a:latin typeface="Microsoft YaHei" panose="020B0503020204020204" pitchFamily="34" charset="-122"/>
+                <a:ea typeface="Microsoft YaHei" panose="020B0503020204020204" pitchFamily="34" charset="-122"/>
+              </a:rPr>
+              <a:t>lastYear</a:t>
+            </a:r>
+            <a:endParaRPr kumimoji="1" lang="en-US" altLang="zh-CN" sz="2800" dirty="0">
+              <a:latin typeface="Microsoft YaHei" panose="020B0503020204020204" pitchFamily="34" charset="-122"/>
+              <a:ea typeface="Microsoft YaHei" panose="020B0503020204020204" pitchFamily="34" charset="-122"/>
+            </a:endParaRPr>
+          </a:p>
+          <a:p>
+            <a:pPr marL="457200" indent="-457200">
+              <a:lnSpc>
+                <a:spcPct val="150000"/>
+              </a:lnSpc>
+              <a:buFont typeface="Arial" panose="020B0604020202020204" pitchFamily="34" charset="0"/>
+              <a:buChar char="•"/>
+            </a:pPr>
+            <a:r>
+              <a:rPr kumimoji="1" lang="zh-CN" altLang="en-US" sz="2800" dirty="0">
+                <a:latin typeface="Microsoft YaHei" panose="020B0503020204020204" pitchFamily="34" charset="-122"/>
+                <a:ea typeface="Microsoft YaHei" panose="020B0503020204020204" pitchFamily="34" charset="-122"/>
+              </a:rPr>
+              <a:t>常量名：</a:t>
+            </a:r>
+            <a:r>
+              <a:rPr kumimoji="1" lang="en-US" altLang="zh-CN" sz="2800" dirty="0">
+                <a:latin typeface="Microsoft YaHei" panose="020B0503020204020204" pitchFamily="34" charset="-122"/>
+                <a:ea typeface="Microsoft YaHei" panose="020B0503020204020204" pitchFamily="34" charset="-122"/>
+              </a:rPr>
+              <a:t>XXX_YYY_ZZZ,</a:t>
+            </a:r>
+            <a:r>
+              <a:rPr kumimoji="1" lang="zh-CN" altLang="en-US" sz="2800" dirty="0">
+                <a:latin typeface="Microsoft YaHei" panose="020B0503020204020204" pitchFamily="34" charset="-122"/>
+                <a:ea typeface="Microsoft YaHei" panose="020B0503020204020204" pitchFamily="34" charset="-122"/>
+              </a:rPr>
+              <a:t>  比如 </a:t>
+            </a:r>
+            <a:r>
+              <a:rPr kumimoji="1" lang="en-US" altLang="zh-CN" sz="2800" dirty="0">
+                <a:latin typeface="Microsoft YaHei" panose="020B0503020204020204" pitchFamily="34" charset="-122"/>
+                <a:ea typeface="Microsoft YaHei" panose="020B0503020204020204" pitchFamily="34" charset="-122"/>
+              </a:rPr>
+              <a:t>NUMER_OF_STUDENTS</a:t>
+            </a:r>
+          </a:p>
+          <a:p>
+            <a:pPr algn="ctr">
+              <a:lnSpc>
+                <a:spcPct val="150000"/>
+              </a:lnSpc>
+            </a:pPr>
+            <a:endParaRPr kumimoji="1" lang="zh-CN" altLang="en-US" sz="2800" dirty="0">
+              <a:latin typeface="Microsoft YaHei" panose="020B0503020204020204" pitchFamily="34" charset="-122"/>
+              <a:ea typeface="Microsoft YaHei" panose="020B0503020204020204" pitchFamily="34" charset="-122"/>
+            </a:endParaRPr>
+          </a:p>
+        </p:txBody>
+      </p:sp>
     </p:spTree>
     <p:extLst>
       <p:ext uri="{BB962C8B-B14F-4D97-AF65-F5344CB8AC3E}">
-        <p14:creationId xmlns:p14="http://schemas.microsoft.com/office/powerpoint/2010/main" val="3624009137"/>
+        <p14:creationId xmlns:p14="http://schemas.microsoft.com/office/powerpoint/2010/main" val="3325809806"/>
       </p:ext>
     </p:extLst>
   </p:cSld>
@@ -8207,7 +7919,7 @@
     <p:bg>
       <p:bgPr>
         <a:blipFill>
-          <a:blip r:embed="rId2"/>
+          <a:blip r:embed="rId3"/>
           <a:tile tx="0" ty="0" sx="100000" sy="100000" flip="none" algn="tl"/>
         </a:blipFill>
         <a:effectLst/>
@@ -8241,8 +7953,8 @@
         </p:nvSpPr>
         <p:spPr>
           <a:xfrm>
-            <a:off x="1670050" y="514487"/>
-            <a:ext cx="9029697" cy="830997"/>
+            <a:off x="2234234" y="597430"/>
+            <a:ext cx="9132000" cy="830997"/>
           </a:xfrm>
           <a:prstGeom prst="rect">
             <a:avLst/>
@@ -8261,52 +7973,104 @@
                 <a:latin typeface="Microsoft YaHei" panose="020B0503020204020204" pitchFamily="34" charset="-122"/>
                 <a:ea typeface="Microsoft YaHei" panose="020B0503020204020204" pitchFamily="34" charset="-122"/>
               </a:rPr>
-              <a:t>2.2</a:t>
+              <a:t>3.1</a:t>
             </a:r>
             <a:r>
               <a:rPr kumimoji="1" lang="zh-CN" altLang="en-US" sz="4800" dirty="0">
                 <a:latin typeface="Microsoft YaHei" panose="020B0503020204020204" pitchFamily="34" charset="-122"/>
                 <a:ea typeface="Microsoft YaHei" panose="020B0503020204020204" pitchFamily="34" charset="-122"/>
               </a:rPr>
+              <a:t> 赋值语句和表达式</a:t>
+            </a:r>
+          </a:p>
+        </p:txBody>
+      </p:sp>
+      <p:sp>
+        <p:nvSpPr>
+          <p:cNvPr id="3" name="文本框 2">
+            <a:extLst>
+              <a:ext uri="{FF2B5EF4-FFF2-40B4-BE49-F238E27FC236}">
+                <a16:creationId xmlns:a16="http://schemas.microsoft.com/office/drawing/2014/main" id="{C0CFBE9F-84F2-FE48-AC8E-D41196C42DBA}"/>
+              </a:ext>
+            </a:extLst>
+          </p:cNvPr>
+          <p:cNvSpPr txBox="1"/>
+          <p:nvPr/>
+        </p:nvSpPr>
+        <p:spPr>
+          <a:xfrm>
+            <a:off x="1246430" y="2630417"/>
+            <a:ext cx="11107608" cy="1955151"/>
+          </a:xfrm>
+          <a:prstGeom prst="rect">
+            <a:avLst/>
+          </a:prstGeom>
+          <a:noFill/>
+        </p:spPr>
+        <p:txBody>
+          <a:bodyPr wrap="square" rtlCol="0">
+            <a:spAutoFit/>
+          </a:bodyPr>
+          <a:lstStyle/>
+          <a:p>
+            <a:pPr>
+              <a:lnSpc>
+                <a:spcPct val="150000"/>
+              </a:lnSpc>
+            </a:pPr>
+            <a:r>
+              <a:rPr lang="zh-CN" altLang="en-US" sz="2800" dirty="0"/>
+              <a:t>简单赋值语句格式：</a:t>
+            </a:r>
+            <a:endParaRPr lang="en-US" altLang="zh-CN" sz="2800" dirty="0"/>
+          </a:p>
+          <a:p>
+            <a:pPr>
+              <a:lnSpc>
+                <a:spcPct val="150000"/>
+              </a:lnSpc>
+            </a:pPr>
+            <a:r>
+              <a:rPr lang="en-US" altLang="zh-CN" sz="2800" dirty="0"/>
+              <a:t>	variable </a:t>
+            </a:r>
+            <a:r>
+              <a:rPr lang="zh-CN" altLang="en-US" sz="2800" dirty="0"/>
               <a:t> </a:t>
             </a:r>
             <a:r>
-              <a:rPr kumimoji="1" lang="en-US" altLang="zh-CN" sz="4800" dirty="0">
-                <a:latin typeface="Microsoft YaHei" panose="020B0503020204020204" pitchFamily="34" charset="-122"/>
-                <a:ea typeface="Microsoft YaHei" panose="020B0503020204020204" pitchFamily="34" charset="-122"/>
-              </a:rPr>
-              <a:t>Java</a:t>
-            </a:r>
-            <a:r>
-              <a:rPr kumimoji="1" lang="zh-CN" altLang="en-US" sz="4800" dirty="0">
-                <a:latin typeface="Microsoft YaHei" panose="020B0503020204020204" pitchFamily="34" charset="-122"/>
-                <a:ea typeface="Microsoft YaHei" panose="020B0503020204020204" pitchFamily="34" charset="-122"/>
-              </a:rPr>
-              <a:t>基础</a:t>
-            </a:r>
-            <a:r>
-              <a:rPr kumimoji="1" lang="en-US" altLang="zh-CN" sz="4800" dirty="0">
-                <a:latin typeface="Microsoft YaHei" panose="020B0503020204020204" pitchFamily="34" charset="-122"/>
-                <a:ea typeface="Microsoft YaHei" panose="020B0503020204020204" pitchFamily="34" charset="-122"/>
-              </a:rPr>
-              <a:t>—</a:t>
-            </a:r>
-            <a:r>
-              <a:rPr kumimoji="1" lang="zh-CN" altLang="en-US" sz="4800" dirty="0">
-                <a:latin typeface="Microsoft YaHei" panose="020B0503020204020204" pitchFamily="34" charset="-122"/>
-                <a:ea typeface="Microsoft YaHei" panose="020B0503020204020204" pitchFamily="34" charset="-122"/>
-              </a:rPr>
-              <a:t>计算机工作流</a:t>
-            </a:r>
+              <a:rPr lang="en-US" altLang="zh-CN" sz="2800" dirty="0"/>
+              <a:t>=</a:t>
+            </a:r>
+            <a:r>
+              <a:rPr lang="zh-CN" altLang="en-US" sz="2800" dirty="0"/>
+              <a:t> </a:t>
+            </a:r>
+            <a:r>
+              <a:rPr lang="en-US" altLang="zh-CN" sz="2800" dirty="0"/>
+              <a:t>expression; </a:t>
+            </a:r>
+            <a:endParaRPr lang="zh-CN" altLang="en-US" sz="2800" dirty="0"/>
+          </a:p>
+          <a:p>
+            <a:pPr>
+              <a:lnSpc>
+                <a:spcPct val="150000"/>
+              </a:lnSpc>
+            </a:pPr>
+            <a:endParaRPr kumimoji="1" lang="en-US" altLang="zh-CN" sz="2800" dirty="0">
+              <a:latin typeface="Microsoft YaHei" panose="020B0503020204020204" pitchFamily="34" charset="-122"/>
+              <a:ea typeface="Microsoft YaHei" panose="020B0503020204020204" pitchFamily="34" charset="-122"/>
+            </a:endParaRPr>
           </a:p>
         </p:txBody>
       </p:sp>
       <p:pic>
         <p:nvPicPr>
-          <p:cNvPr id="5" name="图片 4">
-            <a:extLst>
-              <a:ext uri="{FF2B5EF4-FFF2-40B4-BE49-F238E27FC236}">
-                <a16:creationId xmlns:a16="http://schemas.microsoft.com/office/drawing/2014/main" id="{37C1C97B-19FD-0549-907C-A678FB545763}"/>
+          <p:cNvPr id="7" name="图片 6">
+            <a:extLst>
+              <a:ext uri="{FF2B5EF4-FFF2-40B4-BE49-F238E27FC236}">
+                <a16:creationId xmlns:a16="http://schemas.microsoft.com/office/drawing/2014/main" id="{335AF768-7A27-EE49-BBA8-FBA0E73DDC94}"/>
               </a:ext>
             </a:extLst>
           </p:cNvPr>
@@ -8316,15 +8080,15 @@
           <p:nvPr/>
         </p:nvPicPr>
         <p:blipFill>
-          <a:blip r:embed="rId3"/>
+          <a:blip r:embed="rId4"/>
           <a:stretch>
             <a:fillRect/>
           </a:stretch>
         </p:blipFill>
         <p:spPr>
           <a:xfrm>
-            <a:off x="1670050" y="1927514"/>
-            <a:ext cx="8851900" cy="4000500"/>
+            <a:off x="1599721" y="4515326"/>
+            <a:ext cx="6414078" cy="2036517"/>
           </a:xfrm>
           <a:prstGeom prst="rect">
             <a:avLst/>
@@ -8334,7 +8098,7 @@
     </p:spTree>
     <p:extLst>
       <p:ext uri="{BB962C8B-B14F-4D97-AF65-F5344CB8AC3E}">
-        <p14:creationId xmlns:p14="http://schemas.microsoft.com/office/powerpoint/2010/main" val="1951698017"/>
+        <p14:creationId xmlns:p14="http://schemas.microsoft.com/office/powerpoint/2010/main" val="976537066"/>
       </p:ext>
     </p:extLst>
   </p:cSld>
@@ -8404,53 +8168,71 @@
                 <a:latin typeface="Microsoft YaHei" panose="020B0503020204020204" pitchFamily="34" charset="-122"/>
                 <a:ea typeface="Microsoft YaHei" panose="020B0503020204020204" pitchFamily="34" charset="-122"/>
               </a:rPr>
-              <a:t>3.Java</a:t>
+              <a:t>3.1</a:t>
             </a:r>
             <a:r>
               <a:rPr kumimoji="1" lang="zh-CN" altLang="en-US" sz="4800" dirty="0">
                 <a:latin typeface="Microsoft YaHei" panose="020B0503020204020204" pitchFamily="34" charset="-122"/>
                 <a:ea typeface="Microsoft YaHei" panose="020B0503020204020204" pitchFamily="34" charset="-122"/>
               </a:rPr>
-              <a:t>基础</a:t>
-            </a:r>
-            <a:r>
-              <a:rPr kumimoji="1" lang="en-US" altLang="zh-CN" sz="4800" dirty="0">
-                <a:latin typeface="Microsoft YaHei" panose="020B0503020204020204" pitchFamily="34" charset="-122"/>
-                <a:ea typeface="Microsoft YaHei" panose="020B0503020204020204" pitchFamily="34" charset="-122"/>
-              </a:rPr>
-              <a:t>---</a:t>
-            </a:r>
-            <a:r>
-              <a:rPr kumimoji="1" lang="zh-CN" altLang="en-US" sz="4800" dirty="0">
-                <a:latin typeface="Microsoft YaHei" panose="020B0503020204020204" pitchFamily="34" charset="-122"/>
-                <a:ea typeface="Microsoft YaHei" panose="020B0503020204020204" pitchFamily="34" charset="-122"/>
-              </a:rPr>
-              <a:t>编程语言分类</a:t>
-            </a:r>
-          </a:p>
-        </p:txBody>
-      </p:sp>
-      <p:sp>
-        <p:nvSpPr>
-          <p:cNvPr id="3" name="文本框 2">
-            <a:extLst>
-              <a:ext uri="{FF2B5EF4-FFF2-40B4-BE49-F238E27FC236}">
-                <a16:creationId xmlns:a16="http://schemas.microsoft.com/office/drawing/2014/main" id="{C0CFBE9F-84F2-FE48-AC8E-D41196C42DBA}"/>
-              </a:ext>
-            </a:extLst>
-          </p:cNvPr>
-          <p:cNvSpPr txBox="1"/>
+              <a:t> 快捷赋值操作</a:t>
+            </a:r>
+          </a:p>
+        </p:txBody>
+      </p:sp>
+      <p:pic>
+        <p:nvPicPr>
+          <p:cNvPr id="5" name="图片 4">
+            <a:extLst>
+              <a:ext uri="{FF2B5EF4-FFF2-40B4-BE49-F238E27FC236}">
+                <a16:creationId xmlns:a16="http://schemas.microsoft.com/office/drawing/2014/main" id="{9B084D0A-4BA3-1448-B6DC-D8BFB9A98346}"/>
+              </a:ext>
+            </a:extLst>
+          </p:cNvPr>
+          <p:cNvPicPr>
+            <a:picLocks noChangeAspect="1"/>
+          </p:cNvPicPr>
           <p:nvPr/>
-        </p:nvSpPr>
+        </p:nvPicPr>
+        <p:blipFill>
+          <a:blip r:embed="rId4"/>
+          <a:stretch>
+            <a:fillRect/>
+          </a:stretch>
+        </p:blipFill>
         <p:spPr>
           <a:xfrm>
-            <a:off x="0" y="2185294"/>
-            <a:ext cx="8728364" cy="2487412"/>
+            <a:off x="1" y="2805544"/>
+            <a:ext cx="12136564" cy="2494973"/>
           </a:xfrm>
           <a:prstGeom prst="rect">
             <a:avLst/>
           </a:prstGeom>
-          <a:noFill/>
+        </p:spPr>
+      </p:pic>
+      <p:sp>
+        <p:nvSpPr>
+          <p:cNvPr id="8" name="文本框 7">
+            <a:extLst>
+              <a:ext uri="{FF2B5EF4-FFF2-40B4-BE49-F238E27FC236}">
+                <a16:creationId xmlns:a16="http://schemas.microsoft.com/office/drawing/2014/main" id="{466C8B27-F65E-6246-BBE8-97C9A509BA4E}"/>
+              </a:ext>
+            </a:extLst>
+          </p:cNvPr>
+          <p:cNvSpPr txBox="1"/>
+          <p:nvPr/>
+        </p:nvSpPr>
+        <p:spPr>
+          <a:xfrm>
+            <a:off x="2618182" y="5922818"/>
+            <a:ext cx="7149274" cy="523220"/>
+          </a:xfrm>
+          <a:prstGeom prst="rect">
+            <a:avLst/>
+          </a:prstGeom>
+          <a:solidFill>
+            <a:schemeClr val="accent2"/>
+          </a:solidFill>
         </p:spPr>
         <p:txBody>
           <a:bodyPr wrap="square" rtlCol="0">
@@ -8458,67 +8240,170 @@
           </a:bodyPr>
           <a:lstStyle/>
           <a:p>
-            <a:pPr marL="571500" indent="-571500" algn="ctr">
-              <a:lnSpc>
-                <a:spcPct val="150000"/>
-              </a:lnSpc>
-              <a:buFont typeface="Wingdings" pitchFamily="2" charset="2"/>
-              <a:buChar char="Ø"/>
-            </a:pPr>
-            <a:r>
-              <a:rPr kumimoji="1" lang="zh-CN" altLang="en-US" sz="3600" dirty="0">
-                <a:latin typeface="Microsoft YaHei" panose="020B0503020204020204" pitchFamily="34" charset="-122"/>
-                <a:ea typeface="Microsoft YaHei" panose="020B0503020204020204" pitchFamily="34" charset="-122"/>
-              </a:rPr>
-              <a:t>机器语言</a:t>
-            </a:r>
-            <a:endParaRPr kumimoji="1" lang="en-US" altLang="zh-CN" sz="3600" dirty="0">
+            <a:r>
+              <a:rPr kumimoji="1" lang="zh-CN" altLang="en-US" sz="2800" dirty="0">
+                <a:solidFill>
+                  <a:schemeClr val="bg1"/>
+                </a:solidFill>
+                <a:latin typeface="Microsoft YaHei" panose="020B0503020204020204" pitchFamily="34" charset="-122"/>
+                <a:ea typeface="Microsoft YaHei" panose="020B0503020204020204" pitchFamily="34" charset="-122"/>
+              </a:rPr>
+              <a:t>还有 自增</a:t>
+            </a:r>
+            <a:r>
+              <a:rPr kumimoji="1" lang="en-US" altLang="zh-CN" sz="2800" dirty="0">
+                <a:solidFill>
+                  <a:schemeClr val="bg1"/>
+                </a:solidFill>
+                <a:latin typeface="Microsoft YaHei" panose="020B0503020204020204" pitchFamily="34" charset="-122"/>
+                <a:ea typeface="Microsoft YaHei" panose="020B0503020204020204" pitchFamily="34" charset="-122"/>
+              </a:rPr>
+              <a:t>/</a:t>
+            </a:r>
+            <a:r>
+              <a:rPr kumimoji="1" lang="zh-CN" altLang="en-US" sz="2800" dirty="0">
+                <a:solidFill>
+                  <a:schemeClr val="bg1"/>
+                </a:solidFill>
+                <a:latin typeface="Microsoft YaHei" panose="020B0503020204020204" pitchFamily="34" charset="-122"/>
+                <a:ea typeface="Microsoft YaHei" panose="020B0503020204020204" pitchFamily="34" charset="-122"/>
+              </a:rPr>
+              <a:t>自减 ：  </a:t>
+            </a:r>
+            <a:r>
+              <a:rPr kumimoji="1" lang="en-US" altLang="zh-CN" sz="2800" dirty="0" err="1">
+                <a:solidFill>
+                  <a:schemeClr val="bg1"/>
+                </a:solidFill>
+                <a:latin typeface="Microsoft YaHei" panose="020B0503020204020204" pitchFamily="34" charset="-122"/>
+                <a:ea typeface="Microsoft YaHei" panose="020B0503020204020204" pitchFamily="34" charset="-122"/>
+              </a:rPr>
+              <a:t>i</a:t>
+            </a:r>
+            <a:r>
+              <a:rPr kumimoji="1" lang="en-US" altLang="zh-CN" sz="2800" dirty="0">
+                <a:solidFill>
+                  <a:schemeClr val="bg1"/>
+                </a:solidFill>
+                <a:latin typeface="Microsoft YaHei" panose="020B0503020204020204" pitchFamily="34" charset="-122"/>
+                <a:ea typeface="Microsoft YaHei" panose="020B0503020204020204" pitchFamily="34" charset="-122"/>
+              </a:rPr>
+              <a:t>++,</a:t>
+            </a:r>
+            <a:r>
+              <a:rPr kumimoji="1" lang="zh-CN" altLang="en-US" sz="2800" dirty="0">
+                <a:solidFill>
+                  <a:schemeClr val="bg1"/>
+                </a:solidFill>
+                <a:latin typeface="Microsoft YaHei" panose="020B0503020204020204" pitchFamily="34" charset="-122"/>
+                <a:ea typeface="Microsoft YaHei" panose="020B0503020204020204" pitchFamily="34" charset="-122"/>
+              </a:rPr>
+              <a:t> </a:t>
+            </a:r>
+            <a:r>
+              <a:rPr kumimoji="1" lang="en-US" altLang="zh-CN" sz="2800" dirty="0">
+                <a:solidFill>
+                  <a:schemeClr val="bg1"/>
+                </a:solidFill>
+                <a:latin typeface="Microsoft YaHei" panose="020B0503020204020204" pitchFamily="34" charset="-122"/>
+                <a:ea typeface="Microsoft YaHei" panose="020B0503020204020204" pitchFamily="34" charset="-122"/>
+              </a:rPr>
+              <a:t>++</a:t>
+            </a:r>
+            <a:r>
+              <a:rPr kumimoji="1" lang="en-US" altLang="zh-CN" sz="2800" dirty="0" err="1">
+                <a:solidFill>
+                  <a:schemeClr val="bg1"/>
+                </a:solidFill>
+                <a:latin typeface="Microsoft YaHei" panose="020B0503020204020204" pitchFamily="34" charset="-122"/>
+                <a:ea typeface="Microsoft YaHei" panose="020B0503020204020204" pitchFamily="34" charset="-122"/>
+              </a:rPr>
+              <a:t>i</a:t>
+            </a:r>
+            <a:r>
+              <a:rPr kumimoji="1" lang="en-US" altLang="zh-CN" sz="2800" dirty="0">
+                <a:solidFill>
+                  <a:schemeClr val="bg1"/>
+                </a:solidFill>
+                <a:latin typeface="Microsoft YaHei" panose="020B0503020204020204" pitchFamily="34" charset="-122"/>
+                <a:ea typeface="Microsoft YaHei" panose="020B0503020204020204" pitchFamily="34" charset="-122"/>
+              </a:rPr>
+              <a:t>,</a:t>
+            </a:r>
+            <a:r>
+              <a:rPr kumimoji="1" lang="zh-CN" altLang="en-US" sz="2800" dirty="0">
+                <a:solidFill>
+                  <a:schemeClr val="bg1"/>
+                </a:solidFill>
+                <a:latin typeface="Microsoft YaHei" panose="020B0503020204020204" pitchFamily="34" charset="-122"/>
+                <a:ea typeface="Microsoft YaHei" panose="020B0503020204020204" pitchFamily="34" charset="-122"/>
+              </a:rPr>
+              <a:t> </a:t>
+            </a:r>
+            <a:r>
+              <a:rPr kumimoji="1" lang="en-US" altLang="zh-CN" sz="2800" dirty="0" err="1">
+                <a:solidFill>
+                  <a:schemeClr val="bg1"/>
+                </a:solidFill>
+                <a:latin typeface="Microsoft YaHei" panose="020B0503020204020204" pitchFamily="34" charset="-122"/>
+                <a:ea typeface="Microsoft YaHei" panose="020B0503020204020204" pitchFamily="34" charset="-122"/>
+              </a:rPr>
+              <a:t>i</a:t>
+            </a:r>
+            <a:r>
+              <a:rPr kumimoji="1" lang="en-US" altLang="zh-CN" sz="2800" dirty="0">
+                <a:solidFill>
+                  <a:schemeClr val="bg1"/>
+                </a:solidFill>
+                <a:latin typeface="Microsoft YaHei" panose="020B0503020204020204" pitchFamily="34" charset="-122"/>
+                <a:ea typeface="Microsoft YaHei" panose="020B0503020204020204" pitchFamily="34" charset="-122"/>
+              </a:rPr>
+              <a:t>--,</a:t>
+            </a:r>
+            <a:r>
+              <a:rPr kumimoji="1" lang="zh-CN" altLang="en-US" sz="2800" dirty="0">
+                <a:solidFill>
+                  <a:schemeClr val="bg1"/>
+                </a:solidFill>
+                <a:latin typeface="Microsoft YaHei" panose="020B0503020204020204" pitchFamily="34" charset="-122"/>
+                <a:ea typeface="Microsoft YaHei" panose="020B0503020204020204" pitchFamily="34" charset="-122"/>
+              </a:rPr>
+              <a:t> </a:t>
+            </a:r>
+            <a:r>
+              <a:rPr kumimoji="1" lang="en-US" altLang="zh-CN" sz="2800" dirty="0">
+                <a:solidFill>
+                  <a:schemeClr val="bg1"/>
+                </a:solidFill>
+                <a:latin typeface="Microsoft YaHei" panose="020B0503020204020204" pitchFamily="34" charset="-122"/>
+                <a:ea typeface="Microsoft YaHei" panose="020B0503020204020204" pitchFamily="34" charset="-122"/>
+              </a:rPr>
+              <a:t>--</a:t>
+            </a:r>
+            <a:r>
+              <a:rPr kumimoji="1" lang="en-US" altLang="zh-CN" sz="2800" dirty="0" err="1">
+                <a:solidFill>
+                  <a:schemeClr val="bg1"/>
+                </a:solidFill>
+                <a:latin typeface="Microsoft YaHei" panose="020B0503020204020204" pitchFamily="34" charset="-122"/>
+                <a:ea typeface="Microsoft YaHei" panose="020B0503020204020204" pitchFamily="34" charset="-122"/>
+              </a:rPr>
+              <a:t>i</a:t>
+            </a:r>
+            <a:endParaRPr kumimoji="1" lang="zh-CN" altLang="en-US" sz="2800" dirty="0">
+              <a:solidFill>
+                <a:schemeClr val="bg1"/>
+              </a:solidFill>
               <a:latin typeface="Microsoft YaHei" panose="020B0503020204020204" pitchFamily="34" charset="-122"/>
               <a:ea typeface="Microsoft YaHei" panose="020B0503020204020204" pitchFamily="34" charset="-122"/>
             </a:endParaRPr>
           </a:p>
-          <a:p>
-            <a:pPr marL="571500" indent="-571500" algn="ctr">
-              <a:lnSpc>
-                <a:spcPct val="150000"/>
-              </a:lnSpc>
-              <a:buFont typeface="Wingdings" pitchFamily="2" charset="2"/>
-              <a:buChar char="Ø"/>
-            </a:pPr>
-            <a:r>
-              <a:rPr kumimoji="1" lang="zh-CN" altLang="en-US" sz="3600" dirty="0">
-                <a:latin typeface="Microsoft YaHei" panose="020B0503020204020204" pitchFamily="34" charset="-122"/>
-                <a:ea typeface="Microsoft YaHei" panose="020B0503020204020204" pitchFamily="34" charset="-122"/>
-              </a:rPr>
-              <a:t>汇编语言</a:t>
-            </a:r>
-            <a:endParaRPr kumimoji="1" lang="en-US" altLang="zh-CN" sz="3600" dirty="0">
-              <a:latin typeface="Microsoft YaHei" panose="020B0503020204020204" pitchFamily="34" charset="-122"/>
-              <a:ea typeface="Microsoft YaHei" panose="020B0503020204020204" pitchFamily="34" charset="-122"/>
-            </a:endParaRPr>
-          </a:p>
-          <a:p>
-            <a:pPr marL="571500" indent="-571500" algn="ctr">
-              <a:lnSpc>
-                <a:spcPct val="150000"/>
-              </a:lnSpc>
-              <a:buFont typeface="Wingdings" pitchFamily="2" charset="2"/>
-              <a:buChar char="Ø"/>
-            </a:pPr>
-            <a:r>
-              <a:rPr kumimoji="1" lang="zh-CN" altLang="en-US" sz="3600" dirty="0">
-                <a:latin typeface="Microsoft YaHei" panose="020B0503020204020204" pitchFamily="34" charset="-122"/>
-                <a:ea typeface="Microsoft YaHei" panose="020B0503020204020204" pitchFamily="34" charset="-122"/>
-              </a:rPr>
-              <a:t>高级语言</a:t>
-            </a:r>
-          </a:p>
         </p:txBody>
       </p:sp>
     </p:spTree>
     <p:extLst>
       <p:ext uri="{BB962C8B-B14F-4D97-AF65-F5344CB8AC3E}">
-        <p14:creationId xmlns:p14="http://schemas.microsoft.com/office/powerpoint/2010/main" val="24070890"/>
+        <p14:creationId xmlns:p14="http://schemas.microsoft.com/office/powerpoint/2010/main" val="2768989737"/>
       </p:ext>
     </p:extLst>
   </p:cSld>
@@ -8588,38 +8473,54 @@
                 <a:latin typeface="Microsoft YaHei" panose="020B0503020204020204" pitchFamily="34" charset="-122"/>
                 <a:ea typeface="Microsoft YaHei" panose="020B0503020204020204" pitchFamily="34" charset="-122"/>
               </a:rPr>
-              <a:t>3.Java</a:t>
+              <a:t>4.1</a:t>
             </a:r>
             <a:r>
               <a:rPr kumimoji="1" lang="zh-CN" altLang="en-US" sz="4800" dirty="0">
                 <a:latin typeface="Microsoft YaHei" panose="020B0503020204020204" pitchFamily="34" charset="-122"/>
                 <a:ea typeface="Microsoft YaHei" panose="020B0503020204020204" pitchFamily="34" charset="-122"/>
               </a:rPr>
-              <a:t>基础</a:t>
-            </a:r>
-            <a:r>
-              <a:rPr kumimoji="1" lang="en-US" altLang="zh-CN" sz="4800" dirty="0">
-                <a:latin typeface="Microsoft YaHei" panose="020B0503020204020204" pitchFamily="34" charset="-122"/>
-                <a:ea typeface="Microsoft YaHei" panose="020B0503020204020204" pitchFamily="34" charset="-122"/>
-              </a:rPr>
-              <a:t>---</a:t>
-            </a:r>
-            <a:r>
-              <a:rPr kumimoji="1" lang="zh-CN" altLang="en-US" sz="4800" dirty="0">
-                <a:latin typeface="Microsoft YaHei" panose="020B0503020204020204" pitchFamily="34" charset="-122"/>
-                <a:ea typeface="Microsoft YaHei" panose="020B0503020204020204" pitchFamily="34" charset="-122"/>
-              </a:rPr>
-              <a:t>机器语言</a:t>
-            </a:r>
-          </a:p>
-        </p:txBody>
-      </p:sp>
-      <p:sp>
-        <p:nvSpPr>
-          <p:cNvPr id="3" name="文本框 2">
-            <a:extLst>
-              <a:ext uri="{FF2B5EF4-FFF2-40B4-BE49-F238E27FC236}">
-                <a16:creationId xmlns:a16="http://schemas.microsoft.com/office/drawing/2014/main" id="{C0CFBE9F-84F2-FE48-AC8E-D41196C42DBA}"/>
+              <a:t> 数值类型</a:t>
+            </a:r>
+          </a:p>
+        </p:txBody>
+      </p:sp>
+      <p:pic>
+        <p:nvPicPr>
+          <p:cNvPr id="5" name="图片 4">
+            <a:extLst>
+              <a:ext uri="{FF2B5EF4-FFF2-40B4-BE49-F238E27FC236}">
+                <a16:creationId xmlns:a16="http://schemas.microsoft.com/office/drawing/2014/main" id="{79EF5976-0DD8-3A46-B211-E7A4AB2173D2}"/>
+              </a:ext>
+            </a:extLst>
+          </p:cNvPr>
+          <p:cNvPicPr>
+            <a:picLocks noChangeAspect="1"/>
+          </p:cNvPicPr>
+          <p:nvPr/>
+        </p:nvPicPr>
+        <p:blipFill>
+          <a:blip r:embed="rId4"/>
+          <a:stretch>
+            <a:fillRect/>
+          </a:stretch>
+        </p:blipFill>
+        <p:spPr>
+          <a:xfrm>
+            <a:off x="674254" y="3021236"/>
+            <a:ext cx="11294687" cy="3052618"/>
+          </a:xfrm>
+          <a:prstGeom prst="rect">
+            <a:avLst/>
+          </a:prstGeom>
+        </p:spPr>
+      </p:pic>
+      <p:sp>
+        <p:nvSpPr>
+          <p:cNvPr id="6" name="文本框 5">
+            <a:extLst>
+              <a:ext uri="{FF2B5EF4-FFF2-40B4-BE49-F238E27FC236}">
+                <a16:creationId xmlns:a16="http://schemas.microsoft.com/office/drawing/2014/main" id="{3BA08025-CDA1-7A46-B64A-463E93D860B9}"/>
               </a:ext>
             </a:extLst>
           </p:cNvPr>
@@ -8628,8 +8529,8 @@
         </p:nvSpPr>
         <p:spPr>
           <a:xfrm>
-            <a:off x="1246430" y="2630417"/>
-            <a:ext cx="11107608" cy="1308820"/>
+            <a:off x="1069108" y="1787236"/>
+            <a:ext cx="3502892" cy="523220"/>
           </a:xfrm>
           <a:prstGeom prst="rect">
             <a:avLst/>
@@ -8642,135 +8543,9 @@
           </a:bodyPr>
           <a:lstStyle/>
           <a:p>
-            <a:pPr>
-              <a:lnSpc>
-                <a:spcPct val="150000"/>
-              </a:lnSpc>
-            </a:pPr>
-            <a:r>
-              <a:rPr kumimoji="1" lang="zh-CN" altLang="en-US" sz="2800" dirty="0">
-                <a:latin typeface="Microsoft YaHei" panose="020B0503020204020204" pitchFamily="34" charset="-122"/>
-                <a:ea typeface="Microsoft YaHei" panose="020B0503020204020204" pitchFamily="34" charset="-122"/>
-              </a:rPr>
-              <a:t>机器能直接识别的程序语言或指令代码，每一操作码在计算机内部都有相应的电路来完成它</a:t>
-            </a:r>
-            <a:endParaRPr kumimoji="1" lang="en-US" altLang="zh-CN" sz="2800" dirty="0">
-              <a:latin typeface="Microsoft YaHei" panose="020B0503020204020204" pitchFamily="34" charset="-122"/>
-              <a:ea typeface="Microsoft YaHei" panose="020B0503020204020204" pitchFamily="34" charset="-122"/>
-            </a:endParaRPr>
-          </a:p>
-        </p:txBody>
-      </p:sp>
-      <p:sp>
-        <p:nvSpPr>
-          <p:cNvPr id="4" name="文本框 3">
-            <a:extLst>
-              <a:ext uri="{FF2B5EF4-FFF2-40B4-BE49-F238E27FC236}">
-                <a16:creationId xmlns:a16="http://schemas.microsoft.com/office/drawing/2014/main" id="{357F0E15-D285-254C-9C4A-E329D81A8DE7}"/>
-              </a:ext>
-            </a:extLst>
-          </p:cNvPr>
-          <p:cNvSpPr txBox="1"/>
-          <p:nvPr/>
-        </p:nvSpPr>
-        <p:spPr>
-          <a:xfrm>
-            <a:off x="540000" y="1800000"/>
-            <a:ext cx="1070042" cy="542675"/>
-          </a:xfrm>
-          <a:prstGeom prst="rect">
-            <a:avLst/>
-          </a:prstGeom>
-          <a:solidFill>
-            <a:schemeClr val="accent2"/>
-          </a:solidFill>
-        </p:spPr>
-        <p:txBody>
-          <a:bodyPr wrap="square" rtlCol="0">
-            <a:spAutoFit/>
-          </a:bodyPr>
-          <a:lstStyle/>
-          <a:p>
-            <a:r>
-              <a:rPr kumimoji="1" lang="zh-CN" altLang="en-US" sz="2800" dirty="0">
-                <a:solidFill>
-                  <a:schemeClr val="bg1"/>
-                </a:solidFill>
-                <a:latin typeface="Microsoft YaHei" panose="020B0503020204020204" pitchFamily="34" charset="-122"/>
-                <a:ea typeface="Microsoft YaHei" panose="020B0503020204020204" pitchFamily="34" charset="-122"/>
-              </a:rPr>
-              <a:t>定义</a:t>
-            </a:r>
-          </a:p>
-        </p:txBody>
-      </p:sp>
-      <p:sp>
-        <p:nvSpPr>
-          <p:cNvPr id="5" name="文本框 4">
-            <a:extLst>
-              <a:ext uri="{FF2B5EF4-FFF2-40B4-BE49-F238E27FC236}">
-                <a16:creationId xmlns:a16="http://schemas.microsoft.com/office/drawing/2014/main" id="{D5BC3BC4-1A71-C146-AB99-FF6D4C51D844}"/>
-              </a:ext>
-            </a:extLst>
-          </p:cNvPr>
-          <p:cNvSpPr txBox="1"/>
-          <p:nvPr/>
-        </p:nvSpPr>
-        <p:spPr>
-          <a:xfrm>
-            <a:off x="1246430" y="4515326"/>
-            <a:ext cx="11107608" cy="662489"/>
-          </a:xfrm>
-          <a:prstGeom prst="rect">
-            <a:avLst/>
-          </a:prstGeom>
-          <a:noFill/>
-        </p:spPr>
-        <p:txBody>
-          <a:bodyPr wrap="square" rtlCol="0">
-            <a:spAutoFit/>
-          </a:bodyPr>
-          <a:lstStyle/>
-          <a:p>
-            <a:pPr>
-              <a:lnSpc>
-                <a:spcPct val="150000"/>
-              </a:lnSpc>
-            </a:pPr>
-            <a:r>
-              <a:rPr kumimoji="1" lang="en-US" altLang="zh-CN" sz="2800" dirty="0">
-                <a:latin typeface="Microsoft YaHei" panose="020B0503020204020204" pitchFamily="34" charset="-122"/>
-                <a:ea typeface="Microsoft YaHei" panose="020B0503020204020204" pitchFamily="34" charset="-122"/>
-              </a:rPr>
-              <a:t>0100</a:t>
-            </a:r>
-            <a:r>
-              <a:rPr kumimoji="1" lang="zh-CN" altLang="en-US" sz="2800" dirty="0">
-                <a:latin typeface="Microsoft YaHei" panose="020B0503020204020204" pitchFamily="34" charset="-122"/>
-                <a:ea typeface="Microsoft YaHei" panose="020B0503020204020204" pitchFamily="34" charset="-122"/>
-              </a:rPr>
-              <a:t> </a:t>
-            </a:r>
-            <a:r>
-              <a:rPr kumimoji="1" lang="en-US" altLang="zh-CN" sz="2800" dirty="0">
-                <a:latin typeface="Microsoft YaHei" panose="020B0503020204020204" pitchFamily="34" charset="-122"/>
-                <a:ea typeface="Microsoft YaHei" panose="020B0503020204020204" pitchFamily="34" charset="-122"/>
-              </a:rPr>
-              <a:t>0111</a:t>
-            </a:r>
-            <a:r>
-              <a:rPr kumimoji="1" lang="zh-CN" altLang="en-US" sz="2800" dirty="0">
-                <a:latin typeface="Microsoft YaHei" panose="020B0503020204020204" pitchFamily="34" charset="-122"/>
-                <a:ea typeface="Microsoft YaHei" panose="020B0503020204020204" pitchFamily="34" charset="-122"/>
-              </a:rPr>
-              <a:t> </a:t>
-            </a:r>
-            <a:r>
-              <a:rPr kumimoji="1" lang="en-US" altLang="zh-CN" sz="2800" dirty="0">
-                <a:latin typeface="Microsoft YaHei" panose="020B0503020204020204" pitchFamily="34" charset="-122"/>
-                <a:ea typeface="Microsoft YaHei" panose="020B0503020204020204" pitchFamily="34" charset="-122"/>
-              </a:rPr>
-              <a:t>1101…</a:t>
+            <a:r>
+              <a:rPr kumimoji="1" lang="zh-CN" altLang="en-US" sz="2800" dirty="0"/>
+              <a:t>常用数据类型</a:t>
             </a:r>
           </a:p>
         </p:txBody>
@@ -8778,7 +8553,7 @@
     </p:spTree>
     <p:extLst>
       <p:ext uri="{BB962C8B-B14F-4D97-AF65-F5344CB8AC3E}">
-        <p14:creationId xmlns:p14="http://schemas.microsoft.com/office/powerpoint/2010/main" val="976537066"/>
+        <p14:creationId xmlns:p14="http://schemas.microsoft.com/office/powerpoint/2010/main" val="1542873552"/>
       </p:ext>
     </p:extLst>
   </p:cSld>
@@ -8848,38 +8623,24 @@
                 <a:latin typeface="Microsoft YaHei" panose="020B0503020204020204" pitchFamily="34" charset="-122"/>
                 <a:ea typeface="Microsoft YaHei" panose="020B0503020204020204" pitchFamily="34" charset="-122"/>
               </a:rPr>
-              <a:t>3.Java</a:t>
+              <a:t>4.2</a:t>
             </a:r>
             <a:r>
               <a:rPr kumimoji="1" lang="zh-CN" altLang="en-US" sz="4800" dirty="0">
                 <a:latin typeface="Microsoft YaHei" panose="020B0503020204020204" pitchFamily="34" charset="-122"/>
                 <a:ea typeface="Microsoft YaHei" panose="020B0503020204020204" pitchFamily="34" charset="-122"/>
               </a:rPr>
-              <a:t>基础</a:t>
-            </a:r>
-            <a:r>
-              <a:rPr kumimoji="1" lang="en-US" altLang="zh-CN" sz="4800" dirty="0">
-                <a:latin typeface="Microsoft YaHei" panose="020B0503020204020204" pitchFamily="34" charset="-122"/>
-                <a:ea typeface="Microsoft YaHei" panose="020B0503020204020204" pitchFamily="34" charset="-122"/>
-              </a:rPr>
-              <a:t>---</a:t>
-            </a:r>
-            <a:r>
-              <a:rPr kumimoji="1" lang="zh-CN" altLang="en-US" sz="4800" dirty="0">
-                <a:latin typeface="Microsoft YaHei" panose="020B0503020204020204" pitchFamily="34" charset="-122"/>
-                <a:ea typeface="Microsoft YaHei" panose="020B0503020204020204" pitchFamily="34" charset="-122"/>
-              </a:rPr>
-              <a:t>汇编语言</a:t>
-            </a:r>
-          </a:p>
-        </p:txBody>
-      </p:sp>
-      <p:sp>
-        <p:nvSpPr>
-          <p:cNvPr id="3" name="文本框 2">
-            <a:extLst>
-              <a:ext uri="{FF2B5EF4-FFF2-40B4-BE49-F238E27FC236}">
-                <a16:creationId xmlns:a16="http://schemas.microsoft.com/office/drawing/2014/main" id="{C0CFBE9F-84F2-FE48-AC8E-D41196C42DBA}"/>
+              <a:t> 数据操作</a:t>
+            </a:r>
+          </a:p>
+        </p:txBody>
+      </p:sp>
+      <p:sp>
+        <p:nvSpPr>
+          <p:cNvPr id="6" name="文本框 5">
+            <a:extLst>
+              <a:ext uri="{FF2B5EF4-FFF2-40B4-BE49-F238E27FC236}">
+                <a16:creationId xmlns:a16="http://schemas.microsoft.com/office/drawing/2014/main" id="{3BA08025-CDA1-7A46-B64A-463E93D860B9}"/>
               </a:ext>
             </a:extLst>
           </p:cNvPr>
@@ -8888,8 +8649,8 @@
         </p:nvSpPr>
         <p:spPr>
           <a:xfrm>
-            <a:off x="893618" y="2342675"/>
-            <a:ext cx="11003220" cy="3894143"/>
+            <a:off x="1069108" y="1787236"/>
+            <a:ext cx="3502892" cy="523220"/>
           </a:xfrm>
           <a:prstGeom prst="rect">
             <a:avLst/>
@@ -8902,311 +8663,47 @@
           </a:bodyPr>
           <a:lstStyle/>
           <a:p>
-            <a:pPr>
-              <a:lnSpc>
-                <a:spcPct val="150000"/>
-              </a:lnSpc>
-            </a:pPr>
-            <a:r>
-              <a:rPr kumimoji="1" lang="zh-CN" altLang="en-US" sz="2800" dirty="0">
-                <a:latin typeface="Microsoft YaHei" panose="020B0503020204020204" pitchFamily="34" charset="-122"/>
-                <a:ea typeface="Microsoft YaHei" panose="020B0503020204020204" pitchFamily="34" charset="-122"/>
-              </a:rPr>
-              <a:t>用助记符代替机器指令的操作码，用地址符号或标号代替指令或操作数的地址。在不同的设备中，汇编语言对应着不同的机器语言指令集</a:t>
-            </a:r>
-            <a:endParaRPr kumimoji="1" lang="en-US" altLang="zh-CN" sz="2800" dirty="0">
-              <a:latin typeface="Microsoft YaHei" panose="020B0503020204020204" pitchFamily="34" charset="-122"/>
-              <a:ea typeface="Microsoft YaHei" panose="020B0503020204020204" pitchFamily="34" charset="-122"/>
-            </a:endParaRPr>
-          </a:p>
-          <a:p>
-            <a:pPr>
-              <a:lnSpc>
-                <a:spcPct val="150000"/>
-              </a:lnSpc>
-            </a:pPr>
-            <a:endParaRPr kumimoji="1" lang="en-US" altLang="zh-CN" sz="2800" dirty="0">
-              <a:latin typeface="Microsoft YaHei" panose="020B0503020204020204" pitchFamily="34" charset="-122"/>
-              <a:ea typeface="Microsoft YaHei" panose="020B0503020204020204" pitchFamily="34" charset="-122"/>
-            </a:endParaRPr>
-          </a:p>
-          <a:p>
-            <a:pPr>
-              <a:lnSpc>
-                <a:spcPct val="150000"/>
-              </a:lnSpc>
-            </a:pPr>
-            <a:r>
-              <a:rPr kumimoji="1" lang="en-US" altLang="zh-CN" sz="2800" dirty="0">
-                <a:latin typeface="Microsoft YaHei" panose="020B0503020204020204" pitchFamily="34" charset="-122"/>
-                <a:ea typeface="Microsoft YaHei" panose="020B0503020204020204" pitchFamily="34" charset="-122"/>
-              </a:rPr>
-              <a:t>ADD</a:t>
-            </a:r>
-            <a:r>
-              <a:rPr kumimoji="1" lang="zh-CN" altLang="en-US" sz="2800" dirty="0">
-                <a:latin typeface="Microsoft YaHei" panose="020B0503020204020204" pitchFamily="34" charset="-122"/>
-                <a:ea typeface="Microsoft YaHei" panose="020B0503020204020204" pitchFamily="34" charset="-122"/>
-              </a:rPr>
-              <a:t> </a:t>
-            </a:r>
-            <a:r>
-              <a:rPr kumimoji="1" lang="en-US" altLang="zh-CN" sz="2800" dirty="0">
-                <a:latin typeface="Microsoft YaHei" panose="020B0503020204020204" pitchFamily="34" charset="-122"/>
-                <a:ea typeface="Microsoft YaHei" panose="020B0503020204020204" pitchFamily="34" charset="-122"/>
-              </a:rPr>
-              <a:t>R</a:t>
-            </a:r>
-            <a:r>
-              <a:rPr kumimoji="1" lang="en-US" altLang="zh-CN" sz="2800" baseline="-25000" dirty="0">
-                <a:latin typeface="Microsoft YaHei" panose="020B0503020204020204" pitchFamily="34" charset="-122"/>
-                <a:ea typeface="Microsoft YaHei" panose="020B0503020204020204" pitchFamily="34" charset="-122"/>
-              </a:rPr>
-              <a:t>1</a:t>
-            </a:r>
-            <a:r>
-              <a:rPr kumimoji="1" lang="zh-CN" altLang="en-US" sz="2800" dirty="0">
-                <a:latin typeface="Microsoft YaHei" panose="020B0503020204020204" pitchFamily="34" charset="-122"/>
-                <a:ea typeface="Microsoft YaHei" panose="020B0503020204020204" pitchFamily="34" charset="-122"/>
-              </a:rPr>
-              <a:t> </a:t>
-            </a:r>
-            <a:r>
-              <a:rPr kumimoji="1" lang="en-US" altLang="zh-CN" sz="2800" dirty="0">
-                <a:latin typeface="Microsoft YaHei" panose="020B0503020204020204" pitchFamily="34" charset="-122"/>
-                <a:ea typeface="Microsoft YaHei" panose="020B0503020204020204" pitchFamily="34" charset="-122"/>
-              </a:rPr>
-              <a:t>R</a:t>
-            </a:r>
-            <a:r>
-              <a:rPr kumimoji="1" lang="en-US" altLang="zh-CN" sz="2800" baseline="-25000" dirty="0">
-                <a:latin typeface="Microsoft YaHei" panose="020B0503020204020204" pitchFamily="34" charset="-122"/>
-                <a:ea typeface="Microsoft YaHei" panose="020B0503020204020204" pitchFamily="34" charset="-122"/>
-              </a:rPr>
-              <a:t>2</a:t>
-            </a:r>
-            <a:r>
-              <a:rPr kumimoji="1" lang="zh-CN" altLang="en-US" sz="2800" dirty="0">
-                <a:latin typeface="Microsoft YaHei" panose="020B0503020204020204" pitchFamily="34" charset="-122"/>
-                <a:ea typeface="Microsoft YaHei" panose="020B0503020204020204" pitchFamily="34" charset="-122"/>
-              </a:rPr>
-              <a:t>   </a:t>
-            </a:r>
-            <a:r>
-              <a:rPr kumimoji="1" lang="en-US" altLang="zh-CN" sz="2800" dirty="0">
-                <a:latin typeface="Microsoft YaHei" panose="020B0503020204020204" pitchFamily="34" charset="-122"/>
-                <a:ea typeface="Microsoft YaHei" panose="020B0503020204020204" pitchFamily="34" charset="-122"/>
-              </a:rPr>
-              <a:t>//</a:t>
-            </a:r>
-            <a:r>
-              <a:rPr kumimoji="1" lang="zh-CN" altLang="en-US" sz="2800" dirty="0">
-                <a:latin typeface="Microsoft YaHei" panose="020B0503020204020204" pitchFamily="34" charset="-122"/>
-                <a:ea typeface="Microsoft YaHei" panose="020B0503020204020204" pitchFamily="34" charset="-122"/>
-              </a:rPr>
-              <a:t> </a:t>
-            </a:r>
-            <a:r>
-              <a:rPr kumimoji="1" lang="en-US" altLang="zh-CN" sz="2800" dirty="0">
-                <a:latin typeface="Microsoft YaHei" panose="020B0503020204020204" pitchFamily="34" charset="-122"/>
-                <a:ea typeface="Microsoft YaHei" panose="020B0503020204020204" pitchFamily="34" charset="-122"/>
-              </a:rPr>
-              <a:t>R</a:t>
-            </a:r>
-            <a:r>
-              <a:rPr kumimoji="1" lang="zh-CN" altLang="en-US" sz="2800" dirty="0">
-                <a:latin typeface="Microsoft YaHei" panose="020B0503020204020204" pitchFamily="34" charset="-122"/>
-                <a:ea typeface="Microsoft YaHei" panose="020B0503020204020204" pitchFamily="34" charset="-122"/>
-              </a:rPr>
-              <a:t>为寄存器</a:t>
-            </a:r>
-            <a:r>
-              <a:rPr kumimoji="1" lang="en-US" altLang="zh-CN" sz="2800" dirty="0">
-                <a:latin typeface="Microsoft YaHei" panose="020B0503020204020204" pitchFamily="34" charset="-122"/>
-                <a:ea typeface="Microsoft YaHei" panose="020B0503020204020204" pitchFamily="34" charset="-122"/>
-              </a:rPr>
-              <a:t>register</a:t>
-            </a:r>
-          </a:p>
-          <a:p>
-            <a:pPr>
-              <a:lnSpc>
-                <a:spcPct val="150000"/>
-              </a:lnSpc>
-            </a:pPr>
-            <a:r>
-              <a:rPr kumimoji="1" lang="en-US" altLang="zh-CN" sz="2800" dirty="0">
-                <a:latin typeface="Microsoft YaHei" panose="020B0503020204020204" pitchFamily="34" charset="-122"/>
-                <a:ea typeface="Microsoft YaHei" panose="020B0503020204020204" pitchFamily="34" charset="-122"/>
-              </a:rPr>
-              <a:t>MOV</a:t>
-            </a:r>
-            <a:r>
-              <a:rPr kumimoji="1" lang="zh-CN" altLang="en-US" sz="2800" dirty="0">
-                <a:latin typeface="Microsoft YaHei" panose="020B0503020204020204" pitchFamily="34" charset="-122"/>
-                <a:ea typeface="Microsoft YaHei" panose="020B0503020204020204" pitchFamily="34" charset="-122"/>
-              </a:rPr>
-              <a:t> </a:t>
-            </a:r>
-            <a:r>
-              <a:rPr kumimoji="1" lang="en-US" altLang="zh-CN" sz="2800" dirty="0">
-                <a:latin typeface="Microsoft YaHei" panose="020B0503020204020204" pitchFamily="34" charset="-122"/>
-                <a:ea typeface="Microsoft YaHei" panose="020B0503020204020204" pitchFamily="34" charset="-122"/>
-              </a:rPr>
-              <a:t>A,</a:t>
-            </a:r>
-            <a:r>
-              <a:rPr kumimoji="1" lang="zh-CN" altLang="en-US" sz="2800" dirty="0">
-                <a:latin typeface="Microsoft YaHei" panose="020B0503020204020204" pitchFamily="34" charset="-122"/>
-                <a:ea typeface="Microsoft YaHei" panose="020B0503020204020204" pitchFamily="34" charset="-122"/>
-              </a:rPr>
-              <a:t> </a:t>
-            </a:r>
-            <a:r>
-              <a:rPr kumimoji="1" lang="en-US" altLang="zh-CN" sz="2800" dirty="0">
-                <a:latin typeface="Microsoft YaHei" panose="020B0503020204020204" pitchFamily="34" charset="-122"/>
-                <a:ea typeface="Microsoft YaHei" panose="020B0503020204020204" pitchFamily="34" charset="-122"/>
-              </a:rPr>
-              <a:t>R</a:t>
-            </a:r>
-            <a:r>
-              <a:rPr kumimoji="1" lang="en-US" altLang="zh-CN" sz="2800" baseline="-25000" dirty="0">
-                <a:latin typeface="Microsoft YaHei" panose="020B0503020204020204" pitchFamily="34" charset="-122"/>
-                <a:ea typeface="Microsoft YaHei" panose="020B0503020204020204" pitchFamily="34" charset="-122"/>
-              </a:rPr>
-              <a:t>n</a:t>
-            </a:r>
-            <a:r>
-              <a:rPr kumimoji="1" lang="zh-CN" altLang="en-US" sz="2800" dirty="0">
-                <a:latin typeface="Microsoft YaHei" panose="020B0503020204020204" pitchFamily="34" charset="-122"/>
-                <a:ea typeface="Microsoft YaHei" panose="020B0503020204020204" pitchFamily="34" charset="-122"/>
-              </a:rPr>
-              <a:t> </a:t>
-            </a:r>
-            <a:r>
-              <a:rPr kumimoji="1" lang="en-US" altLang="zh-CN" sz="2800" dirty="0">
-                <a:latin typeface="Microsoft YaHei" panose="020B0503020204020204" pitchFamily="34" charset="-122"/>
-                <a:ea typeface="Microsoft YaHei" panose="020B0503020204020204" pitchFamily="34" charset="-122"/>
-              </a:rPr>
-              <a:t>(</a:t>
-            </a:r>
-            <a:r>
-              <a:rPr kumimoji="1" lang="zh-CN" altLang="en-US" sz="2800" dirty="0">
-                <a:latin typeface="Microsoft YaHei" panose="020B0503020204020204" pitchFamily="34" charset="-122"/>
-                <a:ea typeface="Microsoft YaHei" panose="020B0503020204020204" pitchFamily="34" charset="-122"/>
-              </a:rPr>
-              <a:t> </a:t>
-            </a:r>
-            <a:r>
-              <a:rPr kumimoji="1" lang="en-US" altLang="zh-CN" sz="2800" dirty="0">
-                <a:latin typeface="Microsoft YaHei" panose="020B0503020204020204" pitchFamily="34" charset="-122"/>
-                <a:ea typeface="Microsoft YaHei" panose="020B0503020204020204" pitchFamily="34" charset="-122"/>
-              </a:rPr>
-              <a:t>A</a:t>
-            </a:r>
-            <a:r>
-              <a:rPr kumimoji="1" lang="zh-CN" altLang="en-US" sz="2800" dirty="0">
-                <a:latin typeface="Microsoft YaHei" panose="020B0503020204020204" pitchFamily="34" charset="-122"/>
-                <a:ea typeface="Microsoft YaHei" panose="020B0503020204020204" pitchFamily="34" charset="-122"/>
-              </a:rPr>
-              <a:t> </a:t>
-            </a:r>
-            <a:r>
-              <a:rPr kumimoji="1" lang="en-US" altLang="zh-CN" sz="2800" dirty="0">
-                <a:latin typeface="Microsoft YaHei" panose="020B0503020204020204" pitchFamily="34" charset="-122"/>
-                <a:ea typeface="Microsoft YaHei" panose="020B0503020204020204" pitchFamily="34" charset="-122"/>
-              </a:rPr>
-              <a:t>&lt;-</a:t>
-            </a:r>
-            <a:r>
-              <a:rPr kumimoji="1" lang="zh-CN" altLang="en-US" sz="2800" dirty="0">
-                <a:latin typeface="Microsoft YaHei" panose="020B0503020204020204" pitchFamily="34" charset="-122"/>
-                <a:ea typeface="Microsoft YaHei" panose="020B0503020204020204" pitchFamily="34" charset="-122"/>
-              </a:rPr>
-              <a:t> </a:t>
-            </a:r>
-            <a:r>
-              <a:rPr kumimoji="1" lang="en-US" altLang="zh-CN" sz="2800" dirty="0">
-                <a:latin typeface="Microsoft YaHei" panose="020B0503020204020204" pitchFamily="34" charset="-122"/>
-                <a:ea typeface="Microsoft YaHei" panose="020B0503020204020204" pitchFamily="34" charset="-122"/>
-              </a:rPr>
-              <a:t>R</a:t>
-            </a:r>
-            <a:r>
-              <a:rPr kumimoji="1" lang="en-US" altLang="zh-CN" sz="2800" baseline="-25000" dirty="0">
-                <a:latin typeface="Microsoft YaHei" panose="020B0503020204020204" pitchFamily="34" charset="-122"/>
-                <a:ea typeface="Microsoft YaHei" panose="020B0503020204020204" pitchFamily="34" charset="-122"/>
-              </a:rPr>
-              <a:t>n</a:t>
-            </a:r>
-            <a:r>
-              <a:rPr kumimoji="1" lang="en-US" altLang="zh-CN" sz="2800" dirty="0">
-                <a:latin typeface="Microsoft YaHei" panose="020B0503020204020204" pitchFamily="34" charset="-122"/>
-                <a:ea typeface="Microsoft YaHei" panose="020B0503020204020204" pitchFamily="34" charset="-122"/>
-              </a:rPr>
-              <a:t>)</a:t>
-            </a:r>
-          </a:p>
-          <a:p>
-            <a:pPr>
-              <a:lnSpc>
-                <a:spcPct val="150000"/>
-              </a:lnSpc>
-            </a:pPr>
-            <a:endParaRPr kumimoji="1" lang="zh-CN" altLang="en-US" sz="2800" dirty="0">
-              <a:latin typeface="Microsoft YaHei" panose="020B0503020204020204" pitchFamily="34" charset="-122"/>
-              <a:ea typeface="Microsoft YaHei" panose="020B0503020204020204" pitchFamily="34" charset="-122"/>
-            </a:endParaRPr>
-          </a:p>
-        </p:txBody>
-      </p:sp>
-      <p:sp>
-        <p:nvSpPr>
-          <p:cNvPr id="4" name="文本框 3">
-            <a:extLst>
-              <a:ext uri="{FF2B5EF4-FFF2-40B4-BE49-F238E27FC236}">
-                <a16:creationId xmlns:a16="http://schemas.microsoft.com/office/drawing/2014/main" id="{DDC745ED-DF34-D342-B366-1489B28F4142}"/>
-              </a:ext>
-            </a:extLst>
-          </p:cNvPr>
-          <p:cNvSpPr txBox="1"/>
+            <a:r>
+              <a:rPr kumimoji="1" lang="zh-CN" altLang="en-US" sz="2800" dirty="0"/>
+              <a:t>常用数据类型</a:t>
+            </a:r>
+          </a:p>
+        </p:txBody>
+      </p:sp>
+      <p:pic>
+        <p:nvPicPr>
+          <p:cNvPr id="4" name="图片 3">
+            <a:extLst>
+              <a:ext uri="{FF2B5EF4-FFF2-40B4-BE49-F238E27FC236}">
+                <a16:creationId xmlns:a16="http://schemas.microsoft.com/office/drawing/2014/main" id="{01744057-0653-7A4B-A5E8-09B3124F82BD}"/>
+              </a:ext>
+            </a:extLst>
+          </p:cNvPr>
+          <p:cNvPicPr>
+            <a:picLocks noChangeAspect="1"/>
+          </p:cNvPicPr>
           <p:nvPr/>
-        </p:nvSpPr>
+        </p:nvPicPr>
+        <p:blipFill>
+          <a:blip r:embed="rId4"/>
+          <a:stretch>
+            <a:fillRect/>
+          </a:stretch>
+        </p:blipFill>
         <p:spPr>
           <a:xfrm>
-            <a:off x="540000" y="1800000"/>
-            <a:ext cx="1070042" cy="542675"/>
+            <a:off x="0" y="2995439"/>
+            <a:ext cx="12192000" cy="1839495"/>
           </a:xfrm>
           <a:prstGeom prst="rect">
             <a:avLst/>
           </a:prstGeom>
-          <a:solidFill>
-            <a:schemeClr val="accent2"/>
-          </a:solidFill>
         </p:spPr>
-        <p:txBody>
-          <a:bodyPr wrap="square" rtlCol="0">
-            <a:spAutoFit/>
-          </a:bodyPr>
-          <a:lstStyle/>
-          <a:p>
-            <a:r>
-              <a:rPr kumimoji="1" lang="zh-CN" altLang="en-US" sz="2800" dirty="0">
-                <a:solidFill>
-                  <a:schemeClr val="bg1"/>
-                </a:solidFill>
-                <a:latin typeface="Microsoft YaHei" panose="020B0503020204020204" pitchFamily="34" charset="-122"/>
-                <a:ea typeface="Microsoft YaHei" panose="020B0503020204020204" pitchFamily="34" charset="-122"/>
-              </a:rPr>
-              <a:t>定义</a:t>
-            </a:r>
-          </a:p>
-        </p:txBody>
-      </p:sp>
+      </p:pic>
     </p:spTree>
     <p:extLst>
       <p:ext uri="{BB962C8B-B14F-4D97-AF65-F5344CB8AC3E}">
-        <p14:creationId xmlns:p14="http://schemas.microsoft.com/office/powerpoint/2010/main" val="1542873552"/>
+        <p14:creationId xmlns:p14="http://schemas.microsoft.com/office/powerpoint/2010/main" val="3554362694"/>
       </p:ext>
     </p:extLst>
   </p:cSld>
